--- a/resources/pinout.pptx
+++ b/resources/pinout.pptx
@@ -6,6 +6,7 @@
   </p:sldMasterIdLst>
   <p:sldIdLst>
     <p:sldId id="256" r:id="rId3"/>
+    <p:sldId id="257" r:id="rId4"/>
   </p:sldIdLst>
   <p:sldSz cx="10080625" cy="7559675"/>
   <p:notesSz cx="7772400" cy="10058400"/>
@@ -1538,7 +1539,7 @@
                 </a:uFill>
                 <a:latin typeface="Arial"/>
               </a:rPr>
-              <a:t>Click to </a:t>
+              <a:t>Cli</a:t>
             </a:r>
             <a:r>
               <a:rPr b="0" lang="en-US" sz="4400" spc="-1" strike="noStrike">
@@ -1552,7 +1553,7 @@
                 </a:uFill>
                 <a:latin typeface="Arial"/>
               </a:rPr>
-              <a:t>edit the </a:t>
+              <a:t>ck </a:t>
             </a:r>
             <a:r>
               <a:rPr b="0" lang="en-US" sz="4400" spc="-1" strike="noStrike">
@@ -1566,7 +1567,7 @@
                 </a:uFill>
                 <a:latin typeface="Arial"/>
               </a:rPr>
-              <a:t>title text </a:t>
+              <a:t>to </a:t>
             </a:r>
             <a:r>
               <a:rPr b="0" lang="en-US" sz="4400" spc="-1" strike="noStrike">
@@ -1580,7 +1581,147 @@
                 </a:uFill>
                 <a:latin typeface="Arial"/>
               </a:rPr>
-              <a:t>format</a:t>
+              <a:t>ed</a:t>
+            </a:r>
+            <a:r>
+              <a:rPr b="0" lang="en-US" sz="4400" spc="-1" strike="noStrike">
+                <a:solidFill>
+                  <a:srgbClr val="000000"/>
+                </a:solidFill>
+                <a:uFill>
+                  <a:solidFill>
+                    <a:srgbClr val="ffffff"/>
+                  </a:solidFill>
+                </a:uFill>
+                <a:latin typeface="Arial"/>
+              </a:rPr>
+              <a:t>it </a:t>
+            </a:r>
+            <a:r>
+              <a:rPr b="0" lang="en-US" sz="4400" spc="-1" strike="noStrike">
+                <a:solidFill>
+                  <a:srgbClr val="000000"/>
+                </a:solidFill>
+                <a:uFill>
+                  <a:solidFill>
+                    <a:srgbClr val="ffffff"/>
+                  </a:solidFill>
+                </a:uFill>
+                <a:latin typeface="Arial"/>
+              </a:rPr>
+              <a:t>th</a:t>
+            </a:r>
+            <a:r>
+              <a:rPr b="0" lang="en-US" sz="4400" spc="-1" strike="noStrike">
+                <a:solidFill>
+                  <a:srgbClr val="000000"/>
+                </a:solidFill>
+                <a:uFill>
+                  <a:solidFill>
+                    <a:srgbClr val="ffffff"/>
+                  </a:solidFill>
+                </a:uFill>
+                <a:latin typeface="Arial"/>
+              </a:rPr>
+              <a:t>e </a:t>
+            </a:r>
+            <a:r>
+              <a:rPr b="0" lang="en-US" sz="4400" spc="-1" strike="noStrike">
+                <a:solidFill>
+                  <a:srgbClr val="000000"/>
+                </a:solidFill>
+                <a:uFill>
+                  <a:solidFill>
+                    <a:srgbClr val="ffffff"/>
+                  </a:solidFill>
+                </a:uFill>
+                <a:latin typeface="Arial"/>
+              </a:rPr>
+              <a:t>titl</a:t>
+            </a:r>
+            <a:r>
+              <a:rPr b="0" lang="en-US" sz="4400" spc="-1" strike="noStrike">
+                <a:solidFill>
+                  <a:srgbClr val="000000"/>
+                </a:solidFill>
+                <a:uFill>
+                  <a:solidFill>
+                    <a:srgbClr val="ffffff"/>
+                  </a:solidFill>
+                </a:uFill>
+                <a:latin typeface="Arial"/>
+              </a:rPr>
+              <a:t>e </a:t>
+            </a:r>
+            <a:r>
+              <a:rPr b="0" lang="en-US" sz="4400" spc="-1" strike="noStrike">
+                <a:solidFill>
+                  <a:srgbClr val="000000"/>
+                </a:solidFill>
+                <a:uFill>
+                  <a:solidFill>
+                    <a:srgbClr val="ffffff"/>
+                  </a:solidFill>
+                </a:uFill>
+                <a:latin typeface="Arial"/>
+              </a:rPr>
+              <a:t>te</a:t>
+            </a:r>
+            <a:r>
+              <a:rPr b="0" lang="en-US" sz="4400" spc="-1" strike="noStrike">
+                <a:solidFill>
+                  <a:srgbClr val="000000"/>
+                </a:solidFill>
+                <a:uFill>
+                  <a:solidFill>
+                    <a:srgbClr val="ffffff"/>
+                  </a:solidFill>
+                </a:uFill>
+                <a:latin typeface="Arial"/>
+              </a:rPr>
+              <a:t>xt </a:t>
+            </a:r>
+            <a:r>
+              <a:rPr b="0" lang="en-US" sz="4400" spc="-1" strike="noStrike">
+                <a:solidFill>
+                  <a:srgbClr val="000000"/>
+                </a:solidFill>
+                <a:uFill>
+                  <a:solidFill>
+                    <a:srgbClr val="ffffff"/>
+                  </a:solidFill>
+                </a:uFill>
+                <a:latin typeface="Arial"/>
+              </a:rPr>
+              <a:t>for</a:t>
+            </a:r>
+            <a:r>
+              <a:rPr b="0" lang="en-US" sz="4400" spc="-1" strike="noStrike">
+                <a:solidFill>
+                  <a:srgbClr val="000000"/>
+                </a:solidFill>
+                <a:uFill>
+                  <a:solidFill>
+                    <a:srgbClr val="ffffff"/>
+                  </a:solidFill>
+                </a:uFill>
+                <a:latin typeface="Arial"/>
+              </a:rPr>
+              <a:t>m</a:t>
+            </a:r>
+            <a:r>
+              <a:rPr b="0" lang="en-US" sz="4400" spc="-1" strike="noStrike">
+                <a:solidFill>
+                  <a:srgbClr val="000000"/>
+                </a:solidFill>
+                <a:uFill>
+                  <a:solidFill>
+                    <a:srgbClr val="ffffff"/>
+                  </a:solidFill>
+                </a:uFill>
+                <a:latin typeface="Arial"/>
+              </a:rPr>
+              <a:t>at</a:t>
             </a:r>
             <a:endParaRPr b="0" lang="en-US" sz="4400" spc="-1" strike="noStrike">
               <a:solidFill>
@@ -1988,7 +2129,7 @@
           <a:bodyPr lIns="0" rIns="0" tIns="0" bIns="0"/>
           <a:p>
             <a:pPr algn="r"/>
-            <a:fld id="{6625AC4B-A4E9-4F80-A41D-E0B370CA56D7}" type="slidenum">
+            <a:fld id="{FCA13AE7-738F-4164-A619-255A14D8C18B}" type="slidenum">
               <a:rPr b="0" lang="en-US" sz="1400" spc="-1" strike="noStrike">
                 <a:solidFill>
                   <a:srgbClr val="000000"/>
@@ -2060,8 +2201,232 @@
           <p:nvPr/>
         </p:nvSpPr>
         <p:spPr>
-          <a:xfrm>
-            <a:off x="6766560" y="1005840"/>
+          <a:xfrm flipV="1">
+            <a:off x="3383280" y="4480560"/>
+            <a:ext cx="0" cy="640080"/>
+          </a:xfrm>
+          <a:prstGeom prst="line">
+            <a:avLst/>
+          </a:prstGeom>
+          <a:ln w="29160">
+            <a:solidFill>
+              <a:srgbClr val="999999"/>
+            </a:solidFill>
+            <a:round/>
+          </a:ln>
+        </p:spPr>
+        <p:style>
+          <a:lnRef idx="0"/>
+          <a:fillRef idx="0"/>
+          <a:effectRef idx="0"/>
+          <a:fontRef idx="minor"/>
+        </p:style>
+      </p:sp>
+      <p:sp>
+        <p:nvSpPr>
+          <p:cNvPr id="40" name="Line 2"/>
+          <p:cNvSpPr/>
+          <p:nvPr/>
+        </p:nvSpPr>
+        <p:spPr>
+          <a:xfrm flipV="1">
+            <a:off x="5852160" y="4663440"/>
+            <a:ext cx="0" cy="457200"/>
+          </a:xfrm>
+          <a:prstGeom prst="line">
+            <a:avLst/>
+          </a:prstGeom>
+          <a:ln w="29160">
+            <a:solidFill>
+              <a:srgbClr val="999999"/>
+            </a:solidFill>
+            <a:round/>
+          </a:ln>
+        </p:spPr>
+        <p:style>
+          <a:lnRef idx="0"/>
+          <a:fillRef idx="0"/>
+          <a:effectRef idx="0"/>
+          <a:fontRef idx="minor"/>
+        </p:style>
+      </p:sp>
+      <p:sp>
+        <p:nvSpPr>
+          <p:cNvPr id="41" name="Line 3"/>
+          <p:cNvSpPr/>
+          <p:nvPr/>
+        </p:nvSpPr>
+        <p:spPr>
+          <a:xfrm>
+            <a:off x="3383280" y="4480560"/>
+            <a:ext cx="5212080" cy="0"/>
+          </a:xfrm>
+          <a:prstGeom prst="line">
+            <a:avLst/>
+          </a:prstGeom>
+          <a:ln w="29160">
+            <a:solidFill>
+              <a:srgbClr val="999999"/>
+            </a:solidFill>
+            <a:round/>
+          </a:ln>
+        </p:spPr>
+        <p:style>
+          <a:lnRef idx="0"/>
+          <a:fillRef idx="0"/>
+          <a:effectRef idx="0"/>
+          <a:fontRef idx="minor"/>
+        </p:style>
+      </p:sp>
+      <p:sp>
+        <p:nvSpPr>
+          <p:cNvPr id="42" name="Line 4"/>
+          <p:cNvSpPr/>
+          <p:nvPr/>
+        </p:nvSpPr>
+        <p:spPr>
+          <a:xfrm>
+            <a:off x="5852160" y="4663440"/>
+            <a:ext cx="2743200" cy="0"/>
+          </a:xfrm>
+          <a:prstGeom prst="line">
+            <a:avLst/>
+          </a:prstGeom>
+          <a:ln w="29160">
+            <a:solidFill>
+              <a:srgbClr val="999999"/>
+            </a:solidFill>
+            <a:round/>
+          </a:ln>
+        </p:spPr>
+        <p:style>
+          <a:lnRef idx="0"/>
+          <a:fillRef idx="0"/>
+          <a:effectRef idx="0"/>
+          <a:fontRef idx="minor"/>
+        </p:style>
+      </p:sp>
+      <p:sp>
+        <p:nvSpPr>
+          <p:cNvPr id="43" name="Line 5"/>
+          <p:cNvSpPr/>
+          <p:nvPr/>
+        </p:nvSpPr>
+        <p:spPr>
+          <a:xfrm flipV="1">
+            <a:off x="3383280" y="2031120"/>
+            <a:ext cx="0" cy="640080"/>
+          </a:xfrm>
+          <a:prstGeom prst="line">
+            <a:avLst/>
+          </a:prstGeom>
+          <a:ln w="29160">
+            <a:solidFill>
+              <a:srgbClr val="999999"/>
+            </a:solidFill>
+            <a:round/>
+          </a:ln>
+        </p:spPr>
+        <p:style>
+          <a:lnRef idx="0"/>
+          <a:fillRef idx="0"/>
+          <a:effectRef idx="0"/>
+          <a:fontRef idx="minor"/>
+        </p:style>
+      </p:sp>
+      <p:sp>
+        <p:nvSpPr>
+          <p:cNvPr id="44" name="Line 6"/>
+          <p:cNvSpPr/>
+          <p:nvPr/>
+        </p:nvSpPr>
+        <p:spPr>
+          <a:xfrm flipV="1">
+            <a:off x="5852160" y="2214000"/>
+            <a:ext cx="0" cy="457200"/>
+          </a:xfrm>
+          <a:prstGeom prst="line">
+            <a:avLst/>
+          </a:prstGeom>
+          <a:ln w="29160">
+            <a:solidFill>
+              <a:srgbClr val="999999"/>
+            </a:solidFill>
+            <a:round/>
+          </a:ln>
+        </p:spPr>
+        <p:style>
+          <a:lnRef idx="0"/>
+          <a:fillRef idx="0"/>
+          <a:effectRef idx="0"/>
+          <a:fontRef idx="minor"/>
+        </p:style>
+      </p:sp>
+      <p:sp>
+        <p:nvSpPr>
+          <p:cNvPr id="45" name="Line 7"/>
+          <p:cNvSpPr/>
+          <p:nvPr/>
+        </p:nvSpPr>
+        <p:spPr>
+          <a:xfrm flipV="1">
+            <a:off x="5852160" y="1025280"/>
+            <a:ext cx="0" cy="457200"/>
+          </a:xfrm>
+          <a:prstGeom prst="line">
+            <a:avLst/>
+          </a:prstGeom>
+          <a:ln w="29160">
+            <a:solidFill>
+              <a:srgbClr val="999999"/>
+            </a:solidFill>
+            <a:round/>
+          </a:ln>
+        </p:spPr>
+        <p:style>
+          <a:lnRef idx="0"/>
+          <a:fillRef idx="0"/>
+          <a:effectRef idx="0"/>
+          <a:fontRef idx="minor"/>
+        </p:style>
+      </p:sp>
+      <p:sp>
+        <p:nvSpPr>
+          <p:cNvPr id="46" name="Line 8"/>
+          <p:cNvSpPr/>
+          <p:nvPr/>
+        </p:nvSpPr>
+        <p:spPr>
+          <a:xfrm flipV="1">
+            <a:off x="3383280" y="1025280"/>
+            <a:ext cx="0" cy="640080"/>
+          </a:xfrm>
+          <a:prstGeom prst="line">
+            <a:avLst/>
+          </a:prstGeom>
+          <a:ln w="29160">
+            <a:solidFill>
+              <a:srgbClr val="999999"/>
+            </a:solidFill>
+            <a:round/>
+          </a:ln>
+        </p:spPr>
+        <p:style>
+          <a:lnRef idx="0"/>
+          <a:fillRef idx="0"/>
+          <a:effectRef idx="0"/>
+          <a:fontRef idx="minor"/>
+        </p:style>
+      </p:sp>
+      <p:sp>
+        <p:nvSpPr>
+          <p:cNvPr id="47" name="Line 9"/>
+          <p:cNvSpPr/>
+          <p:nvPr/>
+        </p:nvSpPr>
+        <p:spPr>
+          <a:xfrm>
+            <a:off x="4572000" y="5084640"/>
             <a:ext cx="914400" cy="0"/>
           </a:xfrm>
           <a:prstGeom prst="line">
@@ -2069,6 +2434,34 @@
           </a:prstGeom>
           <a:ln w="29160">
             <a:solidFill>
+              <a:srgbClr val="cc9900"/>
+            </a:solidFill>
+            <a:round/>
+          </a:ln>
+        </p:spPr>
+        <p:style>
+          <a:lnRef idx="0"/>
+          <a:fillRef idx="0"/>
+          <a:effectRef idx="0"/>
+          <a:fontRef idx="minor"/>
+        </p:style>
+      </p:sp>
+      <p:sp>
+        <p:nvSpPr>
+          <p:cNvPr id="48" name="Line 10"/>
+          <p:cNvSpPr/>
+          <p:nvPr/>
+        </p:nvSpPr>
+        <p:spPr>
+          <a:xfrm>
+            <a:off x="4372560" y="3366720"/>
+            <a:ext cx="914400" cy="0"/>
+          </a:xfrm>
+          <a:prstGeom prst="line">
+            <a:avLst/>
+          </a:prstGeom>
+          <a:ln w="29160">
+            <a:solidFill>
               <a:srgbClr val="000000"/>
             </a:solidFill>
             <a:round/>
@@ -2083,13 +2476,13 @@
       </p:sp>
       <p:sp>
         <p:nvSpPr>
-          <p:cNvPr id="40" name="Line 2"/>
-          <p:cNvSpPr/>
-          <p:nvPr/>
-        </p:nvSpPr>
-        <p:spPr>
-          <a:xfrm>
-            <a:off x="6766560" y="1828800"/>
+          <p:cNvPr id="49" name="Line 11"/>
+          <p:cNvSpPr/>
+          <p:nvPr/>
+        </p:nvSpPr>
+        <p:spPr>
+          <a:xfrm>
+            <a:off x="4372560" y="3732480"/>
             <a:ext cx="914400" cy="0"/>
           </a:xfrm>
           <a:prstGeom prst="line">
@@ -2111,13 +2504,41 @@
       </p:sp>
       <p:sp>
         <p:nvSpPr>
-          <p:cNvPr id="41" name="Line 3"/>
-          <p:cNvSpPr/>
-          <p:nvPr/>
-        </p:nvSpPr>
-        <p:spPr>
-          <a:xfrm>
-            <a:off x="6766560" y="2651760"/>
+          <p:cNvPr id="50" name="Line 12"/>
+          <p:cNvSpPr/>
+          <p:nvPr/>
+        </p:nvSpPr>
+        <p:spPr>
+          <a:xfrm>
+            <a:off x="4206240" y="4098240"/>
+            <a:ext cx="1080720" cy="0"/>
+          </a:xfrm>
+          <a:prstGeom prst="line">
+            <a:avLst/>
+          </a:prstGeom>
+          <a:ln w="29160">
+            <a:solidFill>
+              <a:srgbClr val="000000"/>
+            </a:solidFill>
+            <a:round/>
+          </a:ln>
+        </p:spPr>
+        <p:style>
+          <a:lnRef idx="0"/>
+          <a:fillRef idx="0"/>
+          <a:effectRef idx="0"/>
+          <a:fontRef idx="minor"/>
+        </p:style>
+      </p:sp>
+      <p:sp>
+        <p:nvSpPr>
+          <p:cNvPr id="51" name="Line 13"/>
+          <p:cNvSpPr/>
+          <p:nvPr/>
+        </p:nvSpPr>
+        <p:spPr>
+          <a:xfrm>
+            <a:off x="4372560" y="2981520"/>
             <a:ext cx="914400" cy="0"/>
           </a:xfrm>
           <a:prstGeom prst="line">
@@ -2139,13 +2560,41 @@
       </p:sp>
       <p:sp>
         <p:nvSpPr>
-          <p:cNvPr id="42" name="Line 4"/>
-          <p:cNvSpPr/>
-          <p:nvPr/>
-        </p:nvSpPr>
-        <p:spPr>
-          <a:xfrm>
-            <a:off x="6766560" y="4114800"/>
+          <p:cNvPr id="52" name="Line 14"/>
+          <p:cNvSpPr/>
+          <p:nvPr/>
+        </p:nvSpPr>
+        <p:spPr>
+          <a:xfrm>
+            <a:off x="4206240" y="2615760"/>
+            <a:ext cx="1080720" cy="0"/>
+          </a:xfrm>
+          <a:prstGeom prst="line">
+            <a:avLst/>
+          </a:prstGeom>
+          <a:ln w="29160">
+            <a:solidFill>
+              <a:srgbClr val="cc9900"/>
+            </a:solidFill>
+            <a:round/>
+          </a:ln>
+        </p:spPr>
+        <p:style>
+          <a:lnRef idx="0"/>
+          <a:fillRef idx="0"/>
+          <a:effectRef idx="0"/>
+          <a:fontRef idx="minor"/>
+        </p:style>
+      </p:sp>
+      <p:sp>
+        <p:nvSpPr>
+          <p:cNvPr id="53" name="Line 15"/>
+          <p:cNvSpPr/>
+          <p:nvPr/>
+        </p:nvSpPr>
+        <p:spPr>
+          <a:xfrm>
+            <a:off x="4389120" y="346320"/>
             <a:ext cx="914400" cy="0"/>
           </a:xfrm>
           <a:prstGeom prst="line">
@@ -2153,6 +2602,90 @@
           </a:prstGeom>
           <a:ln w="29160">
             <a:solidFill>
+              <a:srgbClr val="9900ff"/>
+            </a:solidFill>
+            <a:round/>
+          </a:ln>
+        </p:spPr>
+        <p:style>
+          <a:lnRef idx="0"/>
+          <a:fillRef idx="0"/>
+          <a:effectRef idx="0"/>
+          <a:fontRef idx="minor"/>
+        </p:style>
+      </p:sp>
+      <p:sp>
+        <p:nvSpPr>
+          <p:cNvPr id="54" name="Line 16"/>
+          <p:cNvSpPr/>
+          <p:nvPr/>
+        </p:nvSpPr>
+        <p:spPr>
+          <a:xfrm>
+            <a:off x="4464000" y="731520"/>
+            <a:ext cx="914400" cy="0"/>
+          </a:xfrm>
+          <a:prstGeom prst="line">
+            <a:avLst/>
+          </a:prstGeom>
+          <a:ln w="29160">
+            <a:solidFill>
+              <a:srgbClr val="9900ff"/>
+            </a:solidFill>
+            <a:round/>
+          </a:ln>
+        </p:spPr>
+        <p:style>
+          <a:lnRef idx="0"/>
+          <a:fillRef idx="0"/>
+          <a:effectRef idx="0"/>
+          <a:fontRef idx="minor"/>
+        </p:style>
+      </p:sp>
+      <p:sp>
+        <p:nvSpPr>
+          <p:cNvPr id="55" name="Line 17"/>
+          <p:cNvSpPr/>
+          <p:nvPr/>
+        </p:nvSpPr>
+        <p:spPr>
+          <a:xfrm>
+            <a:off x="4389120" y="1077840"/>
+            <a:ext cx="914400" cy="0"/>
+          </a:xfrm>
+          <a:prstGeom prst="line">
+            <a:avLst/>
+          </a:prstGeom>
+          <a:ln w="29160">
+            <a:solidFill>
+              <a:srgbClr val="cc9900"/>
+            </a:solidFill>
+            <a:round/>
+          </a:ln>
+        </p:spPr>
+        <p:style>
+          <a:lnRef idx="0"/>
+          <a:fillRef idx="0"/>
+          <a:effectRef idx="0"/>
+          <a:fontRef idx="minor"/>
+        </p:style>
+      </p:sp>
+      <p:sp>
+        <p:nvSpPr>
+          <p:cNvPr id="56" name="Line 18"/>
+          <p:cNvSpPr/>
+          <p:nvPr/>
+        </p:nvSpPr>
+        <p:spPr>
+          <a:xfrm>
+            <a:off x="4572000" y="5410800"/>
+            <a:ext cx="914400" cy="0"/>
+          </a:xfrm>
+          <a:prstGeom prst="line">
+            <a:avLst/>
+          </a:prstGeom>
+          <a:ln w="29160">
+            <a:solidFill>
               <a:srgbClr val="000000"/>
             </a:solidFill>
             <a:round/>
@@ -2167,13 +2700,13 @@
       </p:sp>
       <p:sp>
         <p:nvSpPr>
-          <p:cNvPr id="43" name="Line 5"/>
-          <p:cNvSpPr/>
-          <p:nvPr/>
-        </p:nvSpPr>
-        <p:spPr>
-          <a:xfrm>
-            <a:off x="6766560" y="4846320"/>
+          <p:cNvPr id="57" name="Line 19"/>
+          <p:cNvSpPr/>
+          <p:nvPr/>
+        </p:nvSpPr>
+        <p:spPr>
+          <a:xfrm>
+            <a:off x="1645920" y="731520"/>
             <a:ext cx="914400" cy="0"/>
           </a:xfrm>
           <a:prstGeom prst="line">
@@ -2181,6 +2714,205 @@
           </a:prstGeom>
           <a:ln w="29160">
             <a:solidFill>
+              <a:srgbClr val="3333ff"/>
+            </a:solidFill>
+            <a:round/>
+          </a:ln>
+        </p:spPr>
+        <p:style>
+          <a:lnRef idx="0"/>
+          <a:fillRef idx="0"/>
+          <a:effectRef idx="0"/>
+          <a:fontRef idx="minor"/>
+        </p:style>
+      </p:sp>
+      <p:sp>
+        <p:nvSpPr>
+          <p:cNvPr id="58" name="Line 20"/>
+          <p:cNvSpPr/>
+          <p:nvPr/>
+        </p:nvSpPr>
+        <p:spPr>
+          <a:xfrm>
+            <a:off x="1645920" y="3386880"/>
+            <a:ext cx="914400" cy="0"/>
+          </a:xfrm>
+          <a:prstGeom prst="line">
+            <a:avLst/>
+          </a:prstGeom>
+          <a:ln w="29160">
+            <a:solidFill>
+              <a:srgbClr val="3333ff"/>
+            </a:solidFill>
+            <a:round/>
+          </a:ln>
+        </p:spPr>
+        <p:style>
+          <a:lnRef idx="0"/>
+          <a:fillRef idx="0"/>
+          <a:effectRef idx="0"/>
+          <a:fontRef idx="minor"/>
+        </p:style>
+      </p:sp>
+      <p:sp>
+        <p:nvSpPr>
+          <p:cNvPr id="59" name="Line 21"/>
+          <p:cNvSpPr/>
+          <p:nvPr/>
+        </p:nvSpPr>
+        <p:spPr>
+          <a:xfrm>
+            <a:off x="1645920" y="5267520"/>
+            <a:ext cx="914400" cy="0"/>
+          </a:xfrm>
+          <a:prstGeom prst="line">
+            <a:avLst/>
+          </a:prstGeom>
+          <a:ln w="29160">
+            <a:solidFill>
+              <a:srgbClr val="3333ff"/>
+            </a:solidFill>
+            <a:round/>
+          </a:ln>
+        </p:spPr>
+        <p:style>
+          <a:lnRef idx="0"/>
+          <a:fillRef idx="0"/>
+          <a:effectRef idx="0"/>
+          <a:fontRef idx="minor"/>
+        </p:style>
+      </p:sp>
+      <p:sp>
+        <p:nvSpPr>
+          <p:cNvPr id="60" name="Line 22"/>
+          <p:cNvSpPr/>
+          <p:nvPr/>
+        </p:nvSpPr>
+        <p:spPr>
+          <a:xfrm>
+            <a:off x="1645920" y="5852160"/>
+            <a:ext cx="914400" cy="0"/>
+          </a:xfrm>
+          <a:prstGeom prst="line">
+            <a:avLst/>
+          </a:prstGeom>
+          <a:ln w="29160">
+            <a:solidFill>
+              <a:srgbClr val="3333ff"/>
+            </a:solidFill>
+            <a:round/>
+          </a:ln>
+        </p:spPr>
+        <p:style>
+          <a:lnRef idx="0"/>
+          <a:fillRef idx="0"/>
+          <a:effectRef idx="0"/>
+          <a:fontRef idx="minor"/>
+        </p:style>
+      </p:sp>
+      <p:sp>
+        <p:nvSpPr>
+          <p:cNvPr id="61" name="Line 23"/>
+          <p:cNvSpPr/>
+          <p:nvPr/>
+        </p:nvSpPr>
+        <p:spPr>
+          <a:xfrm>
+            <a:off x="1645920" y="6293520"/>
+            <a:ext cx="914400" cy="0"/>
+          </a:xfrm>
+          <a:prstGeom prst="line">
+            <a:avLst/>
+          </a:prstGeom>
+          <a:ln w="29160">
+            <a:solidFill>
+              <a:srgbClr val="3333ff"/>
+            </a:solidFill>
+            <a:round/>
+          </a:ln>
+        </p:spPr>
+        <p:style>
+          <a:lnRef idx="0"/>
+          <a:fillRef idx="0"/>
+          <a:effectRef idx="0"/>
+          <a:fontRef idx="minor"/>
+        </p:style>
+      </p:sp>
+      <p:sp>
+        <p:nvSpPr>
+          <p:cNvPr id="62" name="Line 24"/>
+          <p:cNvSpPr/>
+          <p:nvPr/>
+        </p:nvSpPr>
+        <p:spPr>
+          <a:xfrm>
+            <a:off x="1645920" y="6766560"/>
+            <a:ext cx="914400" cy="0"/>
+          </a:xfrm>
+          <a:prstGeom prst="line">
+            <a:avLst/>
+          </a:prstGeom>
+          <a:ln w="29160">
+            <a:solidFill>
+              <a:srgbClr val="3333ff"/>
+            </a:solidFill>
+            <a:round/>
+          </a:ln>
+        </p:spPr>
+        <p:style>
+          <a:lnRef idx="0"/>
+          <a:fillRef idx="0"/>
+          <a:effectRef idx="0"/>
+          <a:fontRef idx="minor"/>
+        </p:style>
+      </p:sp>
+      <p:sp>
+        <p:nvSpPr>
+          <p:cNvPr id="63" name="Line 25"/>
+          <p:cNvSpPr/>
+          <p:nvPr/>
+        </p:nvSpPr>
+        <p:spPr>
+          <a:xfrm>
+            <a:off x="1645920" y="7207920"/>
+            <a:ext cx="914400" cy="0"/>
+          </a:xfrm>
+          <a:prstGeom prst="line">
+            <a:avLst/>
+          </a:prstGeom>
+          <a:ln w="29160">
+            <a:solidFill>
+              <a:srgbClr val="3333ff"/>
+            </a:solidFill>
+            <a:round/>
+          </a:ln>
+        </p:spPr>
+        <p:style>
+          <a:lnRef idx="0"/>
+          <a:fillRef idx="0"/>
+          <a:effectRef idx="0"/>
+          <a:fontRef idx="minor"/>
+        </p:style>
+      </p:sp>
+      <p:sp>
+        <p:nvSpPr>
+          <p:cNvPr id="64" name="CustomShape 26"/>
+          <p:cNvSpPr/>
+          <p:nvPr/>
+        </p:nvSpPr>
+        <p:spPr>
+          <a:xfrm>
+            <a:off x="2468880" y="238320"/>
+            <a:ext cx="2103120" cy="1005840"/>
+          </a:xfrm>
+          <a:prstGeom prst="rect">
+            <a:avLst/>
+          </a:prstGeom>
+          <a:solidFill>
+            <a:srgbClr val="ffcc99"/>
+          </a:solidFill>
+          <a:ln w="29160">
+            <a:solidFill>
               <a:srgbClr val="000000"/>
             </a:solidFill>
             <a:round/>
@@ -2192,21 +2924,55 @@
           <a:effectRef idx="0"/>
           <a:fontRef idx="minor"/>
         </p:style>
-      </p:sp>
-      <p:sp>
-        <p:nvSpPr>
-          <p:cNvPr id="44" name="Line 6"/>
-          <p:cNvSpPr/>
-          <p:nvPr/>
-        </p:nvSpPr>
-        <p:spPr>
-          <a:xfrm>
-            <a:off x="6766560" y="5577840"/>
-            <a:ext cx="914400" cy="0"/>
-          </a:xfrm>
-          <a:prstGeom prst="line">
-            <a:avLst/>
-          </a:prstGeom>
+        <p:txBody>
+          <a:bodyPr wrap="none" lIns="104400" rIns="104400" tIns="59400" bIns="59400" anchor="ctr"/>
+          <a:p>
+            <a:pPr algn="ctr"/>
+            <a:r>
+              <a:rPr b="0" lang="en-US" sz="1800" spc="-1" strike="noStrike">
+                <a:solidFill>
+                  <a:srgbClr val="000000"/>
+                </a:solidFill>
+                <a:uFill>
+                  <a:solidFill>
+                    <a:srgbClr val="ffffff"/>
+                  </a:solidFill>
+                </a:uFill>
+                <a:latin typeface="Arial"/>
+              </a:rPr>
+              <a:t>Proctor RPi3</a:t>
+            </a:r>
+            <a:endParaRPr b="0" lang="en-US" sz="1800" spc="-1" strike="noStrike">
+              <a:solidFill>
+                <a:srgbClr val="000000"/>
+              </a:solidFill>
+              <a:uFill>
+                <a:solidFill>
+                  <a:srgbClr val="ffffff"/>
+                </a:solidFill>
+              </a:uFill>
+              <a:latin typeface="Arial"/>
+            </a:endParaRPr>
+          </a:p>
+        </p:txBody>
+      </p:sp>
+      <p:sp>
+        <p:nvSpPr>
+          <p:cNvPr id="65" name="CustomShape 27"/>
+          <p:cNvSpPr/>
+          <p:nvPr/>
+        </p:nvSpPr>
+        <p:spPr>
+          <a:xfrm>
+            <a:off x="2468880" y="2488320"/>
+            <a:ext cx="2103120" cy="1792800"/>
+          </a:xfrm>
+          <a:prstGeom prst="rect">
+            <a:avLst/>
+          </a:prstGeom>
+          <a:solidFill>
+            <a:srgbClr val="ff99ff"/>
+          </a:solidFill>
           <a:ln w="29160">
             <a:solidFill>
               <a:srgbClr val="000000"/>
@@ -2220,21 +2986,55 @@
           <a:effectRef idx="0"/>
           <a:fontRef idx="minor"/>
         </p:style>
-      </p:sp>
-      <p:sp>
-        <p:nvSpPr>
-          <p:cNvPr id="45" name="Line 7"/>
-          <p:cNvSpPr/>
-          <p:nvPr/>
-        </p:nvSpPr>
-        <p:spPr>
-          <a:xfrm>
-            <a:off x="6766560" y="6309360"/>
-            <a:ext cx="914400" cy="0"/>
-          </a:xfrm>
-          <a:prstGeom prst="line">
-            <a:avLst/>
-          </a:prstGeom>
+        <p:txBody>
+          <a:bodyPr wrap="none" lIns="104400" rIns="104400" tIns="59400" bIns="59400" anchor="ctr"/>
+          <a:p>
+            <a:pPr algn="ctr"/>
+            <a:r>
+              <a:rPr b="0" lang="en-US" sz="1800" spc="-1" strike="noStrike">
+                <a:solidFill>
+                  <a:srgbClr val="000000"/>
+                </a:solidFill>
+                <a:uFill>
+                  <a:solidFill>
+                    <a:srgbClr val="ffffff"/>
+                  </a:solidFill>
+                </a:uFill>
+                <a:latin typeface="Arial"/>
+              </a:rPr>
+              <a:t>Wall RPi3</a:t>
+            </a:r>
+            <a:endParaRPr b="0" lang="en-US" sz="1800" spc="-1" strike="noStrike">
+              <a:solidFill>
+                <a:srgbClr val="000000"/>
+              </a:solidFill>
+              <a:uFill>
+                <a:solidFill>
+                  <a:srgbClr val="ffffff"/>
+                </a:solidFill>
+              </a:uFill>
+              <a:latin typeface="Arial"/>
+            </a:endParaRPr>
+          </a:p>
+        </p:txBody>
+      </p:sp>
+      <p:sp>
+        <p:nvSpPr>
+          <p:cNvPr id="66" name="CustomShape 28"/>
+          <p:cNvSpPr/>
+          <p:nvPr/>
+        </p:nvSpPr>
+        <p:spPr>
+          <a:xfrm>
+            <a:off x="2468880" y="5669280"/>
+            <a:ext cx="1005840" cy="365760"/>
+          </a:xfrm>
+          <a:prstGeom prst="rect">
+            <a:avLst/>
+          </a:prstGeom>
+          <a:solidFill>
+            <a:srgbClr val="ff9999"/>
+          </a:solidFill>
           <a:ln w="29160">
             <a:solidFill>
               <a:srgbClr val="000000"/>
@@ -2248,23 +3048,54 @@
           <a:effectRef idx="0"/>
           <a:fontRef idx="minor"/>
         </p:style>
-      </p:sp>
-      <p:sp>
-        <p:nvSpPr>
-          <p:cNvPr id="46" name="CustomShape 8"/>
-          <p:cNvSpPr/>
-          <p:nvPr/>
-        </p:nvSpPr>
-        <p:spPr>
-          <a:xfrm>
-            <a:off x="7589520" y="731520"/>
-            <a:ext cx="2103120" cy="548640"/>
+        <p:txBody>
+          <a:bodyPr wrap="none" lIns="104400" rIns="104400" tIns="59400" bIns="59400" anchor="ctr"/>
+          <a:p>
+            <a:pPr algn="ctr"/>
+            <a:r>
+              <a:rPr b="0" lang="en-US" sz="1800" spc="-1" strike="noStrike">
+                <a:solidFill>
+                  <a:srgbClr val="000000"/>
+                </a:solidFill>
+                <a:uFill>
+                  <a:solidFill>
+                    <a:srgbClr val="ffffff"/>
+                  </a:solidFill>
+                </a:uFill>
+                <a:latin typeface="Arial"/>
+              </a:rPr>
+              <a:t>Cam 1</a:t>
+            </a:r>
+            <a:endParaRPr b="0" lang="en-US" sz="1800" spc="-1" strike="noStrike">
+              <a:solidFill>
+                <a:srgbClr val="000000"/>
+              </a:solidFill>
+              <a:uFill>
+                <a:solidFill>
+                  <a:srgbClr val="ffffff"/>
+                </a:solidFill>
+              </a:uFill>
+              <a:latin typeface="Arial"/>
+            </a:endParaRPr>
+          </a:p>
+        </p:txBody>
+      </p:sp>
+      <p:sp>
+        <p:nvSpPr>
+          <p:cNvPr id="67" name="CustomShape 29"/>
+          <p:cNvSpPr/>
+          <p:nvPr/>
+        </p:nvSpPr>
+        <p:spPr>
+          <a:xfrm>
+            <a:off x="2468880" y="6126480"/>
+            <a:ext cx="1005840" cy="365760"/>
           </a:xfrm>
           <a:prstGeom prst="rect">
             <a:avLst/>
           </a:prstGeom>
           <a:solidFill>
-            <a:srgbClr val="ffffff"/>
+            <a:srgbClr val="ff9999"/>
           </a:solidFill>
           <a:ln w="29160">
             <a:solidFill>
@@ -2295,7 +3126,7 @@
                 </a:uFill>
                 <a:latin typeface="Arial"/>
               </a:rPr>
-              <a:t>Proctor RPi3</a:t>
+              <a:t>Cam 2</a:t>
             </a:r>
             <a:endParaRPr b="0" lang="en-US" sz="1800" spc="-1" strike="noStrike">
               <a:solidFill>
@@ -2313,20 +3144,20 @@
       </p:sp>
       <p:sp>
         <p:nvSpPr>
-          <p:cNvPr id="47" name="CustomShape 9"/>
-          <p:cNvSpPr/>
-          <p:nvPr/>
-        </p:nvSpPr>
-        <p:spPr>
-          <a:xfrm>
-            <a:off x="7589520" y="1554480"/>
-            <a:ext cx="2103120" cy="548640"/>
+          <p:cNvPr id="68" name="CustomShape 30"/>
+          <p:cNvSpPr/>
+          <p:nvPr/>
+        </p:nvSpPr>
+        <p:spPr>
+          <a:xfrm>
+            <a:off x="2468880" y="6583680"/>
+            <a:ext cx="1005840" cy="365760"/>
           </a:xfrm>
           <a:prstGeom prst="rect">
             <a:avLst/>
           </a:prstGeom>
           <a:solidFill>
-            <a:srgbClr val="ffffff"/>
+            <a:srgbClr val="ff9999"/>
           </a:solidFill>
           <a:ln w="29160">
             <a:solidFill>
@@ -2357,7 +3188,7 @@
                 </a:uFill>
                 <a:latin typeface="Arial"/>
               </a:rPr>
-              <a:t>Wall RPi3</a:t>
+              <a:t>Cam 3</a:t>
             </a:r>
             <a:endParaRPr b="0" lang="en-US" sz="1800" spc="-1" strike="noStrike">
               <a:solidFill>
@@ -2375,20 +3206,20 @@
       </p:sp>
       <p:sp>
         <p:nvSpPr>
-          <p:cNvPr id="48" name="CustomShape 10"/>
-          <p:cNvSpPr/>
-          <p:nvPr/>
-        </p:nvSpPr>
-        <p:spPr>
-          <a:xfrm>
-            <a:off x="7589520" y="2377440"/>
-            <a:ext cx="2103120" cy="548640"/>
+          <p:cNvPr id="69" name="CustomShape 31"/>
+          <p:cNvSpPr/>
+          <p:nvPr/>
+        </p:nvSpPr>
+        <p:spPr>
+          <a:xfrm>
+            <a:off x="2468880" y="7040880"/>
+            <a:ext cx="1005840" cy="349920"/>
           </a:xfrm>
           <a:prstGeom prst="rect">
             <a:avLst/>
           </a:prstGeom>
           <a:solidFill>
-            <a:srgbClr val="ffffff"/>
+            <a:srgbClr val="ff9999"/>
           </a:solidFill>
           <a:ln w="29160">
             <a:solidFill>
@@ -2419,7 +3250,7 @@
                 </a:uFill>
                 <a:latin typeface="Arial"/>
               </a:rPr>
-              <a:t>Console RPi3</a:t>
+              <a:t>Cam 4</a:t>
             </a:r>
             <a:endParaRPr b="0" lang="en-US" sz="1800" spc="-1" strike="noStrike">
               <a:solidFill>
@@ -2437,20 +3268,20 @@
       </p:sp>
       <p:sp>
         <p:nvSpPr>
-          <p:cNvPr id="49" name="CustomShape 11"/>
-          <p:cNvSpPr/>
-          <p:nvPr/>
-        </p:nvSpPr>
-        <p:spPr>
-          <a:xfrm>
-            <a:off x="5669280" y="731520"/>
-            <a:ext cx="1280160" cy="5852160"/>
+          <p:cNvPr id="70" name="CustomShape 32"/>
+          <p:cNvSpPr/>
+          <p:nvPr/>
+        </p:nvSpPr>
+        <p:spPr>
+          <a:xfrm>
+            <a:off x="4885200" y="4917600"/>
+            <a:ext cx="2103120" cy="274320"/>
           </a:xfrm>
           <a:prstGeom prst="rect">
             <a:avLst/>
           </a:prstGeom>
           <a:solidFill>
-            <a:srgbClr val="ffffff"/>
+            <a:srgbClr val="99ff99"/>
           </a:solidFill>
           <a:ln w="29160">
             <a:solidFill>
@@ -2481,7 +3312,49 @@
                 </a:uFill>
                 <a:latin typeface="Arial"/>
               </a:rPr>
-              <a:t>Ethernet</a:t>
+              <a:t>Consol</a:t>
+            </a:r>
+            <a:r>
+              <a:rPr b="0" lang="en-US" sz="1800" spc="-1" strike="noStrike">
+                <a:solidFill>
+                  <a:srgbClr val="000000"/>
+                </a:solidFill>
+                <a:uFill>
+                  <a:solidFill>
+                    <a:srgbClr val="ffffff"/>
+                  </a:solidFill>
+                </a:uFill>
+                <a:latin typeface="Arial"/>
+              </a:rPr>
+              <a:t>e </a:t>
+            </a:r>
+            <a:r>
+              <a:rPr b="0" lang="en-US" sz="1800" spc="-1" strike="noStrike">
+                <a:solidFill>
+                  <a:srgbClr val="000000"/>
+                </a:solidFill>
+                <a:uFill>
+                  <a:solidFill>
+                    <a:srgbClr val="ffffff"/>
+                  </a:solidFill>
+                </a:uFill>
+                <a:latin typeface="Arial"/>
+              </a:rPr>
+              <a:t>Monito</a:t>
+            </a:r>
+            <a:r>
+              <a:rPr b="0" lang="en-US" sz="1800" spc="-1" strike="noStrike">
+                <a:solidFill>
+                  <a:srgbClr val="000000"/>
+                </a:solidFill>
+                <a:uFill>
+                  <a:solidFill>
+                    <a:srgbClr val="ffffff"/>
+                  </a:solidFill>
+                </a:uFill>
+                <a:latin typeface="Arial"/>
+              </a:rPr>
+              <a:t>r</a:t>
             </a:r>
             <a:endParaRPr b="0" lang="en-US" sz="1800" spc="-1" strike="noStrike">
               <a:solidFill>
@@ -2495,476 +3368,18 @@
               <a:latin typeface="Arial"/>
             </a:endParaRPr>
           </a:p>
-          <a:p>
-            <a:pPr algn="ctr"/>
-            <a:r>
-              <a:rPr b="0" lang="en-US" sz="1800" spc="-1" strike="noStrike">
-                <a:solidFill>
-                  <a:srgbClr val="000000"/>
-                </a:solidFill>
-                <a:uFill>
-                  <a:solidFill>
-                    <a:srgbClr val="ffffff"/>
-                  </a:solidFill>
-                </a:uFill>
-                <a:latin typeface="Arial"/>
-              </a:rPr>
-              <a:t>Switch</a:t>
-            </a:r>
-            <a:endParaRPr b="0" lang="en-US" sz="1800" spc="-1" strike="noStrike">
-              <a:solidFill>
-                <a:srgbClr val="000000"/>
-              </a:solidFill>
-              <a:uFill>
-                <a:solidFill>
-                  <a:srgbClr val="ffffff"/>
-                </a:solidFill>
-              </a:uFill>
-              <a:latin typeface="Arial"/>
-            </a:endParaRPr>
-          </a:p>
-        </p:txBody>
-      </p:sp>
-      <p:sp>
-        <p:nvSpPr>
-          <p:cNvPr id="50" name="CustomShape 12"/>
-          <p:cNvSpPr/>
-          <p:nvPr/>
-        </p:nvSpPr>
-        <p:spPr>
-          <a:xfrm>
-            <a:off x="7589520" y="3840480"/>
-            <a:ext cx="2103120" cy="548640"/>
-          </a:xfrm>
-          <a:prstGeom prst="rect">
-            <a:avLst/>
-          </a:prstGeom>
-          <a:solidFill>
-            <a:srgbClr val="ffffff"/>
-          </a:solidFill>
-          <a:ln w="29160">
-            <a:solidFill>
-              <a:srgbClr val="000000"/>
-            </a:solidFill>
-            <a:round/>
-          </a:ln>
-        </p:spPr>
-        <p:style>
-          <a:lnRef idx="0"/>
-          <a:fillRef idx="0"/>
-          <a:effectRef idx="0"/>
-          <a:fontRef idx="minor"/>
-        </p:style>
-        <p:txBody>
-          <a:bodyPr wrap="none" lIns="104400" rIns="104400" tIns="59400" bIns="59400" anchor="ctr"/>
-          <a:p>
-            <a:pPr algn="ctr"/>
-            <a:r>
-              <a:rPr b="0" lang="en-US" sz="1800" spc="-1" strike="noStrike">
-                <a:solidFill>
-                  <a:srgbClr val="000000"/>
-                </a:solidFill>
-                <a:uFill>
-                  <a:solidFill>
-                    <a:srgbClr val="ffffff"/>
-                  </a:solidFill>
-                </a:uFill>
-                <a:latin typeface="Arial"/>
-              </a:rPr>
-              <a:t>Cam 1</a:t>
-            </a:r>
-            <a:endParaRPr b="0" lang="en-US" sz="1800" spc="-1" strike="noStrike">
-              <a:solidFill>
-                <a:srgbClr val="000000"/>
-              </a:solidFill>
-              <a:uFill>
-                <a:solidFill>
-                  <a:srgbClr val="ffffff"/>
-                </a:solidFill>
-              </a:uFill>
-              <a:latin typeface="Arial"/>
-            </a:endParaRPr>
-          </a:p>
-        </p:txBody>
-      </p:sp>
-      <p:sp>
-        <p:nvSpPr>
-          <p:cNvPr id="51" name="CustomShape 13"/>
-          <p:cNvSpPr/>
-          <p:nvPr/>
-        </p:nvSpPr>
-        <p:spPr>
-          <a:xfrm>
-            <a:off x="7589520" y="4572000"/>
-            <a:ext cx="2103120" cy="548640"/>
-          </a:xfrm>
-          <a:prstGeom prst="rect">
-            <a:avLst/>
-          </a:prstGeom>
-          <a:solidFill>
-            <a:srgbClr val="ffffff"/>
-          </a:solidFill>
-          <a:ln w="29160">
-            <a:solidFill>
-              <a:srgbClr val="000000"/>
-            </a:solidFill>
-            <a:round/>
-          </a:ln>
-        </p:spPr>
-        <p:style>
-          <a:lnRef idx="0"/>
-          <a:fillRef idx="0"/>
-          <a:effectRef idx="0"/>
-          <a:fontRef idx="minor"/>
-        </p:style>
-        <p:txBody>
-          <a:bodyPr wrap="none" lIns="104400" rIns="104400" tIns="59400" bIns="59400" anchor="ctr"/>
-          <a:p>
-            <a:pPr algn="ctr"/>
-            <a:r>
-              <a:rPr b="0" lang="en-US" sz="1800" spc="-1" strike="noStrike">
-                <a:solidFill>
-                  <a:srgbClr val="000000"/>
-                </a:solidFill>
-                <a:uFill>
-                  <a:solidFill>
-                    <a:srgbClr val="ffffff"/>
-                  </a:solidFill>
-                </a:uFill>
-                <a:latin typeface="Arial"/>
-              </a:rPr>
-              <a:t>Cam 2</a:t>
-            </a:r>
-            <a:endParaRPr b="0" lang="en-US" sz="1800" spc="-1" strike="noStrike">
-              <a:solidFill>
-                <a:srgbClr val="000000"/>
-              </a:solidFill>
-              <a:uFill>
-                <a:solidFill>
-                  <a:srgbClr val="ffffff"/>
-                </a:solidFill>
-              </a:uFill>
-              <a:latin typeface="Arial"/>
-            </a:endParaRPr>
-          </a:p>
-        </p:txBody>
-      </p:sp>
-      <p:sp>
-        <p:nvSpPr>
-          <p:cNvPr id="52" name="CustomShape 14"/>
-          <p:cNvSpPr/>
-          <p:nvPr/>
-        </p:nvSpPr>
-        <p:spPr>
-          <a:xfrm>
-            <a:off x="7589520" y="5303520"/>
-            <a:ext cx="2103120" cy="548640"/>
-          </a:xfrm>
-          <a:prstGeom prst="rect">
-            <a:avLst/>
-          </a:prstGeom>
-          <a:solidFill>
-            <a:srgbClr val="ffffff"/>
-          </a:solidFill>
-          <a:ln w="29160">
-            <a:solidFill>
-              <a:srgbClr val="000000"/>
-            </a:solidFill>
-            <a:round/>
-          </a:ln>
-        </p:spPr>
-        <p:style>
-          <a:lnRef idx="0"/>
-          <a:fillRef idx="0"/>
-          <a:effectRef idx="0"/>
-          <a:fontRef idx="minor"/>
-        </p:style>
-        <p:txBody>
-          <a:bodyPr wrap="none" lIns="104400" rIns="104400" tIns="59400" bIns="59400" anchor="ctr"/>
-          <a:p>
-            <a:pPr algn="ctr"/>
-            <a:r>
-              <a:rPr b="0" lang="en-US" sz="1800" spc="-1" strike="noStrike">
-                <a:solidFill>
-                  <a:srgbClr val="000000"/>
-                </a:solidFill>
-                <a:uFill>
-                  <a:solidFill>
-                    <a:srgbClr val="ffffff"/>
-                  </a:solidFill>
-                </a:uFill>
-                <a:latin typeface="Arial"/>
-              </a:rPr>
-              <a:t>Cam 3</a:t>
-            </a:r>
-            <a:endParaRPr b="0" lang="en-US" sz="1800" spc="-1" strike="noStrike">
-              <a:solidFill>
-                <a:srgbClr val="000000"/>
-              </a:solidFill>
-              <a:uFill>
-                <a:solidFill>
-                  <a:srgbClr val="ffffff"/>
-                </a:solidFill>
-              </a:uFill>
-              <a:latin typeface="Arial"/>
-            </a:endParaRPr>
-          </a:p>
-        </p:txBody>
-      </p:sp>
-      <p:sp>
-        <p:nvSpPr>
-          <p:cNvPr id="53" name="CustomShape 15"/>
-          <p:cNvSpPr/>
-          <p:nvPr/>
-        </p:nvSpPr>
-        <p:spPr>
-          <a:xfrm>
-            <a:off x="7589520" y="6035040"/>
-            <a:ext cx="2103120" cy="548640"/>
-          </a:xfrm>
-          <a:prstGeom prst="rect">
-            <a:avLst/>
-          </a:prstGeom>
-          <a:solidFill>
-            <a:srgbClr val="ffffff"/>
-          </a:solidFill>
-          <a:ln w="29160">
-            <a:solidFill>
-              <a:srgbClr val="000000"/>
-            </a:solidFill>
-            <a:round/>
-          </a:ln>
-        </p:spPr>
-        <p:style>
-          <a:lnRef idx="0"/>
-          <a:fillRef idx="0"/>
-          <a:effectRef idx="0"/>
-          <a:fontRef idx="minor"/>
-        </p:style>
-        <p:txBody>
-          <a:bodyPr wrap="none" lIns="104400" rIns="104400" tIns="59400" bIns="59400" anchor="ctr"/>
-          <a:p>
-            <a:pPr algn="ctr"/>
-            <a:r>
-              <a:rPr b="0" lang="en-US" sz="1800" spc="-1" strike="noStrike">
-                <a:solidFill>
-                  <a:srgbClr val="000000"/>
-                </a:solidFill>
-                <a:uFill>
-                  <a:solidFill>
-                    <a:srgbClr val="ffffff"/>
-                  </a:solidFill>
-                </a:uFill>
-                <a:latin typeface="Arial"/>
-              </a:rPr>
-              <a:t>Cam 4</a:t>
-            </a:r>
-            <a:endParaRPr b="0" lang="en-US" sz="1800" spc="-1" strike="noStrike">
-              <a:solidFill>
-                <a:srgbClr val="000000"/>
-              </a:solidFill>
-              <a:uFill>
-                <a:solidFill>
-                  <a:srgbClr val="ffffff"/>
-                </a:solidFill>
-              </a:uFill>
-              <a:latin typeface="Arial"/>
-            </a:endParaRPr>
-          </a:p>
-        </p:txBody>
-      </p:sp>
-      <p:sp>
-        <p:nvSpPr>
-          <p:cNvPr id="54" name="CustomShape 16"/>
-          <p:cNvSpPr/>
-          <p:nvPr/>
-        </p:nvSpPr>
-        <p:spPr>
-          <a:xfrm>
-            <a:off x="457200" y="914400"/>
-            <a:ext cx="1188720" cy="548640"/>
-          </a:xfrm>
-          <a:prstGeom prst="rect">
-            <a:avLst/>
-          </a:prstGeom>
-          <a:solidFill>
-            <a:srgbClr val="ffffff"/>
-          </a:solidFill>
-          <a:ln w="29160">
-            <a:solidFill>
-              <a:srgbClr val="000000"/>
-            </a:solidFill>
-            <a:round/>
-          </a:ln>
-        </p:spPr>
-        <p:style>
-          <a:lnRef idx="0"/>
-          <a:fillRef idx="0"/>
-          <a:effectRef idx="0"/>
-          <a:fontRef idx="minor"/>
-        </p:style>
-        <p:txBody>
-          <a:bodyPr wrap="none" lIns="104400" rIns="104400" tIns="59400" bIns="59400" anchor="ctr"/>
-          <a:p>
-            <a:pPr algn="ctr"/>
-            <a:r>
-              <a:rPr b="0" lang="en-US" sz="1800" spc="-1" strike="noStrike">
-                <a:solidFill>
-                  <a:srgbClr val="000000"/>
-                </a:solidFill>
-                <a:uFill>
-                  <a:solidFill>
-                    <a:srgbClr val="ffffff"/>
-                  </a:solidFill>
-                </a:uFill>
-                <a:latin typeface="Arial"/>
-              </a:rPr>
-              <a:t>Proctor</a:t>
-            </a:r>
-            <a:endParaRPr b="0" lang="en-US" sz="1800" spc="-1" strike="noStrike">
-              <a:solidFill>
-                <a:srgbClr val="000000"/>
-              </a:solidFill>
-              <a:uFill>
-                <a:solidFill>
-                  <a:srgbClr val="ffffff"/>
-                </a:solidFill>
-              </a:uFill>
-              <a:latin typeface="Arial"/>
-            </a:endParaRPr>
-          </a:p>
-        </p:txBody>
-      </p:sp>
-      <p:sp>
-        <p:nvSpPr>
-          <p:cNvPr id="55" name="CustomShape 17"/>
-          <p:cNvSpPr/>
-          <p:nvPr/>
-        </p:nvSpPr>
-        <p:spPr>
-          <a:xfrm>
-            <a:off x="3657600" y="914400"/>
-            <a:ext cx="1188720" cy="548640"/>
-          </a:xfrm>
-          <a:prstGeom prst="rect">
-            <a:avLst/>
-          </a:prstGeom>
-          <a:solidFill>
-            <a:srgbClr val="ffffff"/>
-          </a:solidFill>
-          <a:ln w="29160">
-            <a:solidFill>
-              <a:srgbClr val="000000"/>
-            </a:solidFill>
-            <a:round/>
-          </a:ln>
-        </p:spPr>
-        <p:style>
-          <a:lnRef idx="0"/>
-          <a:fillRef idx="0"/>
-          <a:effectRef idx="0"/>
-          <a:fontRef idx="minor"/>
-        </p:style>
-        <p:txBody>
-          <a:bodyPr wrap="none" lIns="104400" rIns="104400" tIns="59400" bIns="59400" anchor="ctr"/>
-          <a:p>
-            <a:pPr algn="ctr"/>
-            <a:r>
-              <a:rPr b="0" lang="en-US" sz="1800" spc="-1" strike="noStrike">
-                <a:solidFill>
-                  <a:srgbClr val="000000"/>
-                </a:solidFill>
-                <a:uFill>
-                  <a:solidFill>
-                    <a:srgbClr val="ffffff"/>
-                  </a:solidFill>
-                </a:uFill>
-                <a:latin typeface="Arial"/>
-              </a:rPr>
-              <a:t>Cameras</a:t>
-            </a:r>
-            <a:endParaRPr b="0" lang="en-US" sz="1800" spc="-1" strike="noStrike">
-              <a:solidFill>
-                <a:srgbClr val="000000"/>
-              </a:solidFill>
-              <a:uFill>
-                <a:solidFill>
-                  <a:srgbClr val="ffffff"/>
-                </a:solidFill>
-              </a:uFill>
-              <a:latin typeface="Arial"/>
-            </a:endParaRPr>
-          </a:p>
-        </p:txBody>
-      </p:sp>
-      <p:sp>
-        <p:nvSpPr>
-          <p:cNvPr id="56" name="Line 18"/>
-          <p:cNvSpPr/>
-          <p:nvPr/>
-        </p:nvSpPr>
-        <p:spPr>
-          <a:xfrm>
-            <a:off x="1645920" y="1097280"/>
-            <a:ext cx="2011680" cy="0"/>
-          </a:xfrm>
-          <a:prstGeom prst="line">
-            <a:avLst/>
-          </a:prstGeom>
-          <a:ln w="29160">
-            <a:solidFill>
-              <a:srgbClr val="000000"/>
-            </a:solidFill>
-            <a:round/>
-            <a:tailEnd len="med" type="triangle" w="med"/>
-          </a:ln>
-        </p:spPr>
-        <p:style>
-          <a:lnRef idx="0"/>
-          <a:fillRef idx="0"/>
-          <a:effectRef idx="0"/>
-          <a:fontRef idx="minor"/>
-        </p:style>
-      </p:sp>
-      <p:sp>
-        <p:nvSpPr>
-          <p:cNvPr id="57" name="Line 19"/>
-          <p:cNvSpPr/>
-          <p:nvPr/>
-        </p:nvSpPr>
-        <p:spPr>
-          <a:xfrm>
-            <a:off x="1645920" y="1280160"/>
-            <a:ext cx="2011680" cy="0"/>
-          </a:xfrm>
-          <a:prstGeom prst="line">
-            <a:avLst/>
-          </a:prstGeom>
-          <a:ln w="29160">
-            <a:solidFill>
-              <a:srgbClr val="000000"/>
-            </a:solidFill>
-            <a:round/>
-            <a:headEnd len="med" type="triangle" w="med"/>
-          </a:ln>
-        </p:spPr>
-        <p:style>
-          <a:lnRef idx="0"/>
-          <a:fillRef idx="0"/>
-          <a:effectRef idx="0"/>
-          <a:fontRef idx="minor"/>
-        </p:style>
-      </p:sp>
-      <p:sp>
-        <p:nvSpPr>
-          <p:cNvPr id="58" name="TextShape 20"/>
+        </p:txBody>
+      </p:sp>
+      <p:sp>
+        <p:nvSpPr>
+          <p:cNvPr id="71" name="TextShape 33"/>
           <p:cNvSpPr txBox="1"/>
           <p:nvPr/>
         </p:nvSpPr>
         <p:spPr>
           <a:xfrm>
-            <a:off x="1645920" y="1463040"/>
-            <a:ext cx="1463040" cy="290160"/>
+            <a:off x="1828800" y="5267520"/>
+            <a:ext cx="731520" cy="290160"/>
           </a:xfrm>
           <a:prstGeom prst="rect">
             <a:avLst/>
@@ -2989,21 +3404,7 @@
                 </a:uFill>
                 <a:latin typeface="Arial"/>
               </a:rPr>
-              <a:t>Image </a:t>
-            </a:r>
-            <a:r>
-              <a:rPr b="0" lang="en-US" sz="1400" spc="-1" strike="noStrike">
-                <a:solidFill>
-                  <a:srgbClr val="000000"/>
-                </a:solidFill>
-                <a:uFill>
-                  <a:solidFill>
-                    <a:srgbClr val="ffffff"/>
-                  </a:solidFill>
-                </a:uFill>
-                <a:latin typeface="Arial"/>
-              </a:rPr>
-              <a:t>Data</a:t>
+              <a:t>Cat6</a:t>
             </a:r>
             <a:endParaRPr b="0" lang="en-US" sz="1400" spc="-1" strike="noStrike">
               <a:solidFill>
@@ -3021,14 +3422,14 @@
       </p:sp>
       <p:sp>
         <p:nvSpPr>
-          <p:cNvPr id="59" name="TextShape 21"/>
+          <p:cNvPr id="72" name="TextShape 34"/>
           <p:cNvSpPr txBox="1"/>
           <p:nvPr/>
         </p:nvSpPr>
         <p:spPr>
           <a:xfrm>
-            <a:off x="1645920" y="548640"/>
-            <a:ext cx="2286000" cy="307080"/>
+            <a:off x="1828800" y="3386880"/>
+            <a:ext cx="731520" cy="290160"/>
           </a:xfrm>
           <a:prstGeom prst="rect">
             <a:avLst/>
@@ -3053,49 +3454,7 @@
                 </a:uFill>
                 <a:latin typeface="Arial"/>
               </a:rPr>
-              <a:t>Frame </a:t>
-            </a:r>
-            <a:r>
-              <a:rPr b="0" lang="en-US" sz="1400" spc="-1" strike="noStrike">
-                <a:solidFill>
-                  <a:srgbClr val="000000"/>
-                </a:solidFill>
-                <a:uFill>
-                  <a:solidFill>
-                    <a:srgbClr val="ffffff"/>
-                  </a:solidFill>
-                </a:uFill>
-                <a:latin typeface="Arial"/>
-              </a:rPr>
-              <a:t>Rate </a:t>
-            </a:r>
-            <a:r>
-              <a:rPr b="0" lang="en-US" sz="1400" spc="-1" strike="noStrike">
-                <a:solidFill>
-                  <a:srgbClr val="000000"/>
-                </a:solidFill>
-                <a:uFill>
-                  <a:solidFill>
-                    <a:srgbClr val="ffffff"/>
-                  </a:solidFill>
-                </a:uFill>
-                <a:latin typeface="Arial"/>
-              </a:rPr>
-              <a:t>Configur</a:t>
-            </a:r>
-            <a:r>
-              <a:rPr b="0" lang="en-US" sz="1400" spc="-1" strike="noStrike">
-                <a:solidFill>
-                  <a:srgbClr val="000000"/>
-                </a:solidFill>
-                <a:uFill>
-                  <a:solidFill>
-                    <a:srgbClr val="ffffff"/>
-                  </a:solidFill>
-                </a:uFill>
-                <a:latin typeface="Arial"/>
-              </a:rPr>
-              <a:t>ation</a:t>
+              <a:t>Cat6</a:t>
             </a:r>
             <a:endParaRPr b="0" lang="en-US" sz="1400" spc="-1" strike="noStrike">
               <a:solidFill>
@@ -3113,531 +3472,14 @@
       </p:sp>
       <p:sp>
         <p:nvSpPr>
-          <p:cNvPr id="60" name="CustomShape 22"/>
-          <p:cNvSpPr/>
-          <p:nvPr/>
-        </p:nvSpPr>
-        <p:spPr>
-          <a:xfrm>
-            <a:off x="457200" y="2834640"/>
-            <a:ext cx="1188720" cy="548640"/>
-          </a:xfrm>
-          <a:prstGeom prst="rect">
-            <a:avLst/>
-          </a:prstGeom>
-          <a:solidFill>
-            <a:srgbClr val="ffffff"/>
-          </a:solidFill>
-          <a:ln w="29160">
-            <a:solidFill>
-              <a:srgbClr val="000000"/>
-            </a:solidFill>
-            <a:round/>
-          </a:ln>
-        </p:spPr>
-        <p:style>
-          <a:lnRef idx="0"/>
-          <a:fillRef idx="0"/>
-          <a:effectRef idx="0"/>
-          <a:fontRef idx="minor"/>
-        </p:style>
-        <p:txBody>
-          <a:bodyPr wrap="none" lIns="104400" rIns="104400" tIns="59400" bIns="59400" anchor="ctr"/>
-          <a:p>
-            <a:pPr algn="ctr"/>
-            <a:r>
-              <a:rPr b="0" lang="en-US" sz="1800" spc="-1" strike="noStrike">
-                <a:solidFill>
-                  <a:srgbClr val="000000"/>
-                </a:solidFill>
-                <a:uFill>
-                  <a:solidFill>
-                    <a:srgbClr val="ffffff"/>
-                  </a:solidFill>
-                </a:uFill>
-                <a:latin typeface="Arial"/>
-              </a:rPr>
-              <a:t>Proctor</a:t>
-            </a:r>
-            <a:endParaRPr b="0" lang="en-US" sz="1800" spc="-1" strike="noStrike">
-              <a:solidFill>
-                <a:srgbClr val="000000"/>
-              </a:solidFill>
-              <a:uFill>
-                <a:solidFill>
-                  <a:srgbClr val="ffffff"/>
-                </a:solidFill>
-              </a:uFill>
-              <a:latin typeface="Arial"/>
-            </a:endParaRPr>
-          </a:p>
-        </p:txBody>
-      </p:sp>
-      <p:sp>
-        <p:nvSpPr>
-          <p:cNvPr id="61" name="CustomShape 23"/>
-          <p:cNvSpPr/>
-          <p:nvPr/>
-        </p:nvSpPr>
-        <p:spPr>
-          <a:xfrm>
-            <a:off x="3657600" y="2834640"/>
-            <a:ext cx="1188720" cy="548640"/>
-          </a:xfrm>
-          <a:prstGeom prst="rect">
-            <a:avLst/>
-          </a:prstGeom>
-          <a:solidFill>
-            <a:srgbClr val="ffffff"/>
-          </a:solidFill>
-          <a:ln w="29160">
-            <a:solidFill>
-              <a:srgbClr val="000000"/>
-            </a:solidFill>
-            <a:round/>
-          </a:ln>
-        </p:spPr>
-        <p:style>
-          <a:lnRef idx="0"/>
-          <a:fillRef idx="0"/>
-          <a:effectRef idx="0"/>
-          <a:fontRef idx="minor"/>
-        </p:style>
-        <p:txBody>
-          <a:bodyPr wrap="none" lIns="104400" rIns="104400" tIns="59400" bIns="59400" anchor="ctr"/>
-          <a:p>
-            <a:pPr algn="ctr"/>
-            <a:r>
-              <a:rPr b="0" lang="en-US" sz="1800" spc="-1" strike="noStrike">
-                <a:solidFill>
-                  <a:srgbClr val="000000"/>
-                </a:solidFill>
-                <a:uFill>
-                  <a:solidFill>
-                    <a:srgbClr val="ffffff"/>
-                  </a:solidFill>
-                </a:uFill>
-                <a:latin typeface="Arial"/>
-              </a:rPr>
-              <a:t>Wall</a:t>
-            </a:r>
-            <a:endParaRPr b="0" lang="en-US" sz="1800" spc="-1" strike="noStrike">
-              <a:solidFill>
-                <a:srgbClr val="000000"/>
-              </a:solidFill>
-              <a:uFill>
-                <a:solidFill>
-                  <a:srgbClr val="ffffff"/>
-                </a:solidFill>
-              </a:uFill>
-              <a:latin typeface="Arial"/>
-            </a:endParaRPr>
-          </a:p>
-        </p:txBody>
-      </p:sp>
-      <p:sp>
-        <p:nvSpPr>
-          <p:cNvPr id="62" name="Line 24"/>
-          <p:cNvSpPr/>
-          <p:nvPr/>
-        </p:nvSpPr>
-        <p:spPr>
-          <a:xfrm>
-            <a:off x="1645920" y="3017520"/>
-            <a:ext cx="2011680" cy="0"/>
-          </a:xfrm>
-          <a:prstGeom prst="line">
-            <a:avLst/>
-          </a:prstGeom>
-          <a:ln w="29160">
-            <a:solidFill>
-              <a:srgbClr val="000000"/>
-            </a:solidFill>
-            <a:round/>
-            <a:tailEnd len="med" type="triangle" w="med"/>
-          </a:ln>
-        </p:spPr>
-        <p:style>
-          <a:lnRef idx="0"/>
-          <a:fillRef idx="0"/>
-          <a:effectRef idx="0"/>
-          <a:fontRef idx="minor"/>
-        </p:style>
-      </p:sp>
-      <p:sp>
-        <p:nvSpPr>
-          <p:cNvPr id="63" name="Line 25"/>
-          <p:cNvSpPr/>
-          <p:nvPr/>
-        </p:nvSpPr>
-        <p:spPr>
-          <a:xfrm>
-            <a:off x="1645920" y="3200400"/>
-            <a:ext cx="2011680" cy="0"/>
-          </a:xfrm>
-          <a:prstGeom prst="line">
-            <a:avLst/>
-          </a:prstGeom>
-          <a:ln w="29160">
-            <a:solidFill>
-              <a:srgbClr val="000000"/>
-            </a:solidFill>
-            <a:round/>
-            <a:headEnd len="med" type="triangle" w="med"/>
-          </a:ln>
-        </p:spPr>
-        <p:style>
-          <a:lnRef idx="0"/>
-          <a:fillRef idx="0"/>
-          <a:effectRef idx="0"/>
-          <a:fontRef idx="minor"/>
-        </p:style>
-      </p:sp>
-      <p:sp>
-        <p:nvSpPr>
-          <p:cNvPr id="64" name="CustomShape 26"/>
-          <p:cNvSpPr/>
-          <p:nvPr/>
-        </p:nvSpPr>
-        <p:spPr>
-          <a:xfrm>
-            <a:off x="457200" y="4572000"/>
-            <a:ext cx="1188720" cy="548640"/>
-          </a:xfrm>
-          <a:prstGeom prst="rect">
-            <a:avLst/>
-          </a:prstGeom>
-          <a:solidFill>
-            <a:srgbClr val="ffffff"/>
-          </a:solidFill>
-          <a:ln w="29160">
-            <a:solidFill>
-              <a:srgbClr val="000000"/>
-            </a:solidFill>
-            <a:round/>
-          </a:ln>
-        </p:spPr>
-        <p:style>
-          <a:lnRef idx="0"/>
-          <a:fillRef idx="0"/>
-          <a:effectRef idx="0"/>
-          <a:fontRef idx="minor"/>
-        </p:style>
-        <p:txBody>
-          <a:bodyPr wrap="none" lIns="104400" rIns="104400" tIns="59400" bIns="59400" anchor="ctr"/>
-          <a:p>
-            <a:pPr algn="ctr"/>
-            <a:r>
-              <a:rPr b="0" lang="en-US" sz="1800" spc="-1" strike="noStrike">
-                <a:solidFill>
-                  <a:srgbClr val="000000"/>
-                </a:solidFill>
-                <a:uFill>
-                  <a:solidFill>
-                    <a:srgbClr val="ffffff"/>
-                  </a:solidFill>
-                </a:uFill>
-                <a:latin typeface="Arial"/>
-              </a:rPr>
-              <a:t>Proctor</a:t>
-            </a:r>
-            <a:endParaRPr b="0" lang="en-US" sz="1800" spc="-1" strike="noStrike">
-              <a:solidFill>
-                <a:srgbClr val="000000"/>
-              </a:solidFill>
-              <a:uFill>
-                <a:solidFill>
-                  <a:srgbClr val="ffffff"/>
-                </a:solidFill>
-              </a:uFill>
-              <a:latin typeface="Arial"/>
-            </a:endParaRPr>
-          </a:p>
-        </p:txBody>
-      </p:sp>
-      <p:sp>
-        <p:nvSpPr>
-          <p:cNvPr id="65" name="CustomShape 27"/>
-          <p:cNvSpPr/>
-          <p:nvPr/>
-        </p:nvSpPr>
-        <p:spPr>
-          <a:xfrm>
-            <a:off x="3657600" y="4572000"/>
-            <a:ext cx="1188720" cy="548640"/>
-          </a:xfrm>
-          <a:prstGeom prst="rect">
-            <a:avLst/>
-          </a:prstGeom>
-          <a:solidFill>
-            <a:srgbClr val="ffffff"/>
-          </a:solidFill>
-          <a:ln w="29160">
-            <a:solidFill>
-              <a:srgbClr val="000000"/>
-            </a:solidFill>
-            <a:round/>
-          </a:ln>
-        </p:spPr>
-        <p:style>
-          <a:lnRef idx="0"/>
-          <a:fillRef idx="0"/>
-          <a:effectRef idx="0"/>
-          <a:fontRef idx="minor"/>
-        </p:style>
-        <p:txBody>
-          <a:bodyPr wrap="none" lIns="104400" rIns="104400" tIns="59400" bIns="59400" anchor="ctr"/>
-          <a:p>
-            <a:pPr algn="ctr"/>
-            <a:r>
-              <a:rPr b="0" lang="en-US" sz="1800" spc="-1" strike="noStrike">
-                <a:solidFill>
-                  <a:srgbClr val="000000"/>
-                </a:solidFill>
-                <a:uFill>
-                  <a:solidFill>
-                    <a:srgbClr val="ffffff"/>
-                  </a:solidFill>
-                </a:uFill>
-                <a:latin typeface="Arial"/>
-              </a:rPr>
-              <a:t>Console</a:t>
-            </a:r>
-            <a:endParaRPr b="0" lang="en-US" sz="1800" spc="-1" strike="noStrike">
-              <a:solidFill>
-                <a:srgbClr val="000000"/>
-              </a:solidFill>
-              <a:uFill>
-                <a:solidFill>
-                  <a:srgbClr val="ffffff"/>
-                </a:solidFill>
-              </a:uFill>
-              <a:latin typeface="Arial"/>
-            </a:endParaRPr>
-          </a:p>
-        </p:txBody>
-      </p:sp>
-      <p:sp>
-        <p:nvSpPr>
-          <p:cNvPr id="66" name="Line 28"/>
-          <p:cNvSpPr/>
-          <p:nvPr/>
-        </p:nvSpPr>
-        <p:spPr>
-          <a:xfrm>
-            <a:off x="1645920" y="4754880"/>
-            <a:ext cx="2011680" cy="0"/>
-          </a:xfrm>
-          <a:prstGeom prst="line">
-            <a:avLst/>
-          </a:prstGeom>
-          <a:ln w="29160">
-            <a:solidFill>
-              <a:srgbClr val="000000"/>
-            </a:solidFill>
-            <a:round/>
-            <a:tailEnd len="med" type="triangle" w="med"/>
-          </a:ln>
-        </p:spPr>
-        <p:style>
-          <a:lnRef idx="0"/>
-          <a:fillRef idx="0"/>
-          <a:effectRef idx="0"/>
-          <a:fontRef idx="minor"/>
-        </p:style>
-      </p:sp>
-      <p:sp>
-        <p:nvSpPr>
-          <p:cNvPr id="67" name="Line 29"/>
-          <p:cNvSpPr/>
-          <p:nvPr/>
-        </p:nvSpPr>
-        <p:spPr>
-          <a:xfrm>
-            <a:off x="1645920" y="4937760"/>
-            <a:ext cx="2011680" cy="0"/>
-          </a:xfrm>
-          <a:prstGeom prst="line">
-            <a:avLst/>
-          </a:prstGeom>
-          <a:ln w="29160">
-            <a:solidFill>
-              <a:srgbClr val="000000"/>
-            </a:solidFill>
-            <a:round/>
-            <a:headEnd len="med" type="triangle" w="med"/>
-          </a:ln>
-        </p:spPr>
-        <p:style>
-          <a:lnRef idx="0"/>
-          <a:fillRef idx="0"/>
-          <a:effectRef idx="0"/>
-          <a:fontRef idx="minor"/>
-        </p:style>
-      </p:sp>
-      <p:sp>
-        <p:nvSpPr>
-          <p:cNvPr id="68" name="CustomShape 30"/>
-          <p:cNvSpPr/>
-          <p:nvPr/>
-        </p:nvSpPr>
-        <p:spPr>
-          <a:xfrm>
-            <a:off x="457200" y="6400800"/>
-            <a:ext cx="1188720" cy="548640"/>
-          </a:xfrm>
-          <a:prstGeom prst="rect">
-            <a:avLst/>
-          </a:prstGeom>
-          <a:solidFill>
-            <a:srgbClr val="ffffff"/>
-          </a:solidFill>
-          <a:ln w="29160">
-            <a:solidFill>
-              <a:srgbClr val="000000"/>
-            </a:solidFill>
-            <a:round/>
-          </a:ln>
-        </p:spPr>
-        <p:style>
-          <a:lnRef idx="0"/>
-          <a:fillRef idx="0"/>
-          <a:effectRef idx="0"/>
-          <a:fontRef idx="minor"/>
-        </p:style>
-        <p:txBody>
-          <a:bodyPr wrap="none" lIns="104400" rIns="104400" tIns="59400" bIns="59400" anchor="ctr"/>
-          <a:p>
-            <a:pPr algn="ctr"/>
-            <a:r>
-              <a:rPr b="0" lang="en-US" sz="1800" spc="-1" strike="noStrike">
-                <a:solidFill>
-                  <a:srgbClr val="000000"/>
-                </a:solidFill>
-                <a:uFill>
-                  <a:solidFill>
-                    <a:srgbClr val="ffffff"/>
-                  </a:solidFill>
-                </a:uFill>
-                <a:latin typeface="Arial"/>
-              </a:rPr>
-              <a:t>Wall</a:t>
-            </a:r>
-            <a:endParaRPr b="0" lang="en-US" sz="1800" spc="-1" strike="noStrike">
-              <a:solidFill>
-                <a:srgbClr val="000000"/>
-              </a:solidFill>
-              <a:uFill>
-                <a:solidFill>
-                  <a:srgbClr val="ffffff"/>
-                </a:solidFill>
-              </a:uFill>
-              <a:latin typeface="Arial"/>
-            </a:endParaRPr>
-          </a:p>
-        </p:txBody>
-      </p:sp>
-      <p:sp>
-        <p:nvSpPr>
-          <p:cNvPr id="69" name="CustomShape 31"/>
-          <p:cNvSpPr/>
-          <p:nvPr/>
-        </p:nvSpPr>
-        <p:spPr>
-          <a:xfrm>
-            <a:off x="3657600" y="6400800"/>
-            <a:ext cx="1188720" cy="548640"/>
-          </a:xfrm>
-          <a:prstGeom prst="rect">
-            <a:avLst/>
-          </a:prstGeom>
-          <a:solidFill>
-            <a:srgbClr val="ffffff"/>
-          </a:solidFill>
-          <a:ln w="29160">
-            <a:solidFill>
-              <a:srgbClr val="000000"/>
-            </a:solidFill>
-            <a:round/>
-          </a:ln>
-        </p:spPr>
-        <p:style>
-          <a:lnRef idx="0"/>
-          <a:fillRef idx="0"/>
-          <a:effectRef idx="0"/>
-          <a:fontRef idx="minor"/>
-        </p:style>
-        <p:txBody>
-          <a:bodyPr wrap="none" lIns="104400" rIns="104400" tIns="59400" bIns="59400" anchor="ctr"/>
-          <a:p>
-            <a:pPr algn="ctr"/>
-            <a:r>
-              <a:rPr b="0" lang="en-US" sz="1800" spc="-1" strike="noStrike">
-                <a:solidFill>
-                  <a:srgbClr val="000000"/>
-                </a:solidFill>
-                <a:uFill>
-                  <a:solidFill>
-                    <a:srgbClr val="ffffff"/>
-                  </a:solidFill>
-                </a:uFill>
-                <a:latin typeface="Arial"/>
-              </a:rPr>
-              <a:t>Console</a:t>
-            </a:r>
-            <a:endParaRPr b="0" lang="en-US" sz="1800" spc="-1" strike="noStrike">
-              <a:solidFill>
-                <a:srgbClr val="000000"/>
-              </a:solidFill>
-              <a:uFill>
-                <a:solidFill>
-                  <a:srgbClr val="ffffff"/>
-                </a:solidFill>
-              </a:uFill>
-              <a:latin typeface="Arial"/>
-            </a:endParaRPr>
-          </a:p>
-        </p:txBody>
-      </p:sp>
-      <p:sp>
-        <p:nvSpPr>
-          <p:cNvPr id="70" name="Line 32"/>
-          <p:cNvSpPr/>
-          <p:nvPr/>
-        </p:nvSpPr>
-        <p:spPr>
-          <a:xfrm>
-            <a:off x="1645920" y="6583680"/>
-            <a:ext cx="2011680" cy="0"/>
-          </a:xfrm>
-          <a:prstGeom prst="line">
-            <a:avLst/>
-          </a:prstGeom>
-          <a:ln w="29160">
-            <a:solidFill>
-              <a:srgbClr val="000000"/>
-            </a:solidFill>
-            <a:round/>
-            <a:tailEnd len="med" type="triangle" w="med"/>
-          </a:ln>
-        </p:spPr>
-        <p:style>
-          <a:lnRef idx="0"/>
-          <a:fillRef idx="0"/>
-          <a:effectRef idx="0"/>
-          <a:fontRef idx="minor"/>
-        </p:style>
-      </p:sp>
-      <p:sp>
-        <p:nvSpPr>
-          <p:cNvPr id="71" name="TextShape 33"/>
+          <p:cNvPr id="73" name="TextShape 35"/>
           <p:cNvSpPr txBox="1"/>
           <p:nvPr/>
         </p:nvSpPr>
         <p:spPr>
           <a:xfrm>
-            <a:off x="1582920" y="2103120"/>
-            <a:ext cx="2286000" cy="689760"/>
+            <a:off x="1828800" y="731520"/>
+            <a:ext cx="731520" cy="290160"/>
           </a:xfrm>
           <a:prstGeom prst="rect">
             <a:avLst/>
@@ -3662,7 +3504,7 @@
                 </a:uFill>
                 <a:latin typeface="Arial"/>
               </a:rPr>
-              <a:t>Change time remaining</a:t>
+              <a:t>Cat6</a:t>
             </a:r>
             <a:endParaRPr b="0" lang="en-US" sz="1400" spc="-1" strike="noStrike">
               <a:solidFill>
@@ -3676,72 +3518,18 @@
               <a:latin typeface="Arial"/>
             </a:endParaRPr>
           </a:p>
-          <a:p>
-            <a:r>
-              <a:rPr b="0" lang="en-US" sz="1400" spc="-1" strike="noStrike">
-                <a:solidFill>
-                  <a:srgbClr val="000000"/>
-                </a:solidFill>
-                <a:uFill>
-                  <a:solidFill>
-                    <a:srgbClr val="ffffff"/>
-                  </a:solidFill>
-                </a:uFill>
-                <a:latin typeface="Arial"/>
-              </a:rPr>
-              <a:t>Go to Puzzle/Reset</a:t>
-            </a:r>
-            <a:endParaRPr b="0" lang="en-US" sz="1400" spc="-1" strike="noStrike">
-              <a:solidFill>
-                <a:srgbClr val="000000"/>
-              </a:solidFill>
-              <a:uFill>
-                <a:solidFill>
-                  <a:srgbClr val="ffffff"/>
-                </a:solidFill>
-              </a:uFill>
-              <a:latin typeface="Arial"/>
-            </a:endParaRPr>
-          </a:p>
-          <a:p>
-            <a:r>
-              <a:rPr b="0" lang="en-US" sz="1400" spc="-1" strike="noStrike">
-                <a:solidFill>
-                  <a:srgbClr val="000000"/>
-                </a:solidFill>
-                <a:uFill>
-                  <a:solidFill>
-                    <a:srgbClr val="ffffff"/>
-                  </a:solidFill>
-                </a:uFill>
-                <a:latin typeface="Arial"/>
-              </a:rPr>
-              <a:t>Pause</a:t>
-            </a:r>
-            <a:endParaRPr b="0" lang="en-US" sz="1400" spc="-1" strike="noStrike">
-              <a:solidFill>
-                <a:srgbClr val="000000"/>
-              </a:solidFill>
-              <a:uFill>
-                <a:solidFill>
-                  <a:srgbClr val="ffffff"/>
-                </a:solidFill>
-              </a:uFill>
-              <a:latin typeface="Arial"/>
-            </a:endParaRPr>
-          </a:p>
-        </p:txBody>
-      </p:sp>
-      <p:sp>
-        <p:nvSpPr>
-          <p:cNvPr id="72" name="TextShape 34"/>
+        </p:txBody>
+      </p:sp>
+      <p:sp>
+        <p:nvSpPr>
+          <p:cNvPr id="74" name="TextShape 36"/>
           <p:cNvSpPr txBox="1"/>
           <p:nvPr/>
         </p:nvSpPr>
         <p:spPr>
           <a:xfrm>
-            <a:off x="1554480" y="3383280"/>
-            <a:ext cx="2286000" cy="307080"/>
+            <a:off x="1828800" y="5852160"/>
+            <a:ext cx="731520" cy="290160"/>
           </a:xfrm>
           <a:prstGeom prst="rect">
             <a:avLst/>
@@ -3766,7 +3554,7 @@
                 </a:uFill>
                 <a:latin typeface="Arial"/>
               </a:rPr>
-              <a:t>Progress Status</a:t>
+              <a:t>Cat6</a:t>
             </a:r>
             <a:endParaRPr b="0" lang="en-US" sz="1400" spc="-1" strike="noStrike">
               <a:solidFill>
@@ -3784,14 +3572,14 @@
       </p:sp>
       <p:sp>
         <p:nvSpPr>
-          <p:cNvPr id="73" name="TextShape 35"/>
+          <p:cNvPr id="75" name="TextShape 37"/>
           <p:cNvSpPr txBox="1"/>
           <p:nvPr/>
         </p:nvSpPr>
         <p:spPr>
           <a:xfrm>
-            <a:off x="1645920" y="4206240"/>
-            <a:ext cx="2286000" cy="307080"/>
+            <a:off x="1828800" y="6293520"/>
+            <a:ext cx="731520" cy="290160"/>
           </a:xfrm>
           <a:prstGeom prst="rect">
             <a:avLst/>
@@ -3816,7 +3604,7 @@
                 </a:uFill>
                 <a:latin typeface="Arial"/>
               </a:rPr>
-              <a:t>Go to Puzzle/Reset</a:t>
+              <a:t>Cat6</a:t>
             </a:r>
             <a:endParaRPr b="0" lang="en-US" sz="1400" spc="-1" strike="noStrike">
               <a:solidFill>
@@ -3834,14 +3622,14 @@
       </p:sp>
       <p:sp>
         <p:nvSpPr>
-          <p:cNvPr id="74" name="TextShape 36"/>
+          <p:cNvPr id="76" name="TextShape 38"/>
           <p:cNvSpPr txBox="1"/>
           <p:nvPr/>
         </p:nvSpPr>
         <p:spPr>
           <a:xfrm>
-            <a:off x="1645920" y="5120640"/>
-            <a:ext cx="2286000" cy="307080"/>
+            <a:off x="1828800" y="6750720"/>
+            <a:ext cx="731520" cy="290160"/>
           </a:xfrm>
           <a:prstGeom prst="rect">
             <a:avLst/>
@@ -3866,7 +3654,7 @@
                 </a:uFill>
                 <a:latin typeface="Arial"/>
               </a:rPr>
-              <a:t>Progress Status</a:t>
+              <a:t>Cat6</a:t>
             </a:r>
             <a:endParaRPr b="0" lang="en-US" sz="1400" spc="-1" strike="noStrike">
               <a:solidFill>
@@ -3884,14 +3672,14 @@
       </p:sp>
       <p:sp>
         <p:nvSpPr>
-          <p:cNvPr id="75" name="TextShape 37"/>
+          <p:cNvPr id="77" name="TextShape 39"/>
           <p:cNvSpPr txBox="1"/>
           <p:nvPr/>
         </p:nvSpPr>
         <p:spPr>
           <a:xfrm>
-            <a:off x="1645920" y="6093720"/>
-            <a:ext cx="2286000" cy="307080"/>
+            <a:off x="1828800" y="7207920"/>
+            <a:ext cx="731520" cy="290160"/>
           </a:xfrm>
           <a:prstGeom prst="rect">
             <a:avLst/>
@@ -3916,9 +3704,1782 @@
                 </a:uFill>
                 <a:latin typeface="Arial"/>
               </a:rPr>
-              <a:t>Progress Status (Map)</a:t>
+              <a:t>Cat6</a:t>
             </a:r>
             <a:endParaRPr b="0" lang="en-US" sz="1400" spc="-1" strike="noStrike">
+              <a:solidFill>
+                <a:srgbClr val="000000"/>
+              </a:solidFill>
+              <a:uFill>
+                <a:solidFill>
+                  <a:srgbClr val="ffffff"/>
+                </a:solidFill>
+              </a:uFill>
+              <a:latin typeface="Arial"/>
+            </a:endParaRPr>
+          </a:p>
+        </p:txBody>
+      </p:sp>
+      <p:sp>
+        <p:nvSpPr>
+          <p:cNvPr id="78" name="TextShape 40"/>
+          <p:cNvSpPr txBox="1"/>
+          <p:nvPr/>
+        </p:nvSpPr>
+        <p:spPr>
+          <a:xfrm>
+            <a:off x="6988320" y="4901760"/>
+            <a:ext cx="731520" cy="290160"/>
+          </a:xfrm>
+          <a:prstGeom prst="rect">
+            <a:avLst/>
+          </a:prstGeom>
+          <a:noFill/>
+          <a:ln>
+            <a:noFill/>
+          </a:ln>
+        </p:spPr>
+        <p:txBody>
+          <a:bodyPr lIns="90000" rIns="90000" tIns="45000" bIns="45000"/>
+          <a:p>
+            <a:r>
+              <a:rPr b="0" lang="en-US" sz="1400" spc="-1" strike="noStrike">
+                <a:solidFill>
+                  <a:srgbClr val="000000"/>
+                </a:solidFill>
+                <a:uFill>
+                  <a:solidFill>
+                    <a:srgbClr val="ffffff"/>
+                  </a:solidFill>
+                </a:uFill>
+                <a:latin typeface="Arial"/>
+              </a:rPr>
+              <a:t>HDMI</a:t>
+            </a:r>
+            <a:endParaRPr b="0" lang="en-US" sz="1400" spc="-1" strike="noStrike">
+              <a:solidFill>
+                <a:srgbClr val="000000"/>
+              </a:solidFill>
+              <a:uFill>
+                <a:solidFill>
+                  <a:srgbClr val="ffffff"/>
+                </a:solidFill>
+              </a:uFill>
+              <a:latin typeface="Arial"/>
+            </a:endParaRPr>
+          </a:p>
+        </p:txBody>
+      </p:sp>
+      <p:sp>
+        <p:nvSpPr>
+          <p:cNvPr id="79" name="CustomShape 41"/>
+          <p:cNvSpPr/>
+          <p:nvPr/>
+        </p:nvSpPr>
+        <p:spPr>
+          <a:xfrm>
+            <a:off x="2468880" y="4917600"/>
+            <a:ext cx="2103120" cy="640080"/>
+          </a:xfrm>
+          <a:prstGeom prst="rect">
+            <a:avLst/>
+          </a:prstGeom>
+          <a:solidFill>
+            <a:srgbClr val="99ff99"/>
+          </a:solidFill>
+          <a:ln w="29160">
+            <a:solidFill>
+              <a:srgbClr val="000000"/>
+            </a:solidFill>
+            <a:round/>
+          </a:ln>
+        </p:spPr>
+        <p:style>
+          <a:lnRef idx="0"/>
+          <a:fillRef idx="0"/>
+          <a:effectRef idx="0"/>
+          <a:fontRef idx="minor"/>
+        </p:style>
+        <p:txBody>
+          <a:bodyPr wrap="none" lIns="104400" rIns="104400" tIns="59400" bIns="59400" anchor="ctr"/>
+          <a:p>
+            <a:pPr algn="ctr"/>
+            <a:r>
+              <a:rPr b="0" lang="en-US" sz="1800" spc="-1" strike="noStrike">
+                <a:solidFill>
+                  <a:srgbClr val="000000"/>
+                </a:solidFill>
+                <a:uFill>
+                  <a:solidFill>
+                    <a:srgbClr val="ffffff"/>
+                  </a:solidFill>
+                </a:uFill>
+                <a:latin typeface="Arial"/>
+              </a:rPr>
+              <a:t>Console RPi3</a:t>
+            </a:r>
+            <a:endParaRPr b="0" lang="en-US" sz="1800" spc="-1" strike="noStrike">
+              <a:solidFill>
+                <a:srgbClr val="000000"/>
+              </a:solidFill>
+              <a:uFill>
+                <a:solidFill>
+                  <a:srgbClr val="ffffff"/>
+                </a:solidFill>
+              </a:uFill>
+              <a:latin typeface="Arial"/>
+            </a:endParaRPr>
+          </a:p>
+        </p:txBody>
+      </p:sp>
+      <p:sp>
+        <p:nvSpPr>
+          <p:cNvPr id="80" name="TextShape 42"/>
+          <p:cNvSpPr txBox="1"/>
+          <p:nvPr/>
+        </p:nvSpPr>
+        <p:spPr>
+          <a:xfrm>
+            <a:off x="6988320" y="5286960"/>
+            <a:ext cx="914400" cy="307080"/>
+          </a:xfrm>
+          <a:prstGeom prst="rect">
+            <a:avLst/>
+          </a:prstGeom>
+          <a:noFill/>
+          <a:ln>
+            <a:noFill/>
+          </a:ln>
+        </p:spPr>
+        <p:txBody>
+          <a:bodyPr lIns="90000" rIns="90000" tIns="45000" bIns="45000"/>
+          <a:p>
+            <a:r>
+              <a:rPr b="0" lang="en-US" sz="1400" spc="-1" strike="noStrike">
+                <a:solidFill>
+                  <a:srgbClr val="000000"/>
+                </a:solidFill>
+                <a:uFill>
+                  <a:solidFill>
+                    <a:srgbClr val="ffffff"/>
+                  </a:solidFill>
+                </a:uFill>
+                <a:latin typeface="Arial"/>
+              </a:rPr>
+              <a:t>4x wires</a:t>
+            </a:r>
+            <a:endParaRPr b="0" lang="en-US" sz="1400" spc="-1" strike="noStrike">
+              <a:solidFill>
+                <a:srgbClr val="000000"/>
+              </a:solidFill>
+              <a:uFill>
+                <a:solidFill>
+                  <a:srgbClr val="ffffff"/>
+                </a:solidFill>
+              </a:uFill>
+              <a:latin typeface="Arial"/>
+            </a:endParaRPr>
+          </a:p>
+        </p:txBody>
+      </p:sp>
+      <p:sp>
+        <p:nvSpPr>
+          <p:cNvPr id="81" name="CustomShape 43"/>
+          <p:cNvSpPr/>
+          <p:nvPr/>
+        </p:nvSpPr>
+        <p:spPr>
+          <a:xfrm>
+            <a:off x="4885200" y="218880"/>
+            <a:ext cx="2103120" cy="274320"/>
+          </a:xfrm>
+          <a:prstGeom prst="rect">
+            <a:avLst/>
+          </a:prstGeom>
+          <a:solidFill>
+            <a:srgbClr val="ffcc99"/>
+          </a:solidFill>
+          <a:ln w="29160">
+            <a:solidFill>
+              <a:srgbClr val="000000"/>
+            </a:solidFill>
+            <a:round/>
+          </a:ln>
+        </p:spPr>
+        <p:style>
+          <a:lnRef idx="0"/>
+          <a:fillRef idx="0"/>
+          <a:effectRef idx="0"/>
+          <a:fontRef idx="minor"/>
+        </p:style>
+        <p:txBody>
+          <a:bodyPr wrap="none" lIns="104400" rIns="104400" tIns="59400" bIns="59400" anchor="ctr"/>
+          <a:p>
+            <a:pPr algn="ctr"/>
+            <a:r>
+              <a:rPr b="0" lang="en-US" sz="1800" spc="-1" strike="noStrike">
+                <a:solidFill>
+                  <a:srgbClr val="000000"/>
+                </a:solidFill>
+                <a:uFill>
+                  <a:solidFill>
+                    <a:srgbClr val="ffffff"/>
+                  </a:solidFill>
+                </a:uFill>
+                <a:latin typeface="Arial"/>
+              </a:rPr>
+              <a:t>Proctor Keyboard</a:t>
+            </a:r>
+            <a:endParaRPr b="0" lang="en-US" sz="1800" spc="-1" strike="noStrike">
+              <a:solidFill>
+                <a:srgbClr val="000000"/>
+              </a:solidFill>
+              <a:uFill>
+                <a:solidFill>
+                  <a:srgbClr val="ffffff"/>
+                </a:solidFill>
+              </a:uFill>
+              <a:latin typeface="Arial"/>
+            </a:endParaRPr>
+          </a:p>
+        </p:txBody>
+      </p:sp>
+      <p:sp>
+        <p:nvSpPr>
+          <p:cNvPr id="82" name="CustomShape 44"/>
+          <p:cNvSpPr/>
+          <p:nvPr/>
+        </p:nvSpPr>
+        <p:spPr>
+          <a:xfrm>
+            <a:off x="4885200" y="584640"/>
+            <a:ext cx="2103120" cy="274320"/>
+          </a:xfrm>
+          <a:prstGeom prst="rect">
+            <a:avLst/>
+          </a:prstGeom>
+          <a:solidFill>
+            <a:srgbClr val="ffcc99"/>
+          </a:solidFill>
+          <a:ln w="29160">
+            <a:solidFill>
+              <a:srgbClr val="000000"/>
+            </a:solidFill>
+            <a:round/>
+          </a:ln>
+        </p:spPr>
+        <p:style>
+          <a:lnRef idx="0"/>
+          <a:fillRef idx="0"/>
+          <a:effectRef idx="0"/>
+          <a:fontRef idx="minor"/>
+        </p:style>
+        <p:txBody>
+          <a:bodyPr wrap="none" lIns="104400" rIns="104400" tIns="59400" bIns="59400" anchor="ctr"/>
+          <a:p>
+            <a:pPr algn="ctr"/>
+            <a:r>
+              <a:rPr b="0" lang="en-US" sz="1800" spc="-1" strike="noStrike">
+                <a:solidFill>
+                  <a:srgbClr val="000000"/>
+                </a:solidFill>
+                <a:uFill>
+                  <a:solidFill>
+                    <a:srgbClr val="ffffff"/>
+                  </a:solidFill>
+                </a:uFill>
+                <a:latin typeface="Arial"/>
+              </a:rPr>
+              <a:t>Proctor Mouse</a:t>
+            </a:r>
+            <a:endParaRPr b="0" lang="en-US" sz="1800" spc="-1" strike="noStrike">
+              <a:solidFill>
+                <a:srgbClr val="000000"/>
+              </a:solidFill>
+              <a:uFill>
+                <a:solidFill>
+                  <a:srgbClr val="ffffff"/>
+                </a:solidFill>
+              </a:uFill>
+              <a:latin typeface="Arial"/>
+            </a:endParaRPr>
+          </a:p>
+        </p:txBody>
+      </p:sp>
+      <p:sp>
+        <p:nvSpPr>
+          <p:cNvPr id="83" name="CustomShape 45"/>
+          <p:cNvSpPr/>
+          <p:nvPr/>
+        </p:nvSpPr>
+        <p:spPr>
+          <a:xfrm>
+            <a:off x="4885200" y="950400"/>
+            <a:ext cx="2103120" cy="274320"/>
+          </a:xfrm>
+          <a:prstGeom prst="rect">
+            <a:avLst/>
+          </a:prstGeom>
+          <a:solidFill>
+            <a:srgbClr val="ffcc99"/>
+          </a:solidFill>
+          <a:ln w="29160">
+            <a:solidFill>
+              <a:srgbClr val="000000"/>
+            </a:solidFill>
+            <a:round/>
+          </a:ln>
+        </p:spPr>
+        <p:style>
+          <a:lnRef idx="0"/>
+          <a:fillRef idx="0"/>
+          <a:effectRef idx="0"/>
+          <a:fontRef idx="minor"/>
+        </p:style>
+        <p:txBody>
+          <a:bodyPr wrap="none" lIns="104400" rIns="104400" tIns="59400" bIns="59400" anchor="ctr"/>
+          <a:p>
+            <a:pPr algn="ctr"/>
+            <a:r>
+              <a:rPr b="0" lang="en-US" sz="1800" spc="-1" strike="noStrike">
+                <a:solidFill>
+                  <a:srgbClr val="000000"/>
+                </a:solidFill>
+                <a:uFill>
+                  <a:solidFill>
+                    <a:srgbClr val="ffffff"/>
+                  </a:solidFill>
+                </a:uFill>
+                <a:latin typeface="Arial"/>
+              </a:rPr>
+              <a:t>Proctor Monitor</a:t>
+            </a:r>
+            <a:endParaRPr b="0" lang="en-US" sz="1800" spc="-1" strike="noStrike">
+              <a:solidFill>
+                <a:srgbClr val="000000"/>
+              </a:solidFill>
+              <a:uFill>
+                <a:solidFill>
+                  <a:srgbClr val="ffffff"/>
+                </a:solidFill>
+              </a:uFill>
+              <a:latin typeface="Arial"/>
+            </a:endParaRPr>
+          </a:p>
+        </p:txBody>
+      </p:sp>
+      <p:sp>
+        <p:nvSpPr>
+          <p:cNvPr id="84" name="CustomShape 46"/>
+          <p:cNvSpPr/>
+          <p:nvPr/>
+        </p:nvSpPr>
+        <p:spPr>
+          <a:xfrm>
+            <a:off x="4885200" y="2488320"/>
+            <a:ext cx="2103120" cy="274320"/>
+          </a:xfrm>
+          <a:prstGeom prst="rect">
+            <a:avLst/>
+          </a:prstGeom>
+          <a:solidFill>
+            <a:srgbClr val="ff99ff"/>
+          </a:solidFill>
+          <a:ln w="29160">
+            <a:solidFill>
+              <a:srgbClr val="000000"/>
+            </a:solidFill>
+            <a:round/>
+          </a:ln>
+        </p:spPr>
+        <p:style>
+          <a:lnRef idx="0"/>
+          <a:fillRef idx="0"/>
+          <a:effectRef idx="0"/>
+          <a:fontRef idx="minor"/>
+        </p:style>
+        <p:txBody>
+          <a:bodyPr wrap="none" lIns="104400" rIns="104400" tIns="59400" bIns="59400" anchor="ctr"/>
+          <a:p>
+            <a:pPr algn="ctr"/>
+            <a:r>
+              <a:rPr b="0" lang="en-US" sz="1800" spc="-1" strike="noStrike">
+                <a:solidFill>
+                  <a:srgbClr val="000000"/>
+                </a:solidFill>
+                <a:uFill>
+                  <a:solidFill>
+                    <a:srgbClr val="ffffff"/>
+                  </a:solidFill>
+                </a:uFill>
+                <a:latin typeface="Arial"/>
+              </a:rPr>
+              <a:t>Wall Monitor</a:t>
+            </a:r>
+            <a:endParaRPr b="0" lang="en-US" sz="1800" spc="-1" strike="noStrike">
+              <a:solidFill>
+                <a:srgbClr val="000000"/>
+              </a:solidFill>
+              <a:uFill>
+                <a:solidFill>
+                  <a:srgbClr val="ffffff"/>
+                </a:solidFill>
+              </a:uFill>
+              <a:latin typeface="Arial"/>
+            </a:endParaRPr>
+          </a:p>
+        </p:txBody>
+      </p:sp>
+      <p:sp>
+        <p:nvSpPr>
+          <p:cNvPr id="85" name="CustomShape 47"/>
+          <p:cNvSpPr/>
+          <p:nvPr/>
+        </p:nvSpPr>
+        <p:spPr>
+          <a:xfrm>
+            <a:off x="4885200" y="2854080"/>
+            <a:ext cx="2103120" cy="274320"/>
+          </a:xfrm>
+          <a:prstGeom prst="rect">
+            <a:avLst/>
+          </a:prstGeom>
+          <a:solidFill>
+            <a:srgbClr val="99ff99"/>
+          </a:solidFill>
+          <a:ln w="29160">
+            <a:solidFill>
+              <a:srgbClr val="000000"/>
+            </a:solidFill>
+            <a:round/>
+          </a:ln>
+        </p:spPr>
+        <p:style>
+          <a:lnRef idx="0"/>
+          <a:fillRef idx="0"/>
+          <a:effectRef idx="0"/>
+          <a:fontRef idx="minor"/>
+        </p:style>
+        <p:txBody>
+          <a:bodyPr wrap="none" lIns="104400" rIns="104400" tIns="59400" bIns="59400" anchor="ctr"/>
+          <a:p>
+            <a:pPr algn="ctr"/>
+            <a:r>
+              <a:rPr b="0" lang="en-US" sz="1800" spc="-1" strike="noStrike">
+                <a:solidFill>
+                  <a:srgbClr val="000000"/>
+                </a:solidFill>
+                <a:uFill>
+                  <a:solidFill>
+                    <a:srgbClr val="ffffff"/>
+                  </a:solidFill>
+                </a:uFill>
+                <a:latin typeface="Arial"/>
+              </a:rPr>
+              <a:t>4x Buttons</a:t>
+            </a:r>
+            <a:endParaRPr b="0" lang="en-US" sz="1800" spc="-1" strike="noStrike">
+              <a:solidFill>
+                <a:srgbClr val="000000"/>
+              </a:solidFill>
+              <a:uFill>
+                <a:solidFill>
+                  <a:srgbClr val="ffffff"/>
+                </a:solidFill>
+              </a:uFill>
+              <a:latin typeface="Arial"/>
+            </a:endParaRPr>
+          </a:p>
+        </p:txBody>
+      </p:sp>
+      <p:sp>
+        <p:nvSpPr>
+          <p:cNvPr id="86" name="CustomShape 48"/>
+          <p:cNvSpPr/>
+          <p:nvPr/>
+        </p:nvSpPr>
+        <p:spPr>
+          <a:xfrm>
+            <a:off x="4885200" y="3585600"/>
+            <a:ext cx="2103120" cy="274320"/>
+          </a:xfrm>
+          <a:prstGeom prst="rect">
+            <a:avLst/>
+          </a:prstGeom>
+          <a:solidFill>
+            <a:srgbClr val="ff9999"/>
+          </a:solidFill>
+          <a:ln w="29160">
+            <a:solidFill>
+              <a:srgbClr val="000000"/>
+            </a:solidFill>
+            <a:round/>
+          </a:ln>
+        </p:spPr>
+        <p:style>
+          <a:lnRef idx="0"/>
+          <a:fillRef idx="0"/>
+          <a:effectRef idx="0"/>
+          <a:fontRef idx="minor"/>
+        </p:style>
+        <p:txBody>
+          <a:bodyPr wrap="none" lIns="104400" rIns="104400" tIns="59400" bIns="59400" anchor="ctr"/>
+          <a:p>
+            <a:pPr algn="ctr"/>
+            <a:r>
+              <a:rPr b="0" lang="en-US" sz="1800" spc="-1" strike="noStrike">
+                <a:solidFill>
+                  <a:srgbClr val="000000"/>
+                </a:solidFill>
+                <a:uFill>
+                  <a:solidFill>
+                    <a:srgbClr val="ffffff"/>
+                  </a:solidFill>
+                </a:uFill>
+                <a:latin typeface="Arial"/>
+              </a:rPr>
+              <a:t>4x Stomp Pads</a:t>
+            </a:r>
+            <a:endParaRPr b="0" lang="en-US" sz="1800" spc="-1" strike="noStrike">
+              <a:solidFill>
+                <a:srgbClr val="000000"/>
+              </a:solidFill>
+              <a:uFill>
+                <a:solidFill>
+                  <a:srgbClr val="ffffff"/>
+                </a:solidFill>
+              </a:uFill>
+              <a:latin typeface="Arial"/>
+            </a:endParaRPr>
+          </a:p>
+        </p:txBody>
+      </p:sp>
+      <p:sp>
+        <p:nvSpPr>
+          <p:cNvPr id="87" name="CustomShape 49"/>
+          <p:cNvSpPr/>
+          <p:nvPr/>
+        </p:nvSpPr>
+        <p:spPr>
+          <a:xfrm>
+            <a:off x="4885200" y="3219840"/>
+            <a:ext cx="2103120" cy="274320"/>
+          </a:xfrm>
+          <a:prstGeom prst="rect">
+            <a:avLst/>
+          </a:prstGeom>
+          <a:solidFill>
+            <a:srgbClr val="99ffff"/>
+          </a:solidFill>
+          <a:ln w="29160">
+            <a:solidFill>
+              <a:srgbClr val="000000"/>
+            </a:solidFill>
+            <a:round/>
+          </a:ln>
+        </p:spPr>
+        <p:style>
+          <a:lnRef idx="0"/>
+          <a:fillRef idx="0"/>
+          <a:effectRef idx="0"/>
+          <a:fontRef idx="minor"/>
+        </p:style>
+        <p:txBody>
+          <a:bodyPr wrap="none" lIns="104400" rIns="104400" tIns="59400" bIns="59400" anchor="ctr"/>
+          <a:p>
+            <a:pPr algn="ctr"/>
+            <a:r>
+              <a:rPr b="0" lang="en-US" sz="1800" spc="-1" strike="noStrike">
+                <a:solidFill>
+                  <a:srgbClr val="000000"/>
+                </a:solidFill>
+                <a:uFill>
+                  <a:solidFill>
+                    <a:srgbClr val="ffffff"/>
+                  </a:solidFill>
+                </a:uFill>
+                <a:latin typeface="Arial"/>
+              </a:rPr>
+              <a:t>Joystick</a:t>
+            </a:r>
+            <a:endParaRPr b="0" lang="en-US" sz="1800" spc="-1" strike="noStrike">
+              <a:solidFill>
+                <a:srgbClr val="000000"/>
+              </a:solidFill>
+              <a:uFill>
+                <a:solidFill>
+                  <a:srgbClr val="ffffff"/>
+                </a:solidFill>
+              </a:uFill>
+              <a:latin typeface="Arial"/>
+            </a:endParaRPr>
+          </a:p>
+        </p:txBody>
+      </p:sp>
+      <p:sp>
+        <p:nvSpPr>
+          <p:cNvPr id="88" name="CustomShape 50"/>
+          <p:cNvSpPr/>
+          <p:nvPr/>
+        </p:nvSpPr>
+        <p:spPr>
+          <a:xfrm>
+            <a:off x="8138160" y="5212080"/>
+            <a:ext cx="1737360" cy="365760"/>
+          </a:xfrm>
+          <a:prstGeom prst="rect">
+            <a:avLst/>
+          </a:prstGeom>
+          <a:solidFill>
+            <a:srgbClr val="99ffff"/>
+          </a:solidFill>
+          <a:ln>
+            <a:solidFill>
+              <a:srgbClr val="3465a4"/>
+            </a:solidFill>
+          </a:ln>
+        </p:spPr>
+        <p:style>
+          <a:lnRef idx="0"/>
+          <a:fillRef idx="0"/>
+          <a:effectRef idx="0"/>
+          <a:fontRef idx="minor"/>
+        </p:style>
+        <p:txBody>
+          <a:bodyPr wrap="none" lIns="90000" rIns="90000" tIns="45000" bIns="45000" anchor="ctr"/>
+          <a:p>
+            <a:pPr algn="ctr"/>
+            <a:r>
+              <a:rPr b="0" lang="en-US" sz="1800" spc="-1" strike="noStrike">
+                <a:solidFill>
+                  <a:srgbClr val="000000"/>
+                </a:solidFill>
+                <a:uFill>
+                  <a:solidFill>
+                    <a:srgbClr val="ffffff"/>
+                  </a:solidFill>
+                </a:uFill>
+                <a:latin typeface="Arial"/>
+              </a:rPr>
+              <a:t>Captain’s Chair</a:t>
+            </a:r>
+            <a:endParaRPr b="0" lang="en-US" sz="1800" spc="-1" strike="noStrike">
+              <a:solidFill>
+                <a:srgbClr val="000000"/>
+              </a:solidFill>
+              <a:uFill>
+                <a:solidFill>
+                  <a:srgbClr val="ffffff"/>
+                </a:solidFill>
+              </a:uFill>
+              <a:latin typeface="Arial"/>
+            </a:endParaRPr>
+          </a:p>
+        </p:txBody>
+      </p:sp>
+      <p:sp>
+        <p:nvSpPr>
+          <p:cNvPr id="89" name="CustomShape 51"/>
+          <p:cNvSpPr/>
+          <p:nvPr/>
+        </p:nvSpPr>
+        <p:spPr>
+          <a:xfrm>
+            <a:off x="8138160" y="5669280"/>
+            <a:ext cx="1737360" cy="365760"/>
+          </a:xfrm>
+          <a:prstGeom prst="rect">
+            <a:avLst/>
+          </a:prstGeom>
+          <a:solidFill>
+            <a:srgbClr val="99ff99"/>
+          </a:solidFill>
+          <a:ln>
+            <a:solidFill>
+              <a:srgbClr val="3465a4"/>
+            </a:solidFill>
+          </a:ln>
+        </p:spPr>
+        <p:style>
+          <a:lnRef idx="0"/>
+          <a:fillRef idx="0"/>
+          <a:effectRef idx="0"/>
+          <a:fontRef idx="minor"/>
+        </p:style>
+        <p:txBody>
+          <a:bodyPr wrap="none" lIns="90000" rIns="90000" tIns="45000" bIns="45000" anchor="ctr"/>
+          <a:p>
+            <a:pPr algn="ctr"/>
+            <a:r>
+              <a:rPr b="0" lang="en-US" sz="1800" spc="-1" strike="noStrike">
+                <a:solidFill>
+                  <a:srgbClr val="000000"/>
+                </a:solidFill>
+                <a:uFill>
+                  <a:solidFill>
+                    <a:srgbClr val="ffffff"/>
+                  </a:solidFill>
+                </a:uFill>
+                <a:latin typeface="Arial"/>
+              </a:rPr>
+              <a:t>Console</a:t>
+            </a:r>
+            <a:endParaRPr b="0" lang="en-US" sz="1800" spc="-1" strike="noStrike">
+              <a:solidFill>
+                <a:srgbClr val="000000"/>
+              </a:solidFill>
+              <a:uFill>
+                <a:solidFill>
+                  <a:srgbClr val="ffffff"/>
+                </a:solidFill>
+              </a:uFill>
+              <a:latin typeface="Arial"/>
+            </a:endParaRPr>
+          </a:p>
+        </p:txBody>
+      </p:sp>
+      <p:sp>
+        <p:nvSpPr>
+          <p:cNvPr id="90" name="CustomShape 52"/>
+          <p:cNvSpPr/>
+          <p:nvPr/>
+        </p:nvSpPr>
+        <p:spPr>
+          <a:xfrm>
+            <a:off x="4885200" y="3951360"/>
+            <a:ext cx="2103120" cy="274320"/>
+          </a:xfrm>
+          <a:prstGeom prst="rect">
+            <a:avLst/>
+          </a:prstGeom>
+          <a:solidFill>
+            <a:srgbClr val="ff9999"/>
+          </a:solidFill>
+          <a:ln w="29160">
+            <a:solidFill>
+              <a:srgbClr val="000000"/>
+            </a:solidFill>
+            <a:round/>
+          </a:ln>
+        </p:spPr>
+        <p:style>
+          <a:lnRef idx="0"/>
+          <a:fillRef idx="0"/>
+          <a:effectRef idx="0"/>
+          <a:fontRef idx="minor"/>
+        </p:style>
+        <p:txBody>
+          <a:bodyPr wrap="none" lIns="104400" rIns="104400" tIns="59400" bIns="59400" anchor="ctr"/>
+          <a:p>
+            <a:pPr algn="ctr"/>
+            <a:r>
+              <a:rPr b="0" lang="en-US" sz="1800" spc="-1" strike="noStrike">
+                <a:solidFill>
+                  <a:srgbClr val="000000"/>
+                </a:solidFill>
+                <a:uFill>
+                  <a:solidFill>
+                    <a:srgbClr val="ffffff"/>
+                  </a:solidFill>
+                </a:uFill>
+                <a:latin typeface="Arial"/>
+              </a:rPr>
+              <a:t>Light Puzzle</a:t>
+            </a:r>
+            <a:endParaRPr b="0" lang="en-US" sz="1800" spc="-1" strike="noStrike">
+              <a:solidFill>
+                <a:srgbClr val="000000"/>
+              </a:solidFill>
+              <a:uFill>
+                <a:solidFill>
+                  <a:srgbClr val="ffffff"/>
+                </a:solidFill>
+              </a:uFill>
+              <a:latin typeface="Arial"/>
+            </a:endParaRPr>
+          </a:p>
+        </p:txBody>
+      </p:sp>
+      <p:sp>
+        <p:nvSpPr>
+          <p:cNvPr id="91" name="CustomShape 53"/>
+          <p:cNvSpPr/>
+          <p:nvPr/>
+        </p:nvSpPr>
+        <p:spPr>
+          <a:xfrm>
+            <a:off x="8138160" y="6126480"/>
+            <a:ext cx="1737360" cy="365760"/>
+          </a:xfrm>
+          <a:prstGeom prst="rect">
+            <a:avLst/>
+          </a:prstGeom>
+          <a:solidFill>
+            <a:srgbClr val="ffcc99"/>
+          </a:solidFill>
+          <a:ln>
+            <a:solidFill>
+              <a:srgbClr val="3465a4"/>
+            </a:solidFill>
+          </a:ln>
+        </p:spPr>
+        <p:style>
+          <a:lnRef idx="0"/>
+          <a:fillRef idx="0"/>
+          <a:effectRef idx="0"/>
+          <a:fontRef idx="minor"/>
+        </p:style>
+        <p:txBody>
+          <a:bodyPr wrap="none" lIns="90000" rIns="90000" tIns="45000" bIns="45000" anchor="ctr"/>
+          <a:p>
+            <a:pPr algn="ctr"/>
+            <a:r>
+              <a:rPr b="0" lang="en-US" sz="1800" spc="-1" strike="noStrike">
+                <a:solidFill>
+                  <a:srgbClr val="000000"/>
+                </a:solidFill>
+                <a:uFill>
+                  <a:solidFill>
+                    <a:srgbClr val="ffffff"/>
+                  </a:solidFill>
+                </a:uFill>
+                <a:latin typeface="Arial"/>
+              </a:rPr>
+              <a:t>Proctor</a:t>
+            </a:r>
+            <a:endParaRPr b="0" lang="en-US" sz="1800" spc="-1" strike="noStrike">
+              <a:solidFill>
+                <a:srgbClr val="000000"/>
+              </a:solidFill>
+              <a:uFill>
+                <a:solidFill>
+                  <a:srgbClr val="ffffff"/>
+                </a:solidFill>
+              </a:uFill>
+              <a:latin typeface="Arial"/>
+            </a:endParaRPr>
+          </a:p>
+        </p:txBody>
+      </p:sp>
+      <p:sp>
+        <p:nvSpPr>
+          <p:cNvPr id="92" name="CustomShape 54"/>
+          <p:cNvSpPr/>
+          <p:nvPr/>
+        </p:nvSpPr>
+        <p:spPr>
+          <a:xfrm>
+            <a:off x="8138160" y="6583680"/>
+            <a:ext cx="1737360" cy="365760"/>
+          </a:xfrm>
+          <a:prstGeom prst="rect">
+            <a:avLst/>
+          </a:prstGeom>
+          <a:solidFill>
+            <a:srgbClr val="ff9999"/>
+          </a:solidFill>
+          <a:ln>
+            <a:solidFill>
+              <a:srgbClr val="3465a4"/>
+            </a:solidFill>
+          </a:ln>
+        </p:spPr>
+        <p:style>
+          <a:lnRef idx="0"/>
+          <a:fillRef idx="0"/>
+          <a:effectRef idx="0"/>
+          <a:fontRef idx="minor"/>
+        </p:style>
+        <p:txBody>
+          <a:bodyPr wrap="none" lIns="90000" rIns="90000" tIns="45000" bIns="45000" anchor="ctr"/>
+          <a:p>
+            <a:pPr algn="ctr"/>
+            <a:r>
+              <a:rPr b="0" lang="en-US" sz="1800" spc="-1" strike="noStrike">
+                <a:solidFill>
+                  <a:srgbClr val="000000"/>
+                </a:solidFill>
+                <a:uFill>
+                  <a:solidFill>
+                    <a:srgbClr val="ffffff"/>
+                  </a:solidFill>
+                </a:uFill>
+                <a:latin typeface="Arial"/>
+              </a:rPr>
+              <a:t>Room</a:t>
+            </a:r>
+            <a:endParaRPr b="0" lang="en-US" sz="1800" spc="-1" strike="noStrike">
+              <a:solidFill>
+                <a:srgbClr val="000000"/>
+              </a:solidFill>
+              <a:uFill>
+                <a:solidFill>
+                  <a:srgbClr val="ffffff"/>
+                </a:solidFill>
+              </a:uFill>
+              <a:latin typeface="Arial"/>
+            </a:endParaRPr>
+          </a:p>
+        </p:txBody>
+      </p:sp>
+      <p:sp>
+        <p:nvSpPr>
+          <p:cNvPr id="93" name="CustomShape 55"/>
+          <p:cNvSpPr/>
+          <p:nvPr/>
+        </p:nvSpPr>
+        <p:spPr>
+          <a:xfrm>
+            <a:off x="8138160" y="7040880"/>
+            <a:ext cx="1737360" cy="365760"/>
+          </a:xfrm>
+          <a:prstGeom prst="rect">
+            <a:avLst/>
+          </a:prstGeom>
+          <a:solidFill>
+            <a:srgbClr val="ff99ff"/>
+          </a:solidFill>
+          <a:ln>
+            <a:solidFill>
+              <a:srgbClr val="3465a4"/>
+            </a:solidFill>
+          </a:ln>
+        </p:spPr>
+        <p:style>
+          <a:lnRef idx="0"/>
+          <a:fillRef idx="0"/>
+          <a:effectRef idx="0"/>
+          <a:fontRef idx="minor"/>
+        </p:style>
+        <p:txBody>
+          <a:bodyPr wrap="none" lIns="90000" rIns="90000" tIns="45000" bIns="45000" anchor="ctr"/>
+          <a:p>
+            <a:pPr algn="ctr"/>
+            <a:r>
+              <a:rPr b="0" lang="en-US" sz="1800" spc="-1" strike="noStrike">
+                <a:solidFill>
+                  <a:srgbClr val="000000"/>
+                </a:solidFill>
+                <a:uFill>
+                  <a:solidFill>
+                    <a:srgbClr val="ffffff"/>
+                  </a:solidFill>
+                </a:uFill>
+                <a:latin typeface="Arial"/>
+              </a:rPr>
+              <a:t>Wall</a:t>
+            </a:r>
+            <a:endParaRPr b="0" lang="en-US" sz="1800" spc="-1" strike="noStrike">
+              <a:solidFill>
+                <a:srgbClr val="000000"/>
+              </a:solidFill>
+              <a:uFill>
+                <a:solidFill>
+                  <a:srgbClr val="ffffff"/>
+                </a:solidFill>
+              </a:uFill>
+              <a:latin typeface="Arial"/>
+            </a:endParaRPr>
+          </a:p>
+        </p:txBody>
+      </p:sp>
+      <p:sp>
+        <p:nvSpPr>
+          <p:cNvPr id="94" name="CustomShape 56"/>
+          <p:cNvSpPr/>
+          <p:nvPr/>
+        </p:nvSpPr>
+        <p:spPr>
+          <a:xfrm>
+            <a:off x="4885200" y="5286960"/>
+            <a:ext cx="2103120" cy="274320"/>
+          </a:xfrm>
+          <a:prstGeom prst="rect">
+            <a:avLst/>
+          </a:prstGeom>
+          <a:solidFill>
+            <a:srgbClr val="99ff99"/>
+          </a:solidFill>
+          <a:ln w="29160">
+            <a:solidFill>
+              <a:srgbClr val="000000"/>
+            </a:solidFill>
+            <a:round/>
+          </a:ln>
+        </p:spPr>
+        <p:style>
+          <a:lnRef idx="0"/>
+          <a:fillRef idx="0"/>
+          <a:effectRef idx="0"/>
+          <a:fontRef idx="minor"/>
+        </p:style>
+        <p:txBody>
+          <a:bodyPr wrap="none" lIns="104400" rIns="104400" tIns="59400" bIns="59400" anchor="ctr"/>
+          <a:p>
+            <a:pPr algn="ctr"/>
+            <a:r>
+              <a:rPr b="0" lang="en-US" sz="1800" spc="-1" strike="noStrike">
+                <a:solidFill>
+                  <a:srgbClr val="000000"/>
+                </a:solidFill>
+                <a:uFill>
+                  <a:solidFill>
+                    <a:srgbClr val="ffffff"/>
+                  </a:solidFill>
+                </a:uFill>
+                <a:latin typeface="Arial"/>
+              </a:rPr>
+              <a:t>2x Buttons</a:t>
+            </a:r>
+            <a:endParaRPr b="0" lang="en-US" sz="1800" spc="-1" strike="noStrike">
+              <a:solidFill>
+                <a:srgbClr val="000000"/>
+              </a:solidFill>
+              <a:uFill>
+                <a:solidFill>
+                  <a:srgbClr val="ffffff"/>
+                </a:solidFill>
+              </a:uFill>
+              <a:latin typeface="Arial"/>
+            </a:endParaRPr>
+          </a:p>
+        </p:txBody>
+      </p:sp>
+      <p:sp>
+        <p:nvSpPr>
+          <p:cNvPr id="95" name="TextShape 57"/>
+          <p:cNvSpPr txBox="1"/>
+          <p:nvPr/>
+        </p:nvSpPr>
+        <p:spPr>
+          <a:xfrm>
+            <a:off x="6988320" y="2854080"/>
+            <a:ext cx="914400" cy="307080"/>
+          </a:xfrm>
+          <a:prstGeom prst="rect">
+            <a:avLst/>
+          </a:prstGeom>
+          <a:noFill/>
+          <a:ln>
+            <a:noFill/>
+          </a:ln>
+        </p:spPr>
+        <p:txBody>
+          <a:bodyPr lIns="90000" rIns="90000" tIns="45000" bIns="45000"/>
+          <a:p>
+            <a:r>
+              <a:rPr b="0" lang="en-US" sz="1400" spc="-1" strike="noStrike">
+                <a:solidFill>
+                  <a:srgbClr val="000000"/>
+                </a:solidFill>
+                <a:uFill>
+                  <a:solidFill>
+                    <a:srgbClr val="ffffff"/>
+                  </a:solidFill>
+                </a:uFill>
+                <a:latin typeface="Arial"/>
+              </a:rPr>
+              <a:t>8x wires</a:t>
+            </a:r>
+            <a:endParaRPr b="0" lang="en-US" sz="1400" spc="-1" strike="noStrike">
+              <a:solidFill>
+                <a:srgbClr val="000000"/>
+              </a:solidFill>
+              <a:uFill>
+                <a:solidFill>
+                  <a:srgbClr val="ffffff"/>
+                </a:solidFill>
+              </a:uFill>
+              <a:latin typeface="Arial"/>
+            </a:endParaRPr>
+          </a:p>
+        </p:txBody>
+      </p:sp>
+      <p:sp>
+        <p:nvSpPr>
+          <p:cNvPr id="96" name="TextShape 58"/>
+          <p:cNvSpPr txBox="1"/>
+          <p:nvPr/>
+        </p:nvSpPr>
+        <p:spPr>
+          <a:xfrm>
+            <a:off x="6988320" y="2488320"/>
+            <a:ext cx="731520" cy="290160"/>
+          </a:xfrm>
+          <a:prstGeom prst="rect">
+            <a:avLst/>
+          </a:prstGeom>
+          <a:noFill/>
+          <a:ln>
+            <a:noFill/>
+          </a:ln>
+        </p:spPr>
+        <p:txBody>
+          <a:bodyPr lIns="90000" rIns="90000" tIns="45000" bIns="45000"/>
+          <a:p>
+            <a:r>
+              <a:rPr b="0" lang="en-US" sz="1400" spc="-1" strike="noStrike">
+                <a:solidFill>
+                  <a:srgbClr val="000000"/>
+                </a:solidFill>
+                <a:uFill>
+                  <a:solidFill>
+                    <a:srgbClr val="ffffff"/>
+                  </a:solidFill>
+                </a:uFill>
+                <a:latin typeface="Arial"/>
+              </a:rPr>
+              <a:t>HDMI</a:t>
+            </a:r>
+            <a:endParaRPr b="0" lang="en-US" sz="1400" spc="-1" strike="noStrike">
+              <a:solidFill>
+                <a:srgbClr val="000000"/>
+              </a:solidFill>
+              <a:uFill>
+                <a:solidFill>
+                  <a:srgbClr val="ffffff"/>
+                </a:solidFill>
+              </a:uFill>
+              <a:latin typeface="Arial"/>
+            </a:endParaRPr>
+          </a:p>
+        </p:txBody>
+      </p:sp>
+      <p:sp>
+        <p:nvSpPr>
+          <p:cNvPr id="97" name="TextShape 59"/>
+          <p:cNvSpPr txBox="1"/>
+          <p:nvPr/>
+        </p:nvSpPr>
+        <p:spPr>
+          <a:xfrm>
+            <a:off x="6988320" y="3219840"/>
+            <a:ext cx="1097280" cy="349920"/>
+          </a:xfrm>
+          <a:prstGeom prst="rect">
+            <a:avLst/>
+          </a:prstGeom>
+          <a:noFill/>
+          <a:ln>
+            <a:noFill/>
+          </a:ln>
+        </p:spPr>
+        <p:txBody>
+          <a:bodyPr lIns="90000" rIns="90000" tIns="45000" bIns="45000"/>
+          <a:p>
+            <a:r>
+              <a:rPr b="0" lang="en-US" sz="1400" spc="-1" strike="noStrike">
+                <a:solidFill>
+                  <a:srgbClr val="000000"/>
+                </a:solidFill>
+                <a:uFill>
+                  <a:solidFill>
+                    <a:srgbClr val="ffffff"/>
+                  </a:solidFill>
+                </a:uFill>
+                <a:latin typeface="Arial"/>
+              </a:rPr>
+              <a:t>10x </a:t>
+            </a:r>
+            <a:r>
+              <a:rPr b="0" lang="en-US" sz="1400" spc="-1" strike="noStrike">
+                <a:solidFill>
+                  <a:srgbClr val="000000"/>
+                </a:solidFill>
+                <a:uFill>
+                  <a:solidFill>
+                    <a:srgbClr val="ffffff"/>
+                  </a:solidFill>
+                </a:uFill>
+                <a:latin typeface="Arial"/>
+              </a:rPr>
+              <a:t>wires</a:t>
+            </a:r>
+            <a:endParaRPr b="0" lang="en-US" sz="1400" spc="-1" strike="noStrike">
+              <a:solidFill>
+                <a:srgbClr val="000000"/>
+              </a:solidFill>
+              <a:uFill>
+                <a:solidFill>
+                  <a:srgbClr val="ffffff"/>
+                </a:solidFill>
+              </a:uFill>
+              <a:latin typeface="Arial"/>
+            </a:endParaRPr>
+          </a:p>
+        </p:txBody>
+      </p:sp>
+      <p:sp>
+        <p:nvSpPr>
+          <p:cNvPr id="98" name="TextShape 60"/>
+          <p:cNvSpPr txBox="1"/>
+          <p:nvPr/>
+        </p:nvSpPr>
+        <p:spPr>
+          <a:xfrm>
+            <a:off x="6988320" y="3569760"/>
+            <a:ext cx="1097280" cy="290160"/>
+          </a:xfrm>
+          <a:prstGeom prst="rect">
+            <a:avLst/>
+          </a:prstGeom>
+          <a:noFill/>
+          <a:ln>
+            <a:noFill/>
+          </a:ln>
+        </p:spPr>
+        <p:txBody>
+          <a:bodyPr lIns="90000" rIns="90000" tIns="45000" bIns="45000"/>
+          <a:p>
+            <a:r>
+              <a:rPr b="0" lang="en-US" sz="1400" spc="-1" strike="noStrike">
+                <a:solidFill>
+                  <a:srgbClr val="000000"/>
+                </a:solidFill>
+                <a:uFill>
+                  <a:solidFill>
+                    <a:srgbClr val="ffffff"/>
+                  </a:solidFill>
+                </a:uFill>
+                <a:latin typeface="Arial"/>
+              </a:rPr>
+              <a:t>12x </a:t>
+            </a:r>
+            <a:r>
+              <a:rPr b="0" lang="en-US" sz="1400" spc="-1" strike="noStrike">
+                <a:solidFill>
+                  <a:srgbClr val="000000"/>
+                </a:solidFill>
+                <a:uFill>
+                  <a:solidFill>
+                    <a:srgbClr val="ffffff"/>
+                  </a:solidFill>
+                </a:uFill>
+                <a:latin typeface="Arial"/>
+              </a:rPr>
+              <a:t>wires</a:t>
+            </a:r>
+            <a:endParaRPr b="0" lang="en-US" sz="1400" spc="-1" strike="noStrike">
+              <a:solidFill>
+                <a:srgbClr val="000000"/>
+              </a:solidFill>
+              <a:uFill>
+                <a:solidFill>
+                  <a:srgbClr val="ffffff"/>
+                </a:solidFill>
+              </a:uFill>
+              <a:latin typeface="Arial"/>
+            </a:endParaRPr>
+          </a:p>
+        </p:txBody>
+      </p:sp>
+      <p:sp>
+        <p:nvSpPr>
+          <p:cNvPr id="99" name="TextShape 61"/>
+          <p:cNvSpPr txBox="1"/>
+          <p:nvPr/>
+        </p:nvSpPr>
+        <p:spPr>
+          <a:xfrm>
+            <a:off x="6988320" y="3951360"/>
+            <a:ext cx="914400" cy="307080"/>
+          </a:xfrm>
+          <a:prstGeom prst="rect">
+            <a:avLst/>
+          </a:prstGeom>
+          <a:noFill/>
+          <a:ln>
+            <a:noFill/>
+          </a:ln>
+        </p:spPr>
+        <p:txBody>
+          <a:bodyPr lIns="90000" rIns="90000" tIns="45000" bIns="45000"/>
+          <a:p>
+            <a:r>
+              <a:rPr b="0" lang="en-US" sz="1400" spc="-1" strike="noStrike">
+                <a:solidFill>
+                  <a:srgbClr val="000000"/>
+                </a:solidFill>
+                <a:uFill>
+                  <a:solidFill>
+                    <a:srgbClr val="ffffff"/>
+                  </a:solidFill>
+                </a:uFill>
+                <a:latin typeface="Arial"/>
+              </a:rPr>
+              <a:t>8x wires</a:t>
+            </a:r>
+            <a:endParaRPr b="0" lang="en-US" sz="1400" spc="-1" strike="noStrike">
+              <a:solidFill>
+                <a:srgbClr val="000000"/>
+              </a:solidFill>
+              <a:uFill>
+                <a:solidFill>
+                  <a:srgbClr val="ffffff"/>
+                </a:solidFill>
+              </a:uFill>
+              <a:latin typeface="Arial"/>
+            </a:endParaRPr>
+          </a:p>
+        </p:txBody>
+      </p:sp>
+      <p:sp>
+        <p:nvSpPr>
+          <p:cNvPr id="100" name="TextShape 62"/>
+          <p:cNvSpPr txBox="1"/>
+          <p:nvPr/>
+        </p:nvSpPr>
+        <p:spPr>
+          <a:xfrm>
+            <a:off x="6988320" y="218880"/>
+            <a:ext cx="731520" cy="290160"/>
+          </a:xfrm>
+          <a:prstGeom prst="rect">
+            <a:avLst/>
+          </a:prstGeom>
+          <a:noFill/>
+          <a:ln>
+            <a:noFill/>
+          </a:ln>
+        </p:spPr>
+        <p:txBody>
+          <a:bodyPr lIns="90000" rIns="90000" tIns="45000" bIns="45000"/>
+          <a:p>
+            <a:r>
+              <a:rPr b="0" lang="en-US" sz="1400" spc="-1" strike="noStrike">
+                <a:solidFill>
+                  <a:srgbClr val="000000"/>
+                </a:solidFill>
+                <a:uFill>
+                  <a:solidFill>
+                    <a:srgbClr val="ffffff"/>
+                  </a:solidFill>
+                </a:uFill>
+                <a:latin typeface="Arial"/>
+              </a:rPr>
+              <a:t>USB</a:t>
+            </a:r>
+            <a:endParaRPr b="0" lang="en-US" sz="1400" spc="-1" strike="noStrike">
+              <a:solidFill>
+                <a:srgbClr val="000000"/>
+              </a:solidFill>
+              <a:uFill>
+                <a:solidFill>
+                  <a:srgbClr val="ffffff"/>
+                </a:solidFill>
+              </a:uFill>
+              <a:latin typeface="Arial"/>
+            </a:endParaRPr>
+          </a:p>
+        </p:txBody>
+      </p:sp>
+      <p:sp>
+        <p:nvSpPr>
+          <p:cNvPr id="101" name="TextShape 63"/>
+          <p:cNvSpPr txBox="1"/>
+          <p:nvPr/>
+        </p:nvSpPr>
+        <p:spPr>
+          <a:xfrm>
+            <a:off x="6988320" y="568800"/>
+            <a:ext cx="731520" cy="290160"/>
+          </a:xfrm>
+          <a:prstGeom prst="rect">
+            <a:avLst/>
+          </a:prstGeom>
+          <a:noFill/>
+          <a:ln>
+            <a:noFill/>
+          </a:ln>
+        </p:spPr>
+        <p:txBody>
+          <a:bodyPr lIns="90000" rIns="90000" tIns="45000" bIns="45000"/>
+          <a:p>
+            <a:r>
+              <a:rPr b="0" lang="en-US" sz="1400" spc="-1" strike="noStrike">
+                <a:solidFill>
+                  <a:srgbClr val="000000"/>
+                </a:solidFill>
+                <a:uFill>
+                  <a:solidFill>
+                    <a:srgbClr val="ffffff"/>
+                  </a:solidFill>
+                </a:uFill>
+                <a:latin typeface="Arial"/>
+              </a:rPr>
+              <a:t>USB</a:t>
+            </a:r>
+            <a:endParaRPr b="0" lang="en-US" sz="1400" spc="-1" strike="noStrike">
+              <a:solidFill>
+                <a:srgbClr val="000000"/>
+              </a:solidFill>
+              <a:uFill>
+                <a:solidFill>
+                  <a:srgbClr val="ffffff"/>
+                </a:solidFill>
+              </a:uFill>
+              <a:latin typeface="Arial"/>
+            </a:endParaRPr>
+          </a:p>
+        </p:txBody>
+      </p:sp>
+      <p:sp>
+        <p:nvSpPr>
+          <p:cNvPr id="102" name="TextShape 64"/>
+          <p:cNvSpPr txBox="1"/>
+          <p:nvPr/>
+        </p:nvSpPr>
+        <p:spPr>
+          <a:xfrm>
+            <a:off x="6988320" y="950400"/>
+            <a:ext cx="731520" cy="290160"/>
+          </a:xfrm>
+          <a:prstGeom prst="rect">
+            <a:avLst/>
+          </a:prstGeom>
+          <a:noFill/>
+          <a:ln>
+            <a:noFill/>
+          </a:ln>
+        </p:spPr>
+        <p:txBody>
+          <a:bodyPr lIns="90000" rIns="90000" tIns="45000" bIns="45000"/>
+          <a:p>
+            <a:r>
+              <a:rPr b="0" lang="en-US" sz="1400" spc="-1" strike="noStrike">
+                <a:solidFill>
+                  <a:srgbClr val="000000"/>
+                </a:solidFill>
+                <a:uFill>
+                  <a:solidFill>
+                    <a:srgbClr val="ffffff"/>
+                  </a:solidFill>
+                </a:uFill>
+                <a:latin typeface="Arial"/>
+              </a:rPr>
+              <a:t>HDMI</a:t>
+            </a:r>
+            <a:endParaRPr b="0" lang="en-US" sz="1400" spc="-1" strike="noStrike">
+              <a:solidFill>
+                <a:srgbClr val="000000"/>
+              </a:solidFill>
+              <a:uFill>
+                <a:solidFill>
+                  <a:srgbClr val="ffffff"/>
+                </a:solidFill>
+              </a:uFill>
+              <a:latin typeface="Arial"/>
+            </a:endParaRPr>
+          </a:p>
+        </p:txBody>
+      </p:sp>
+      <p:sp>
+        <p:nvSpPr>
+          <p:cNvPr id="103" name="Line 65"/>
+          <p:cNvSpPr/>
+          <p:nvPr/>
+        </p:nvSpPr>
+        <p:spPr>
+          <a:xfrm>
+            <a:off x="1828800" y="1848240"/>
+            <a:ext cx="6766560" cy="0"/>
+          </a:xfrm>
+          <a:prstGeom prst="line">
+            <a:avLst/>
+          </a:prstGeom>
+          <a:ln w="29160">
+            <a:solidFill>
+              <a:srgbClr val="999999"/>
+            </a:solidFill>
+            <a:round/>
+          </a:ln>
+        </p:spPr>
+        <p:style>
+          <a:lnRef idx="0"/>
+          <a:fillRef idx="0"/>
+          <a:effectRef idx="0"/>
+          <a:fontRef idx="minor"/>
+        </p:style>
+      </p:sp>
+      <p:sp>
+        <p:nvSpPr>
+          <p:cNvPr id="104" name="Line 66"/>
+          <p:cNvSpPr/>
+          <p:nvPr/>
+        </p:nvSpPr>
+        <p:spPr>
+          <a:xfrm>
+            <a:off x="3383280" y="1665360"/>
+            <a:ext cx="5212080" cy="0"/>
+          </a:xfrm>
+          <a:prstGeom prst="line">
+            <a:avLst/>
+          </a:prstGeom>
+          <a:ln w="29160">
+            <a:solidFill>
+              <a:srgbClr val="999999"/>
+            </a:solidFill>
+            <a:round/>
+          </a:ln>
+        </p:spPr>
+        <p:style>
+          <a:lnRef idx="0"/>
+          <a:fillRef idx="0"/>
+          <a:effectRef idx="0"/>
+          <a:fontRef idx="minor"/>
+        </p:style>
+      </p:sp>
+      <p:sp>
+        <p:nvSpPr>
+          <p:cNvPr id="105" name="Line 67"/>
+          <p:cNvSpPr/>
+          <p:nvPr/>
+        </p:nvSpPr>
+        <p:spPr>
+          <a:xfrm>
+            <a:off x="3383280" y="2031120"/>
+            <a:ext cx="5212080" cy="0"/>
+          </a:xfrm>
+          <a:prstGeom prst="line">
+            <a:avLst/>
+          </a:prstGeom>
+          <a:ln w="29160">
+            <a:solidFill>
+              <a:srgbClr val="999999"/>
+            </a:solidFill>
+            <a:round/>
+          </a:ln>
+        </p:spPr>
+        <p:style>
+          <a:lnRef idx="0"/>
+          <a:fillRef idx="0"/>
+          <a:effectRef idx="0"/>
+          <a:fontRef idx="minor"/>
+        </p:style>
+      </p:sp>
+      <p:sp>
+        <p:nvSpPr>
+          <p:cNvPr id="106" name="Line 68"/>
+          <p:cNvSpPr/>
+          <p:nvPr/>
+        </p:nvSpPr>
+        <p:spPr>
+          <a:xfrm>
+            <a:off x="5852160" y="1482480"/>
+            <a:ext cx="2743200" cy="0"/>
+          </a:xfrm>
+          <a:prstGeom prst="line">
+            <a:avLst/>
+          </a:prstGeom>
+          <a:ln w="29160">
+            <a:solidFill>
+              <a:srgbClr val="999999"/>
+            </a:solidFill>
+            <a:round/>
+          </a:ln>
+        </p:spPr>
+        <p:style>
+          <a:lnRef idx="0"/>
+          <a:fillRef idx="0"/>
+          <a:effectRef idx="0"/>
+          <a:fontRef idx="minor"/>
+        </p:style>
+      </p:sp>
+      <p:sp>
+        <p:nvSpPr>
+          <p:cNvPr id="107" name="Line 69"/>
+          <p:cNvSpPr/>
+          <p:nvPr/>
+        </p:nvSpPr>
+        <p:spPr>
+          <a:xfrm>
+            <a:off x="5852160" y="2214000"/>
+            <a:ext cx="2743200" cy="0"/>
+          </a:xfrm>
+          <a:prstGeom prst="line">
+            <a:avLst/>
+          </a:prstGeom>
+          <a:ln w="29160">
+            <a:solidFill>
+              <a:srgbClr val="999999"/>
+            </a:solidFill>
+            <a:round/>
+          </a:ln>
+        </p:spPr>
+        <p:style>
+          <a:lnRef idx="0"/>
+          <a:fillRef idx="0"/>
+          <a:effectRef idx="0"/>
+          <a:fontRef idx="minor"/>
+        </p:style>
+      </p:sp>
+      <p:sp>
+        <p:nvSpPr>
+          <p:cNvPr id="108" name="CustomShape 70"/>
+          <p:cNvSpPr/>
+          <p:nvPr/>
+        </p:nvSpPr>
+        <p:spPr>
+          <a:xfrm>
+            <a:off x="8595360" y="182880"/>
+            <a:ext cx="1280160" cy="4754880"/>
+          </a:xfrm>
+          <a:prstGeom prst="rect">
+            <a:avLst/>
+          </a:prstGeom>
+          <a:solidFill>
+            <a:srgbClr val="ff9999"/>
+          </a:solidFill>
+          <a:ln w="29160">
+            <a:solidFill>
+              <a:srgbClr val="000000"/>
+            </a:solidFill>
+            <a:round/>
+          </a:ln>
+        </p:spPr>
+        <p:style>
+          <a:lnRef idx="0"/>
+          <a:fillRef idx="0"/>
+          <a:effectRef idx="0"/>
+          <a:fontRef idx="minor"/>
+        </p:style>
+        <p:txBody>
+          <a:bodyPr wrap="none" lIns="104400" rIns="104400" tIns="59400" bIns="59400" anchor="ctr"/>
+          <a:p>
+            <a:pPr algn="ctr"/>
+            <a:r>
+              <a:rPr b="0" lang="en-US" sz="1800" spc="-1" strike="noStrike">
+                <a:solidFill>
+                  <a:srgbClr val="000000"/>
+                </a:solidFill>
+                <a:uFill>
+                  <a:solidFill>
+                    <a:srgbClr val="ffffff"/>
+                  </a:solidFill>
+                </a:uFill>
+                <a:latin typeface="Arial"/>
+              </a:rPr>
+              <a:t>120 VAC</a:t>
+            </a:r>
+            <a:endParaRPr b="0" lang="en-US" sz="1800" spc="-1" strike="noStrike">
+              <a:solidFill>
+                <a:srgbClr val="000000"/>
+              </a:solidFill>
+              <a:uFill>
+                <a:solidFill>
+                  <a:srgbClr val="ffffff"/>
+                </a:solidFill>
+              </a:uFill>
+              <a:latin typeface="Arial"/>
+            </a:endParaRPr>
+          </a:p>
+          <a:p>
+            <a:pPr algn="ctr"/>
+            <a:r>
+              <a:rPr b="0" lang="en-US" sz="1800" spc="-1" strike="noStrike">
+                <a:solidFill>
+                  <a:srgbClr val="000000"/>
+                </a:solidFill>
+                <a:uFill>
+                  <a:solidFill>
+                    <a:srgbClr val="ffffff"/>
+                  </a:solidFill>
+                </a:uFill>
+                <a:latin typeface="Arial"/>
+              </a:rPr>
+              <a:t>60 Hz</a:t>
+            </a:r>
+            <a:endParaRPr b="0" lang="en-US" sz="1800" spc="-1" strike="noStrike">
+              <a:solidFill>
+                <a:srgbClr val="000000"/>
+              </a:solidFill>
+              <a:uFill>
+                <a:solidFill>
+                  <a:srgbClr val="ffffff"/>
+                </a:solidFill>
+              </a:uFill>
+              <a:latin typeface="Arial"/>
+            </a:endParaRPr>
+          </a:p>
+        </p:txBody>
+      </p:sp>
+      <p:sp>
+        <p:nvSpPr>
+          <p:cNvPr id="109" name="CustomShape 71"/>
+          <p:cNvSpPr/>
+          <p:nvPr/>
+        </p:nvSpPr>
+        <p:spPr>
+          <a:xfrm>
+            <a:off x="548640" y="182880"/>
+            <a:ext cx="1280160" cy="7223760"/>
+          </a:xfrm>
+          <a:prstGeom prst="rect">
+            <a:avLst/>
+          </a:prstGeom>
+          <a:solidFill>
+            <a:srgbClr val="ffcc99"/>
+          </a:solidFill>
+          <a:ln w="29160">
+            <a:solidFill>
+              <a:srgbClr val="000000"/>
+            </a:solidFill>
+            <a:round/>
+          </a:ln>
+        </p:spPr>
+        <p:style>
+          <a:lnRef idx="0"/>
+          <a:fillRef idx="0"/>
+          <a:effectRef idx="0"/>
+          <a:fontRef idx="minor"/>
+        </p:style>
+        <p:txBody>
+          <a:bodyPr wrap="none" lIns="104400" rIns="104400" tIns="59400" bIns="59400" anchor="ctr"/>
+          <a:p>
+            <a:pPr algn="ctr"/>
+            <a:r>
+              <a:rPr b="0" lang="en-US" sz="1800" spc="-1" strike="noStrike">
+                <a:solidFill>
+                  <a:srgbClr val="000000"/>
+                </a:solidFill>
+                <a:uFill>
+                  <a:solidFill>
+                    <a:srgbClr val="ffffff"/>
+                  </a:solidFill>
+                </a:uFill>
+                <a:latin typeface="Arial"/>
+              </a:rPr>
+              <a:t>Ethernet</a:t>
+            </a:r>
+            <a:endParaRPr b="0" lang="en-US" sz="1800" spc="-1" strike="noStrike">
+              <a:solidFill>
+                <a:srgbClr val="000000"/>
+              </a:solidFill>
+              <a:uFill>
+                <a:solidFill>
+                  <a:srgbClr val="ffffff"/>
+                </a:solidFill>
+              </a:uFill>
+              <a:latin typeface="Arial"/>
+            </a:endParaRPr>
+          </a:p>
+          <a:p>
+            <a:pPr algn="ctr"/>
+            <a:r>
+              <a:rPr b="0" lang="en-US" sz="1800" spc="-1" strike="noStrike">
+                <a:solidFill>
+                  <a:srgbClr val="000000"/>
+                </a:solidFill>
+                <a:uFill>
+                  <a:solidFill>
+                    <a:srgbClr val="ffffff"/>
+                  </a:solidFill>
+                </a:uFill>
+                <a:latin typeface="Arial"/>
+              </a:rPr>
+              <a:t>Switch</a:t>
+            </a:r>
+            <a:endParaRPr b="0" lang="en-US" sz="1800" spc="-1" strike="noStrike">
               <a:solidFill>
                 <a:srgbClr val="000000"/>
               </a:solidFill>
@@ -3941,6 +5502,2046 @@
           <p:childTnLst>
             <p:seq>
               <p:cTn id="2" nodeType="mainSeq"/>
+              <p:prevCondLst>
+                <p:cond delay="0" evt="onPrev">
+                  <p:tgtEl>
+                    <p:sldTgt/>
+                  </p:tgtEl>
+                </p:cond>
+              </p:prevCondLst>
+              <p:nextCondLst>
+                <p:cond delay="0" evt="onNext">
+                  <p:tgtEl>
+                    <p:sldTgt/>
+                  </p:tgtEl>
+                </p:cond>
+              </p:nextCondLst>
+            </p:seq>
+          </p:childTnLst>
+        </p:cTn>
+      </p:par>
+    </p:tnLst>
+  </p:timing>
+</p:sld>
+</file>
+
+<file path=ppt/slides/slide2.xml><?xml version="1.0" encoding="utf-8"?>
+<p:sld xmlns:a="http://schemas.openxmlformats.org/drawingml/2006/main" xmlns:p="http://schemas.openxmlformats.org/presentationml/2006/main" xmlns:r="http://schemas.openxmlformats.org/officeDocument/2006/relationships" xmlns:p14="http://schemas.microsoft.com/office/powerpoint/2010/main" xmlns:p15="http://schemas.microsoft.com/office/powerpoint/2012/main" xmlns:mc="http://schemas.openxmlformats.org/markup-compatibility/2006">
+  <p:cSld>
+    <p:spTree>
+      <p:nvGrpSpPr>
+        <p:cNvPr id="1" name=""/>
+        <p:cNvGrpSpPr/>
+        <p:nvPr/>
+      </p:nvGrpSpPr>
+      <p:grpSpPr>
+        <a:xfrm>
+          <a:off x="0" y="0"/>
+          <a:ext cx="0" cy="0"/>
+          <a:chOff x="0" y="0"/>
+          <a:chExt cx="0" cy="0"/>
+        </a:xfrm>
+      </p:grpSpPr>
+      <p:sp>
+        <p:nvSpPr>
+          <p:cNvPr id="110" name="Line 1"/>
+          <p:cNvSpPr/>
+          <p:nvPr/>
+        </p:nvSpPr>
+        <p:spPr>
+          <a:xfrm>
+            <a:off x="6766560" y="1005840"/>
+            <a:ext cx="914400" cy="0"/>
+          </a:xfrm>
+          <a:prstGeom prst="line">
+            <a:avLst/>
+          </a:prstGeom>
+          <a:ln w="29160">
+            <a:solidFill>
+              <a:srgbClr val="000000"/>
+            </a:solidFill>
+            <a:round/>
+          </a:ln>
+        </p:spPr>
+        <p:style>
+          <a:lnRef idx="0"/>
+          <a:fillRef idx="0"/>
+          <a:effectRef idx="0"/>
+          <a:fontRef idx="minor"/>
+        </p:style>
+      </p:sp>
+      <p:sp>
+        <p:nvSpPr>
+          <p:cNvPr id="111" name="Line 2"/>
+          <p:cNvSpPr/>
+          <p:nvPr/>
+        </p:nvSpPr>
+        <p:spPr>
+          <a:xfrm>
+            <a:off x="6766560" y="1828800"/>
+            <a:ext cx="914400" cy="0"/>
+          </a:xfrm>
+          <a:prstGeom prst="line">
+            <a:avLst/>
+          </a:prstGeom>
+          <a:ln w="29160">
+            <a:solidFill>
+              <a:srgbClr val="000000"/>
+            </a:solidFill>
+            <a:round/>
+          </a:ln>
+        </p:spPr>
+        <p:style>
+          <a:lnRef idx="0"/>
+          <a:fillRef idx="0"/>
+          <a:effectRef idx="0"/>
+          <a:fontRef idx="minor"/>
+        </p:style>
+      </p:sp>
+      <p:sp>
+        <p:nvSpPr>
+          <p:cNvPr id="112" name="Line 3"/>
+          <p:cNvSpPr/>
+          <p:nvPr/>
+        </p:nvSpPr>
+        <p:spPr>
+          <a:xfrm>
+            <a:off x="6766560" y="2651760"/>
+            <a:ext cx="914400" cy="0"/>
+          </a:xfrm>
+          <a:prstGeom prst="line">
+            <a:avLst/>
+          </a:prstGeom>
+          <a:ln w="29160">
+            <a:solidFill>
+              <a:srgbClr val="000000"/>
+            </a:solidFill>
+            <a:round/>
+          </a:ln>
+        </p:spPr>
+        <p:style>
+          <a:lnRef idx="0"/>
+          <a:fillRef idx="0"/>
+          <a:effectRef idx="0"/>
+          <a:fontRef idx="minor"/>
+        </p:style>
+      </p:sp>
+      <p:sp>
+        <p:nvSpPr>
+          <p:cNvPr id="113" name="Line 4"/>
+          <p:cNvSpPr/>
+          <p:nvPr/>
+        </p:nvSpPr>
+        <p:spPr>
+          <a:xfrm>
+            <a:off x="6766560" y="4114800"/>
+            <a:ext cx="914400" cy="0"/>
+          </a:xfrm>
+          <a:prstGeom prst="line">
+            <a:avLst/>
+          </a:prstGeom>
+          <a:ln w="29160">
+            <a:solidFill>
+              <a:srgbClr val="000000"/>
+            </a:solidFill>
+            <a:round/>
+          </a:ln>
+        </p:spPr>
+        <p:style>
+          <a:lnRef idx="0"/>
+          <a:fillRef idx="0"/>
+          <a:effectRef idx="0"/>
+          <a:fontRef idx="minor"/>
+        </p:style>
+      </p:sp>
+      <p:sp>
+        <p:nvSpPr>
+          <p:cNvPr id="114" name="Line 5"/>
+          <p:cNvSpPr/>
+          <p:nvPr/>
+        </p:nvSpPr>
+        <p:spPr>
+          <a:xfrm>
+            <a:off x="6766560" y="4846320"/>
+            <a:ext cx="914400" cy="0"/>
+          </a:xfrm>
+          <a:prstGeom prst="line">
+            <a:avLst/>
+          </a:prstGeom>
+          <a:ln w="29160">
+            <a:solidFill>
+              <a:srgbClr val="000000"/>
+            </a:solidFill>
+            <a:round/>
+          </a:ln>
+        </p:spPr>
+        <p:style>
+          <a:lnRef idx="0"/>
+          <a:fillRef idx="0"/>
+          <a:effectRef idx="0"/>
+          <a:fontRef idx="minor"/>
+        </p:style>
+      </p:sp>
+      <p:sp>
+        <p:nvSpPr>
+          <p:cNvPr id="115" name="Line 6"/>
+          <p:cNvSpPr/>
+          <p:nvPr/>
+        </p:nvSpPr>
+        <p:spPr>
+          <a:xfrm>
+            <a:off x="6766560" y="5577840"/>
+            <a:ext cx="914400" cy="0"/>
+          </a:xfrm>
+          <a:prstGeom prst="line">
+            <a:avLst/>
+          </a:prstGeom>
+          <a:ln w="29160">
+            <a:solidFill>
+              <a:srgbClr val="000000"/>
+            </a:solidFill>
+            <a:round/>
+          </a:ln>
+        </p:spPr>
+        <p:style>
+          <a:lnRef idx="0"/>
+          <a:fillRef idx="0"/>
+          <a:effectRef idx="0"/>
+          <a:fontRef idx="minor"/>
+        </p:style>
+      </p:sp>
+      <p:sp>
+        <p:nvSpPr>
+          <p:cNvPr id="116" name="Line 7"/>
+          <p:cNvSpPr/>
+          <p:nvPr/>
+        </p:nvSpPr>
+        <p:spPr>
+          <a:xfrm>
+            <a:off x="6766560" y="6309360"/>
+            <a:ext cx="914400" cy="0"/>
+          </a:xfrm>
+          <a:prstGeom prst="line">
+            <a:avLst/>
+          </a:prstGeom>
+          <a:ln w="29160">
+            <a:solidFill>
+              <a:srgbClr val="000000"/>
+            </a:solidFill>
+            <a:round/>
+          </a:ln>
+        </p:spPr>
+        <p:style>
+          <a:lnRef idx="0"/>
+          <a:fillRef idx="0"/>
+          <a:effectRef idx="0"/>
+          <a:fontRef idx="minor"/>
+        </p:style>
+      </p:sp>
+      <p:sp>
+        <p:nvSpPr>
+          <p:cNvPr id="117" name="CustomShape 8"/>
+          <p:cNvSpPr/>
+          <p:nvPr/>
+        </p:nvSpPr>
+        <p:spPr>
+          <a:xfrm>
+            <a:off x="7589520" y="731520"/>
+            <a:ext cx="2103120" cy="548640"/>
+          </a:xfrm>
+          <a:prstGeom prst="rect">
+            <a:avLst/>
+          </a:prstGeom>
+          <a:solidFill>
+            <a:srgbClr val="ffffff"/>
+          </a:solidFill>
+          <a:ln w="29160">
+            <a:solidFill>
+              <a:srgbClr val="000000"/>
+            </a:solidFill>
+            <a:round/>
+          </a:ln>
+        </p:spPr>
+        <p:style>
+          <a:lnRef idx="0"/>
+          <a:fillRef idx="0"/>
+          <a:effectRef idx="0"/>
+          <a:fontRef idx="minor"/>
+        </p:style>
+        <p:txBody>
+          <a:bodyPr wrap="none" lIns="104400" rIns="104400" tIns="59400" bIns="59400" anchor="ctr"/>
+          <a:p>
+            <a:pPr algn="ctr"/>
+            <a:r>
+              <a:rPr b="0" lang="en-US" sz="1800" spc="-1" strike="noStrike">
+                <a:solidFill>
+                  <a:srgbClr val="000000"/>
+                </a:solidFill>
+                <a:uFill>
+                  <a:solidFill>
+                    <a:srgbClr val="ffffff"/>
+                  </a:solidFill>
+                </a:uFill>
+                <a:latin typeface="Arial"/>
+              </a:rPr>
+              <a:t>Pro</a:t>
+            </a:r>
+            <a:r>
+              <a:rPr b="0" lang="en-US" sz="1800" spc="-1" strike="noStrike">
+                <a:solidFill>
+                  <a:srgbClr val="000000"/>
+                </a:solidFill>
+                <a:uFill>
+                  <a:solidFill>
+                    <a:srgbClr val="ffffff"/>
+                  </a:solidFill>
+                </a:uFill>
+                <a:latin typeface="Arial"/>
+              </a:rPr>
+              <a:t>ctor </a:t>
+            </a:r>
+            <a:r>
+              <a:rPr b="0" lang="en-US" sz="1800" spc="-1" strike="noStrike">
+                <a:solidFill>
+                  <a:srgbClr val="000000"/>
+                </a:solidFill>
+                <a:uFill>
+                  <a:solidFill>
+                    <a:srgbClr val="ffffff"/>
+                  </a:solidFill>
+                </a:uFill>
+                <a:latin typeface="Arial"/>
+              </a:rPr>
+              <a:t>RPi</a:t>
+            </a:r>
+            <a:r>
+              <a:rPr b="0" lang="en-US" sz="1800" spc="-1" strike="noStrike">
+                <a:solidFill>
+                  <a:srgbClr val="000000"/>
+                </a:solidFill>
+                <a:uFill>
+                  <a:solidFill>
+                    <a:srgbClr val="ffffff"/>
+                  </a:solidFill>
+                </a:uFill>
+                <a:latin typeface="Arial"/>
+              </a:rPr>
+              <a:t>3</a:t>
+            </a:r>
+            <a:endParaRPr b="0" lang="en-US" sz="1800" spc="-1" strike="noStrike">
+              <a:solidFill>
+                <a:srgbClr val="000000"/>
+              </a:solidFill>
+              <a:uFill>
+                <a:solidFill>
+                  <a:srgbClr val="ffffff"/>
+                </a:solidFill>
+              </a:uFill>
+              <a:latin typeface="Arial"/>
+            </a:endParaRPr>
+          </a:p>
+        </p:txBody>
+      </p:sp>
+      <p:sp>
+        <p:nvSpPr>
+          <p:cNvPr id="118" name="CustomShape 9"/>
+          <p:cNvSpPr/>
+          <p:nvPr/>
+        </p:nvSpPr>
+        <p:spPr>
+          <a:xfrm>
+            <a:off x="7589520" y="1554480"/>
+            <a:ext cx="2103120" cy="548640"/>
+          </a:xfrm>
+          <a:prstGeom prst="rect">
+            <a:avLst/>
+          </a:prstGeom>
+          <a:solidFill>
+            <a:srgbClr val="ffffff"/>
+          </a:solidFill>
+          <a:ln w="29160">
+            <a:solidFill>
+              <a:srgbClr val="000000"/>
+            </a:solidFill>
+            <a:round/>
+          </a:ln>
+        </p:spPr>
+        <p:style>
+          <a:lnRef idx="0"/>
+          <a:fillRef idx="0"/>
+          <a:effectRef idx="0"/>
+          <a:fontRef idx="minor"/>
+        </p:style>
+        <p:txBody>
+          <a:bodyPr wrap="none" lIns="104400" rIns="104400" tIns="59400" bIns="59400" anchor="ctr"/>
+          <a:p>
+            <a:pPr algn="ctr"/>
+            <a:r>
+              <a:rPr b="0" lang="en-US" sz="1800" spc="-1" strike="noStrike">
+                <a:solidFill>
+                  <a:srgbClr val="000000"/>
+                </a:solidFill>
+                <a:uFill>
+                  <a:solidFill>
+                    <a:srgbClr val="ffffff"/>
+                  </a:solidFill>
+                </a:uFill>
+                <a:latin typeface="Arial"/>
+              </a:rPr>
+              <a:t>Wall RPi3</a:t>
+            </a:r>
+            <a:endParaRPr b="0" lang="en-US" sz="1800" spc="-1" strike="noStrike">
+              <a:solidFill>
+                <a:srgbClr val="000000"/>
+              </a:solidFill>
+              <a:uFill>
+                <a:solidFill>
+                  <a:srgbClr val="ffffff"/>
+                </a:solidFill>
+              </a:uFill>
+              <a:latin typeface="Arial"/>
+            </a:endParaRPr>
+          </a:p>
+        </p:txBody>
+      </p:sp>
+      <p:sp>
+        <p:nvSpPr>
+          <p:cNvPr id="119" name="CustomShape 10"/>
+          <p:cNvSpPr/>
+          <p:nvPr/>
+        </p:nvSpPr>
+        <p:spPr>
+          <a:xfrm>
+            <a:off x="7589520" y="2377440"/>
+            <a:ext cx="2103120" cy="548640"/>
+          </a:xfrm>
+          <a:prstGeom prst="rect">
+            <a:avLst/>
+          </a:prstGeom>
+          <a:solidFill>
+            <a:srgbClr val="ffffff"/>
+          </a:solidFill>
+          <a:ln w="29160">
+            <a:solidFill>
+              <a:srgbClr val="000000"/>
+            </a:solidFill>
+            <a:round/>
+          </a:ln>
+        </p:spPr>
+        <p:style>
+          <a:lnRef idx="0"/>
+          <a:fillRef idx="0"/>
+          <a:effectRef idx="0"/>
+          <a:fontRef idx="minor"/>
+        </p:style>
+        <p:txBody>
+          <a:bodyPr wrap="none" lIns="104400" rIns="104400" tIns="59400" bIns="59400" anchor="ctr"/>
+          <a:p>
+            <a:pPr algn="ctr"/>
+            <a:r>
+              <a:rPr b="0" lang="en-US" sz="1800" spc="-1" strike="noStrike">
+                <a:solidFill>
+                  <a:srgbClr val="000000"/>
+                </a:solidFill>
+                <a:uFill>
+                  <a:solidFill>
+                    <a:srgbClr val="ffffff"/>
+                  </a:solidFill>
+                </a:uFill>
+                <a:latin typeface="Arial"/>
+              </a:rPr>
+              <a:t>Console RPi3</a:t>
+            </a:r>
+            <a:endParaRPr b="0" lang="en-US" sz="1800" spc="-1" strike="noStrike">
+              <a:solidFill>
+                <a:srgbClr val="000000"/>
+              </a:solidFill>
+              <a:uFill>
+                <a:solidFill>
+                  <a:srgbClr val="ffffff"/>
+                </a:solidFill>
+              </a:uFill>
+              <a:latin typeface="Arial"/>
+            </a:endParaRPr>
+          </a:p>
+        </p:txBody>
+      </p:sp>
+      <p:sp>
+        <p:nvSpPr>
+          <p:cNvPr id="120" name="CustomShape 11"/>
+          <p:cNvSpPr/>
+          <p:nvPr/>
+        </p:nvSpPr>
+        <p:spPr>
+          <a:xfrm>
+            <a:off x="5669280" y="731520"/>
+            <a:ext cx="1280160" cy="5852160"/>
+          </a:xfrm>
+          <a:prstGeom prst="rect">
+            <a:avLst/>
+          </a:prstGeom>
+          <a:solidFill>
+            <a:srgbClr val="ffffff"/>
+          </a:solidFill>
+          <a:ln w="29160">
+            <a:solidFill>
+              <a:srgbClr val="000000"/>
+            </a:solidFill>
+            <a:round/>
+          </a:ln>
+        </p:spPr>
+        <p:style>
+          <a:lnRef idx="0"/>
+          <a:fillRef idx="0"/>
+          <a:effectRef idx="0"/>
+          <a:fontRef idx="minor"/>
+        </p:style>
+        <p:txBody>
+          <a:bodyPr wrap="none" lIns="104400" rIns="104400" tIns="59400" bIns="59400" anchor="ctr"/>
+          <a:p>
+            <a:pPr algn="ctr"/>
+            <a:r>
+              <a:rPr b="0" lang="en-US" sz="1800" spc="-1" strike="noStrike">
+                <a:solidFill>
+                  <a:srgbClr val="000000"/>
+                </a:solidFill>
+                <a:uFill>
+                  <a:solidFill>
+                    <a:srgbClr val="ffffff"/>
+                  </a:solidFill>
+                </a:uFill>
+                <a:latin typeface="Arial"/>
+              </a:rPr>
+              <a:t>Et</a:t>
+            </a:r>
+            <a:r>
+              <a:rPr b="0" lang="en-US" sz="1800" spc="-1" strike="noStrike">
+                <a:solidFill>
+                  <a:srgbClr val="000000"/>
+                </a:solidFill>
+                <a:uFill>
+                  <a:solidFill>
+                    <a:srgbClr val="ffffff"/>
+                  </a:solidFill>
+                </a:uFill>
+                <a:latin typeface="Arial"/>
+              </a:rPr>
+              <a:t>he</a:t>
+            </a:r>
+            <a:r>
+              <a:rPr b="0" lang="en-US" sz="1800" spc="-1" strike="noStrike">
+                <a:solidFill>
+                  <a:srgbClr val="000000"/>
+                </a:solidFill>
+                <a:uFill>
+                  <a:solidFill>
+                    <a:srgbClr val="ffffff"/>
+                  </a:solidFill>
+                </a:uFill>
+                <a:latin typeface="Arial"/>
+              </a:rPr>
+              <a:t>rn</a:t>
+            </a:r>
+            <a:r>
+              <a:rPr b="0" lang="en-US" sz="1800" spc="-1" strike="noStrike">
+                <a:solidFill>
+                  <a:srgbClr val="000000"/>
+                </a:solidFill>
+                <a:uFill>
+                  <a:solidFill>
+                    <a:srgbClr val="ffffff"/>
+                  </a:solidFill>
+                </a:uFill>
+                <a:latin typeface="Arial"/>
+              </a:rPr>
+              <a:t>et</a:t>
+            </a:r>
+            <a:endParaRPr b="0" lang="en-US" sz="1800" spc="-1" strike="noStrike">
+              <a:solidFill>
+                <a:srgbClr val="000000"/>
+              </a:solidFill>
+              <a:uFill>
+                <a:solidFill>
+                  <a:srgbClr val="ffffff"/>
+                </a:solidFill>
+              </a:uFill>
+              <a:latin typeface="Arial"/>
+            </a:endParaRPr>
+          </a:p>
+          <a:p>
+            <a:pPr algn="ctr"/>
+            <a:r>
+              <a:rPr b="0" lang="en-US" sz="1800" spc="-1" strike="noStrike">
+                <a:solidFill>
+                  <a:srgbClr val="000000"/>
+                </a:solidFill>
+                <a:uFill>
+                  <a:solidFill>
+                    <a:srgbClr val="ffffff"/>
+                  </a:solidFill>
+                </a:uFill>
+                <a:latin typeface="Arial"/>
+              </a:rPr>
+              <a:t>S</a:t>
+            </a:r>
+            <a:r>
+              <a:rPr b="0" lang="en-US" sz="1800" spc="-1" strike="noStrike">
+                <a:solidFill>
+                  <a:srgbClr val="000000"/>
+                </a:solidFill>
+                <a:uFill>
+                  <a:solidFill>
+                    <a:srgbClr val="ffffff"/>
+                  </a:solidFill>
+                </a:uFill>
+                <a:latin typeface="Arial"/>
+              </a:rPr>
+              <a:t>wi</a:t>
+            </a:r>
+            <a:r>
+              <a:rPr b="0" lang="en-US" sz="1800" spc="-1" strike="noStrike">
+                <a:solidFill>
+                  <a:srgbClr val="000000"/>
+                </a:solidFill>
+                <a:uFill>
+                  <a:solidFill>
+                    <a:srgbClr val="ffffff"/>
+                  </a:solidFill>
+                </a:uFill>
+                <a:latin typeface="Arial"/>
+              </a:rPr>
+              <a:t>tc</a:t>
+            </a:r>
+            <a:r>
+              <a:rPr b="0" lang="en-US" sz="1800" spc="-1" strike="noStrike">
+                <a:solidFill>
+                  <a:srgbClr val="000000"/>
+                </a:solidFill>
+                <a:uFill>
+                  <a:solidFill>
+                    <a:srgbClr val="ffffff"/>
+                  </a:solidFill>
+                </a:uFill>
+                <a:latin typeface="Arial"/>
+              </a:rPr>
+              <a:t>h</a:t>
+            </a:r>
+            <a:endParaRPr b="0" lang="en-US" sz="1800" spc="-1" strike="noStrike">
+              <a:solidFill>
+                <a:srgbClr val="000000"/>
+              </a:solidFill>
+              <a:uFill>
+                <a:solidFill>
+                  <a:srgbClr val="ffffff"/>
+                </a:solidFill>
+              </a:uFill>
+              <a:latin typeface="Arial"/>
+            </a:endParaRPr>
+          </a:p>
+        </p:txBody>
+      </p:sp>
+      <p:sp>
+        <p:nvSpPr>
+          <p:cNvPr id="121" name="CustomShape 12"/>
+          <p:cNvSpPr/>
+          <p:nvPr/>
+        </p:nvSpPr>
+        <p:spPr>
+          <a:xfrm>
+            <a:off x="7589520" y="3840480"/>
+            <a:ext cx="2103120" cy="548640"/>
+          </a:xfrm>
+          <a:prstGeom prst="rect">
+            <a:avLst/>
+          </a:prstGeom>
+          <a:solidFill>
+            <a:srgbClr val="ffffff"/>
+          </a:solidFill>
+          <a:ln w="29160">
+            <a:solidFill>
+              <a:srgbClr val="000000"/>
+            </a:solidFill>
+            <a:round/>
+          </a:ln>
+        </p:spPr>
+        <p:style>
+          <a:lnRef idx="0"/>
+          <a:fillRef idx="0"/>
+          <a:effectRef idx="0"/>
+          <a:fontRef idx="minor"/>
+        </p:style>
+        <p:txBody>
+          <a:bodyPr wrap="none" lIns="104400" rIns="104400" tIns="59400" bIns="59400" anchor="ctr"/>
+          <a:p>
+            <a:pPr algn="ctr"/>
+            <a:r>
+              <a:rPr b="0" lang="en-US" sz="1800" spc="-1" strike="noStrike">
+                <a:solidFill>
+                  <a:srgbClr val="000000"/>
+                </a:solidFill>
+                <a:uFill>
+                  <a:solidFill>
+                    <a:srgbClr val="ffffff"/>
+                  </a:solidFill>
+                </a:uFill>
+                <a:latin typeface="Arial"/>
+              </a:rPr>
+              <a:t>Ca</a:t>
+            </a:r>
+            <a:r>
+              <a:rPr b="0" lang="en-US" sz="1800" spc="-1" strike="noStrike">
+                <a:solidFill>
+                  <a:srgbClr val="000000"/>
+                </a:solidFill>
+                <a:uFill>
+                  <a:solidFill>
+                    <a:srgbClr val="ffffff"/>
+                  </a:solidFill>
+                </a:uFill>
+                <a:latin typeface="Arial"/>
+              </a:rPr>
+              <a:t>m 1</a:t>
+            </a:r>
+            <a:endParaRPr b="0" lang="en-US" sz="1800" spc="-1" strike="noStrike">
+              <a:solidFill>
+                <a:srgbClr val="000000"/>
+              </a:solidFill>
+              <a:uFill>
+                <a:solidFill>
+                  <a:srgbClr val="ffffff"/>
+                </a:solidFill>
+              </a:uFill>
+              <a:latin typeface="Arial"/>
+            </a:endParaRPr>
+          </a:p>
+        </p:txBody>
+      </p:sp>
+      <p:sp>
+        <p:nvSpPr>
+          <p:cNvPr id="122" name="CustomShape 13"/>
+          <p:cNvSpPr/>
+          <p:nvPr/>
+        </p:nvSpPr>
+        <p:spPr>
+          <a:xfrm>
+            <a:off x="7589520" y="4572000"/>
+            <a:ext cx="2103120" cy="548640"/>
+          </a:xfrm>
+          <a:prstGeom prst="rect">
+            <a:avLst/>
+          </a:prstGeom>
+          <a:solidFill>
+            <a:srgbClr val="ffffff"/>
+          </a:solidFill>
+          <a:ln w="29160">
+            <a:solidFill>
+              <a:srgbClr val="000000"/>
+            </a:solidFill>
+            <a:round/>
+          </a:ln>
+        </p:spPr>
+        <p:style>
+          <a:lnRef idx="0"/>
+          <a:fillRef idx="0"/>
+          <a:effectRef idx="0"/>
+          <a:fontRef idx="minor"/>
+        </p:style>
+        <p:txBody>
+          <a:bodyPr wrap="none" lIns="104400" rIns="104400" tIns="59400" bIns="59400" anchor="ctr"/>
+          <a:p>
+            <a:pPr algn="ctr"/>
+            <a:r>
+              <a:rPr b="0" lang="en-US" sz="1800" spc="-1" strike="noStrike">
+                <a:solidFill>
+                  <a:srgbClr val="000000"/>
+                </a:solidFill>
+                <a:uFill>
+                  <a:solidFill>
+                    <a:srgbClr val="ffffff"/>
+                  </a:solidFill>
+                </a:uFill>
+                <a:latin typeface="Arial"/>
+              </a:rPr>
+              <a:t>Cam 2</a:t>
+            </a:r>
+            <a:endParaRPr b="0" lang="en-US" sz="1800" spc="-1" strike="noStrike">
+              <a:solidFill>
+                <a:srgbClr val="000000"/>
+              </a:solidFill>
+              <a:uFill>
+                <a:solidFill>
+                  <a:srgbClr val="ffffff"/>
+                </a:solidFill>
+              </a:uFill>
+              <a:latin typeface="Arial"/>
+            </a:endParaRPr>
+          </a:p>
+        </p:txBody>
+      </p:sp>
+      <p:sp>
+        <p:nvSpPr>
+          <p:cNvPr id="123" name="CustomShape 14"/>
+          <p:cNvSpPr/>
+          <p:nvPr/>
+        </p:nvSpPr>
+        <p:spPr>
+          <a:xfrm>
+            <a:off x="7589520" y="5303520"/>
+            <a:ext cx="2103120" cy="548640"/>
+          </a:xfrm>
+          <a:prstGeom prst="rect">
+            <a:avLst/>
+          </a:prstGeom>
+          <a:solidFill>
+            <a:srgbClr val="ffffff"/>
+          </a:solidFill>
+          <a:ln w="29160">
+            <a:solidFill>
+              <a:srgbClr val="000000"/>
+            </a:solidFill>
+            <a:round/>
+          </a:ln>
+        </p:spPr>
+        <p:style>
+          <a:lnRef idx="0"/>
+          <a:fillRef idx="0"/>
+          <a:effectRef idx="0"/>
+          <a:fontRef idx="minor"/>
+        </p:style>
+        <p:txBody>
+          <a:bodyPr wrap="none" lIns="104400" rIns="104400" tIns="59400" bIns="59400" anchor="ctr"/>
+          <a:p>
+            <a:pPr algn="ctr"/>
+            <a:r>
+              <a:rPr b="0" lang="en-US" sz="1800" spc="-1" strike="noStrike">
+                <a:solidFill>
+                  <a:srgbClr val="000000"/>
+                </a:solidFill>
+                <a:uFill>
+                  <a:solidFill>
+                    <a:srgbClr val="ffffff"/>
+                  </a:solidFill>
+                </a:uFill>
+                <a:latin typeface="Arial"/>
+              </a:rPr>
+              <a:t>Cam 3</a:t>
+            </a:r>
+            <a:endParaRPr b="0" lang="en-US" sz="1800" spc="-1" strike="noStrike">
+              <a:solidFill>
+                <a:srgbClr val="000000"/>
+              </a:solidFill>
+              <a:uFill>
+                <a:solidFill>
+                  <a:srgbClr val="ffffff"/>
+                </a:solidFill>
+              </a:uFill>
+              <a:latin typeface="Arial"/>
+            </a:endParaRPr>
+          </a:p>
+        </p:txBody>
+      </p:sp>
+      <p:sp>
+        <p:nvSpPr>
+          <p:cNvPr id="124" name="CustomShape 15"/>
+          <p:cNvSpPr/>
+          <p:nvPr/>
+        </p:nvSpPr>
+        <p:spPr>
+          <a:xfrm>
+            <a:off x="7589520" y="6035040"/>
+            <a:ext cx="2103120" cy="548640"/>
+          </a:xfrm>
+          <a:prstGeom prst="rect">
+            <a:avLst/>
+          </a:prstGeom>
+          <a:solidFill>
+            <a:srgbClr val="ffffff"/>
+          </a:solidFill>
+          <a:ln w="29160">
+            <a:solidFill>
+              <a:srgbClr val="000000"/>
+            </a:solidFill>
+            <a:round/>
+          </a:ln>
+        </p:spPr>
+        <p:style>
+          <a:lnRef idx="0"/>
+          <a:fillRef idx="0"/>
+          <a:effectRef idx="0"/>
+          <a:fontRef idx="minor"/>
+        </p:style>
+        <p:txBody>
+          <a:bodyPr wrap="none" lIns="104400" rIns="104400" tIns="59400" bIns="59400" anchor="ctr"/>
+          <a:p>
+            <a:pPr algn="ctr"/>
+            <a:r>
+              <a:rPr b="0" lang="en-US" sz="1800" spc="-1" strike="noStrike">
+                <a:solidFill>
+                  <a:srgbClr val="000000"/>
+                </a:solidFill>
+                <a:uFill>
+                  <a:solidFill>
+                    <a:srgbClr val="ffffff"/>
+                  </a:solidFill>
+                </a:uFill>
+                <a:latin typeface="Arial"/>
+              </a:rPr>
+              <a:t>Cam 4</a:t>
+            </a:r>
+            <a:endParaRPr b="0" lang="en-US" sz="1800" spc="-1" strike="noStrike">
+              <a:solidFill>
+                <a:srgbClr val="000000"/>
+              </a:solidFill>
+              <a:uFill>
+                <a:solidFill>
+                  <a:srgbClr val="ffffff"/>
+                </a:solidFill>
+              </a:uFill>
+              <a:latin typeface="Arial"/>
+            </a:endParaRPr>
+          </a:p>
+        </p:txBody>
+      </p:sp>
+      <p:sp>
+        <p:nvSpPr>
+          <p:cNvPr id="125" name="CustomShape 16"/>
+          <p:cNvSpPr/>
+          <p:nvPr/>
+        </p:nvSpPr>
+        <p:spPr>
+          <a:xfrm>
+            <a:off x="457200" y="914400"/>
+            <a:ext cx="1188720" cy="548640"/>
+          </a:xfrm>
+          <a:prstGeom prst="rect">
+            <a:avLst/>
+          </a:prstGeom>
+          <a:solidFill>
+            <a:srgbClr val="ffffff"/>
+          </a:solidFill>
+          <a:ln w="29160">
+            <a:solidFill>
+              <a:srgbClr val="000000"/>
+            </a:solidFill>
+            <a:round/>
+          </a:ln>
+        </p:spPr>
+        <p:style>
+          <a:lnRef idx="0"/>
+          <a:fillRef idx="0"/>
+          <a:effectRef idx="0"/>
+          <a:fontRef idx="minor"/>
+        </p:style>
+        <p:txBody>
+          <a:bodyPr wrap="none" lIns="104400" rIns="104400" tIns="59400" bIns="59400" anchor="ctr"/>
+          <a:p>
+            <a:pPr algn="ctr"/>
+            <a:r>
+              <a:rPr b="0" lang="en-US" sz="1800" spc="-1" strike="noStrike">
+                <a:solidFill>
+                  <a:srgbClr val="000000"/>
+                </a:solidFill>
+                <a:uFill>
+                  <a:solidFill>
+                    <a:srgbClr val="ffffff"/>
+                  </a:solidFill>
+                </a:uFill>
+                <a:latin typeface="Arial"/>
+              </a:rPr>
+              <a:t>Proctor</a:t>
+            </a:r>
+            <a:endParaRPr b="0" lang="en-US" sz="1800" spc="-1" strike="noStrike">
+              <a:solidFill>
+                <a:srgbClr val="000000"/>
+              </a:solidFill>
+              <a:uFill>
+                <a:solidFill>
+                  <a:srgbClr val="ffffff"/>
+                </a:solidFill>
+              </a:uFill>
+              <a:latin typeface="Arial"/>
+            </a:endParaRPr>
+          </a:p>
+        </p:txBody>
+      </p:sp>
+      <p:sp>
+        <p:nvSpPr>
+          <p:cNvPr id="126" name="CustomShape 17"/>
+          <p:cNvSpPr/>
+          <p:nvPr/>
+        </p:nvSpPr>
+        <p:spPr>
+          <a:xfrm>
+            <a:off x="3657600" y="914400"/>
+            <a:ext cx="1188720" cy="548640"/>
+          </a:xfrm>
+          <a:prstGeom prst="rect">
+            <a:avLst/>
+          </a:prstGeom>
+          <a:solidFill>
+            <a:srgbClr val="ffffff"/>
+          </a:solidFill>
+          <a:ln w="29160">
+            <a:solidFill>
+              <a:srgbClr val="000000"/>
+            </a:solidFill>
+            <a:round/>
+          </a:ln>
+        </p:spPr>
+        <p:style>
+          <a:lnRef idx="0"/>
+          <a:fillRef idx="0"/>
+          <a:effectRef idx="0"/>
+          <a:fontRef idx="minor"/>
+        </p:style>
+        <p:txBody>
+          <a:bodyPr wrap="none" lIns="104400" rIns="104400" tIns="59400" bIns="59400" anchor="ctr"/>
+          <a:p>
+            <a:pPr algn="ctr"/>
+            <a:r>
+              <a:rPr b="0" lang="en-US" sz="1800" spc="-1" strike="noStrike">
+                <a:solidFill>
+                  <a:srgbClr val="000000"/>
+                </a:solidFill>
+                <a:uFill>
+                  <a:solidFill>
+                    <a:srgbClr val="ffffff"/>
+                  </a:solidFill>
+                </a:uFill>
+                <a:latin typeface="Arial"/>
+              </a:rPr>
+              <a:t>Cameras</a:t>
+            </a:r>
+            <a:endParaRPr b="0" lang="en-US" sz="1800" spc="-1" strike="noStrike">
+              <a:solidFill>
+                <a:srgbClr val="000000"/>
+              </a:solidFill>
+              <a:uFill>
+                <a:solidFill>
+                  <a:srgbClr val="ffffff"/>
+                </a:solidFill>
+              </a:uFill>
+              <a:latin typeface="Arial"/>
+            </a:endParaRPr>
+          </a:p>
+        </p:txBody>
+      </p:sp>
+      <p:sp>
+        <p:nvSpPr>
+          <p:cNvPr id="127" name="Line 18"/>
+          <p:cNvSpPr/>
+          <p:nvPr/>
+        </p:nvSpPr>
+        <p:spPr>
+          <a:xfrm>
+            <a:off x="1645920" y="1097280"/>
+            <a:ext cx="2011680" cy="0"/>
+          </a:xfrm>
+          <a:prstGeom prst="line">
+            <a:avLst/>
+          </a:prstGeom>
+          <a:ln w="29160">
+            <a:solidFill>
+              <a:srgbClr val="000000"/>
+            </a:solidFill>
+            <a:round/>
+            <a:tailEnd len="med" type="triangle" w="med"/>
+          </a:ln>
+        </p:spPr>
+        <p:style>
+          <a:lnRef idx="0"/>
+          <a:fillRef idx="0"/>
+          <a:effectRef idx="0"/>
+          <a:fontRef idx="minor"/>
+        </p:style>
+      </p:sp>
+      <p:sp>
+        <p:nvSpPr>
+          <p:cNvPr id="128" name="Line 19"/>
+          <p:cNvSpPr/>
+          <p:nvPr/>
+        </p:nvSpPr>
+        <p:spPr>
+          <a:xfrm>
+            <a:off x="1645920" y="1280160"/>
+            <a:ext cx="2011680" cy="0"/>
+          </a:xfrm>
+          <a:prstGeom prst="line">
+            <a:avLst/>
+          </a:prstGeom>
+          <a:ln w="29160">
+            <a:solidFill>
+              <a:srgbClr val="000000"/>
+            </a:solidFill>
+            <a:round/>
+            <a:headEnd len="med" type="triangle" w="med"/>
+          </a:ln>
+        </p:spPr>
+        <p:style>
+          <a:lnRef idx="0"/>
+          <a:fillRef idx="0"/>
+          <a:effectRef idx="0"/>
+          <a:fontRef idx="minor"/>
+        </p:style>
+      </p:sp>
+      <p:sp>
+        <p:nvSpPr>
+          <p:cNvPr id="129" name="TextShape 20"/>
+          <p:cNvSpPr txBox="1"/>
+          <p:nvPr/>
+        </p:nvSpPr>
+        <p:spPr>
+          <a:xfrm>
+            <a:off x="1645920" y="1463040"/>
+            <a:ext cx="1463040" cy="290160"/>
+          </a:xfrm>
+          <a:prstGeom prst="rect">
+            <a:avLst/>
+          </a:prstGeom>
+          <a:noFill/>
+          <a:ln>
+            <a:noFill/>
+          </a:ln>
+        </p:spPr>
+        <p:txBody>
+          <a:bodyPr lIns="90000" rIns="90000" tIns="45000" bIns="45000"/>
+          <a:p>
+            <a:r>
+              <a:rPr b="0" lang="en-US" sz="1400" spc="-1" strike="noStrike">
+                <a:solidFill>
+                  <a:srgbClr val="000000"/>
+                </a:solidFill>
+                <a:uFill>
+                  <a:solidFill>
+                    <a:srgbClr val="ffffff"/>
+                  </a:solidFill>
+                </a:uFill>
+                <a:latin typeface="Arial"/>
+              </a:rPr>
+              <a:t>Image Data</a:t>
+            </a:r>
+            <a:endParaRPr b="0" lang="en-US" sz="1400" spc="-1" strike="noStrike">
+              <a:solidFill>
+                <a:srgbClr val="000000"/>
+              </a:solidFill>
+              <a:uFill>
+                <a:solidFill>
+                  <a:srgbClr val="ffffff"/>
+                </a:solidFill>
+              </a:uFill>
+              <a:latin typeface="Arial"/>
+            </a:endParaRPr>
+          </a:p>
+        </p:txBody>
+      </p:sp>
+      <p:sp>
+        <p:nvSpPr>
+          <p:cNvPr id="130" name="TextShape 21"/>
+          <p:cNvSpPr txBox="1"/>
+          <p:nvPr/>
+        </p:nvSpPr>
+        <p:spPr>
+          <a:xfrm>
+            <a:off x="1645920" y="548640"/>
+            <a:ext cx="2286000" cy="307080"/>
+          </a:xfrm>
+          <a:prstGeom prst="rect">
+            <a:avLst/>
+          </a:prstGeom>
+          <a:noFill/>
+          <a:ln>
+            <a:noFill/>
+          </a:ln>
+        </p:spPr>
+        <p:txBody>
+          <a:bodyPr lIns="90000" rIns="90000" tIns="45000" bIns="45000"/>
+          <a:p>
+            <a:r>
+              <a:rPr b="0" lang="en-US" sz="1400" spc="-1" strike="noStrike">
+                <a:solidFill>
+                  <a:srgbClr val="000000"/>
+                </a:solidFill>
+                <a:uFill>
+                  <a:solidFill>
+                    <a:srgbClr val="ffffff"/>
+                  </a:solidFill>
+                </a:uFill>
+                <a:latin typeface="Arial"/>
+              </a:rPr>
+              <a:t>Frame Rate </a:t>
+            </a:r>
+            <a:r>
+              <a:rPr b="0" lang="en-US" sz="1400" spc="-1" strike="noStrike">
+                <a:solidFill>
+                  <a:srgbClr val="000000"/>
+                </a:solidFill>
+                <a:uFill>
+                  <a:solidFill>
+                    <a:srgbClr val="ffffff"/>
+                  </a:solidFill>
+                </a:uFill>
+                <a:latin typeface="Arial"/>
+              </a:rPr>
+              <a:t>Configuration</a:t>
+            </a:r>
+            <a:endParaRPr b="0" lang="en-US" sz="1400" spc="-1" strike="noStrike">
+              <a:solidFill>
+                <a:srgbClr val="000000"/>
+              </a:solidFill>
+              <a:uFill>
+                <a:solidFill>
+                  <a:srgbClr val="ffffff"/>
+                </a:solidFill>
+              </a:uFill>
+              <a:latin typeface="Arial"/>
+            </a:endParaRPr>
+          </a:p>
+        </p:txBody>
+      </p:sp>
+      <p:sp>
+        <p:nvSpPr>
+          <p:cNvPr id="131" name="CustomShape 22"/>
+          <p:cNvSpPr/>
+          <p:nvPr/>
+        </p:nvSpPr>
+        <p:spPr>
+          <a:xfrm>
+            <a:off x="457200" y="2834640"/>
+            <a:ext cx="1188720" cy="548640"/>
+          </a:xfrm>
+          <a:prstGeom prst="rect">
+            <a:avLst/>
+          </a:prstGeom>
+          <a:solidFill>
+            <a:srgbClr val="ffffff"/>
+          </a:solidFill>
+          <a:ln w="29160">
+            <a:solidFill>
+              <a:srgbClr val="000000"/>
+            </a:solidFill>
+            <a:round/>
+          </a:ln>
+        </p:spPr>
+        <p:style>
+          <a:lnRef idx="0"/>
+          <a:fillRef idx="0"/>
+          <a:effectRef idx="0"/>
+          <a:fontRef idx="minor"/>
+        </p:style>
+        <p:txBody>
+          <a:bodyPr wrap="none" lIns="104400" rIns="104400" tIns="59400" bIns="59400" anchor="ctr"/>
+          <a:p>
+            <a:pPr algn="ctr"/>
+            <a:r>
+              <a:rPr b="0" lang="en-US" sz="1800" spc="-1" strike="noStrike">
+                <a:solidFill>
+                  <a:srgbClr val="000000"/>
+                </a:solidFill>
+                <a:uFill>
+                  <a:solidFill>
+                    <a:srgbClr val="ffffff"/>
+                  </a:solidFill>
+                </a:uFill>
+                <a:latin typeface="Arial"/>
+              </a:rPr>
+              <a:t>Proctor</a:t>
+            </a:r>
+            <a:endParaRPr b="0" lang="en-US" sz="1800" spc="-1" strike="noStrike">
+              <a:solidFill>
+                <a:srgbClr val="000000"/>
+              </a:solidFill>
+              <a:uFill>
+                <a:solidFill>
+                  <a:srgbClr val="ffffff"/>
+                </a:solidFill>
+              </a:uFill>
+              <a:latin typeface="Arial"/>
+            </a:endParaRPr>
+          </a:p>
+        </p:txBody>
+      </p:sp>
+      <p:sp>
+        <p:nvSpPr>
+          <p:cNvPr id="132" name="CustomShape 23"/>
+          <p:cNvSpPr/>
+          <p:nvPr/>
+        </p:nvSpPr>
+        <p:spPr>
+          <a:xfrm>
+            <a:off x="3657600" y="2834640"/>
+            <a:ext cx="1188720" cy="548640"/>
+          </a:xfrm>
+          <a:prstGeom prst="rect">
+            <a:avLst/>
+          </a:prstGeom>
+          <a:solidFill>
+            <a:srgbClr val="ffffff"/>
+          </a:solidFill>
+          <a:ln w="29160">
+            <a:solidFill>
+              <a:srgbClr val="000000"/>
+            </a:solidFill>
+            <a:round/>
+          </a:ln>
+        </p:spPr>
+        <p:style>
+          <a:lnRef idx="0"/>
+          <a:fillRef idx="0"/>
+          <a:effectRef idx="0"/>
+          <a:fontRef idx="minor"/>
+        </p:style>
+        <p:txBody>
+          <a:bodyPr wrap="none" lIns="104400" rIns="104400" tIns="59400" bIns="59400" anchor="ctr"/>
+          <a:p>
+            <a:pPr algn="ctr"/>
+            <a:r>
+              <a:rPr b="0" lang="en-US" sz="1800" spc="-1" strike="noStrike">
+                <a:solidFill>
+                  <a:srgbClr val="000000"/>
+                </a:solidFill>
+                <a:uFill>
+                  <a:solidFill>
+                    <a:srgbClr val="ffffff"/>
+                  </a:solidFill>
+                </a:uFill>
+                <a:latin typeface="Arial"/>
+              </a:rPr>
+              <a:t>Wall</a:t>
+            </a:r>
+            <a:endParaRPr b="0" lang="en-US" sz="1800" spc="-1" strike="noStrike">
+              <a:solidFill>
+                <a:srgbClr val="000000"/>
+              </a:solidFill>
+              <a:uFill>
+                <a:solidFill>
+                  <a:srgbClr val="ffffff"/>
+                </a:solidFill>
+              </a:uFill>
+              <a:latin typeface="Arial"/>
+            </a:endParaRPr>
+          </a:p>
+        </p:txBody>
+      </p:sp>
+      <p:sp>
+        <p:nvSpPr>
+          <p:cNvPr id="133" name="Line 24"/>
+          <p:cNvSpPr/>
+          <p:nvPr/>
+        </p:nvSpPr>
+        <p:spPr>
+          <a:xfrm>
+            <a:off x="1645920" y="3017520"/>
+            <a:ext cx="2011680" cy="0"/>
+          </a:xfrm>
+          <a:prstGeom prst="line">
+            <a:avLst/>
+          </a:prstGeom>
+          <a:ln w="29160">
+            <a:solidFill>
+              <a:srgbClr val="000000"/>
+            </a:solidFill>
+            <a:round/>
+            <a:tailEnd len="med" type="triangle" w="med"/>
+          </a:ln>
+        </p:spPr>
+        <p:style>
+          <a:lnRef idx="0"/>
+          <a:fillRef idx="0"/>
+          <a:effectRef idx="0"/>
+          <a:fontRef idx="minor"/>
+        </p:style>
+      </p:sp>
+      <p:sp>
+        <p:nvSpPr>
+          <p:cNvPr id="134" name="Line 25"/>
+          <p:cNvSpPr/>
+          <p:nvPr/>
+        </p:nvSpPr>
+        <p:spPr>
+          <a:xfrm>
+            <a:off x="1645920" y="3200400"/>
+            <a:ext cx="2011680" cy="0"/>
+          </a:xfrm>
+          <a:prstGeom prst="line">
+            <a:avLst/>
+          </a:prstGeom>
+          <a:ln w="29160">
+            <a:solidFill>
+              <a:srgbClr val="000000"/>
+            </a:solidFill>
+            <a:round/>
+            <a:headEnd len="med" type="triangle" w="med"/>
+          </a:ln>
+        </p:spPr>
+        <p:style>
+          <a:lnRef idx="0"/>
+          <a:fillRef idx="0"/>
+          <a:effectRef idx="0"/>
+          <a:fontRef idx="minor"/>
+        </p:style>
+      </p:sp>
+      <p:sp>
+        <p:nvSpPr>
+          <p:cNvPr id="135" name="CustomShape 26"/>
+          <p:cNvSpPr/>
+          <p:nvPr/>
+        </p:nvSpPr>
+        <p:spPr>
+          <a:xfrm>
+            <a:off x="457200" y="4572000"/>
+            <a:ext cx="1188720" cy="548640"/>
+          </a:xfrm>
+          <a:prstGeom prst="rect">
+            <a:avLst/>
+          </a:prstGeom>
+          <a:solidFill>
+            <a:srgbClr val="ffffff"/>
+          </a:solidFill>
+          <a:ln w="29160">
+            <a:solidFill>
+              <a:srgbClr val="000000"/>
+            </a:solidFill>
+            <a:round/>
+          </a:ln>
+        </p:spPr>
+        <p:style>
+          <a:lnRef idx="0"/>
+          <a:fillRef idx="0"/>
+          <a:effectRef idx="0"/>
+          <a:fontRef idx="minor"/>
+        </p:style>
+        <p:txBody>
+          <a:bodyPr wrap="none" lIns="104400" rIns="104400" tIns="59400" bIns="59400" anchor="ctr"/>
+          <a:p>
+            <a:pPr algn="ctr"/>
+            <a:r>
+              <a:rPr b="0" lang="en-US" sz="1800" spc="-1" strike="noStrike">
+                <a:solidFill>
+                  <a:srgbClr val="000000"/>
+                </a:solidFill>
+                <a:uFill>
+                  <a:solidFill>
+                    <a:srgbClr val="ffffff"/>
+                  </a:solidFill>
+                </a:uFill>
+                <a:latin typeface="Arial"/>
+              </a:rPr>
+              <a:t>Proctor</a:t>
+            </a:r>
+            <a:endParaRPr b="0" lang="en-US" sz="1800" spc="-1" strike="noStrike">
+              <a:solidFill>
+                <a:srgbClr val="000000"/>
+              </a:solidFill>
+              <a:uFill>
+                <a:solidFill>
+                  <a:srgbClr val="ffffff"/>
+                </a:solidFill>
+              </a:uFill>
+              <a:latin typeface="Arial"/>
+            </a:endParaRPr>
+          </a:p>
+        </p:txBody>
+      </p:sp>
+      <p:sp>
+        <p:nvSpPr>
+          <p:cNvPr id="136" name="CustomShape 27"/>
+          <p:cNvSpPr/>
+          <p:nvPr/>
+        </p:nvSpPr>
+        <p:spPr>
+          <a:xfrm>
+            <a:off x="3657600" y="4572000"/>
+            <a:ext cx="1188720" cy="548640"/>
+          </a:xfrm>
+          <a:prstGeom prst="rect">
+            <a:avLst/>
+          </a:prstGeom>
+          <a:solidFill>
+            <a:srgbClr val="ffffff"/>
+          </a:solidFill>
+          <a:ln w="29160">
+            <a:solidFill>
+              <a:srgbClr val="000000"/>
+            </a:solidFill>
+            <a:round/>
+          </a:ln>
+        </p:spPr>
+        <p:style>
+          <a:lnRef idx="0"/>
+          <a:fillRef idx="0"/>
+          <a:effectRef idx="0"/>
+          <a:fontRef idx="minor"/>
+        </p:style>
+        <p:txBody>
+          <a:bodyPr wrap="none" lIns="104400" rIns="104400" tIns="59400" bIns="59400" anchor="ctr"/>
+          <a:p>
+            <a:pPr algn="ctr"/>
+            <a:r>
+              <a:rPr b="0" lang="en-US" sz="1800" spc="-1" strike="noStrike">
+                <a:solidFill>
+                  <a:srgbClr val="000000"/>
+                </a:solidFill>
+                <a:uFill>
+                  <a:solidFill>
+                    <a:srgbClr val="ffffff"/>
+                  </a:solidFill>
+                </a:uFill>
+                <a:latin typeface="Arial"/>
+              </a:rPr>
+              <a:t>Cons</a:t>
+            </a:r>
+            <a:r>
+              <a:rPr b="0" lang="en-US" sz="1800" spc="-1" strike="noStrike">
+                <a:solidFill>
+                  <a:srgbClr val="000000"/>
+                </a:solidFill>
+                <a:uFill>
+                  <a:solidFill>
+                    <a:srgbClr val="ffffff"/>
+                  </a:solidFill>
+                </a:uFill>
+                <a:latin typeface="Arial"/>
+              </a:rPr>
+              <a:t>ole</a:t>
+            </a:r>
+            <a:endParaRPr b="0" lang="en-US" sz="1800" spc="-1" strike="noStrike">
+              <a:solidFill>
+                <a:srgbClr val="000000"/>
+              </a:solidFill>
+              <a:uFill>
+                <a:solidFill>
+                  <a:srgbClr val="ffffff"/>
+                </a:solidFill>
+              </a:uFill>
+              <a:latin typeface="Arial"/>
+            </a:endParaRPr>
+          </a:p>
+        </p:txBody>
+      </p:sp>
+      <p:sp>
+        <p:nvSpPr>
+          <p:cNvPr id="137" name="Line 28"/>
+          <p:cNvSpPr/>
+          <p:nvPr/>
+        </p:nvSpPr>
+        <p:spPr>
+          <a:xfrm>
+            <a:off x="1645920" y="4754880"/>
+            <a:ext cx="2011680" cy="0"/>
+          </a:xfrm>
+          <a:prstGeom prst="line">
+            <a:avLst/>
+          </a:prstGeom>
+          <a:ln w="29160">
+            <a:solidFill>
+              <a:srgbClr val="000000"/>
+            </a:solidFill>
+            <a:round/>
+            <a:tailEnd len="med" type="triangle" w="med"/>
+          </a:ln>
+        </p:spPr>
+        <p:style>
+          <a:lnRef idx="0"/>
+          <a:fillRef idx="0"/>
+          <a:effectRef idx="0"/>
+          <a:fontRef idx="minor"/>
+        </p:style>
+      </p:sp>
+      <p:sp>
+        <p:nvSpPr>
+          <p:cNvPr id="138" name="Line 29"/>
+          <p:cNvSpPr/>
+          <p:nvPr/>
+        </p:nvSpPr>
+        <p:spPr>
+          <a:xfrm>
+            <a:off x="1645920" y="4937760"/>
+            <a:ext cx="2011680" cy="0"/>
+          </a:xfrm>
+          <a:prstGeom prst="line">
+            <a:avLst/>
+          </a:prstGeom>
+          <a:ln w="29160">
+            <a:solidFill>
+              <a:srgbClr val="000000"/>
+            </a:solidFill>
+            <a:round/>
+            <a:headEnd len="med" type="triangle" w="med"/>
+          </a:ln>
+        </p:spPr>
+        <p:style>
+          <a:lnRef idx="0"/>
+          <a:fillRef idx="0"/>
+          <a:effectRef idx="0"/>
+          <a:fontRef idx="minor"/>
+        </p:style>
+      </p:sp>
+      <p:sp>
+        <p:nvSpPr>
+          <p:cNvPr id="139" name="CustomShape 30"/>
+          <p:cNvSpPr/>
+          <p:nvPr/>
+        </p:nvSpPr>
+        <p:spPr>
+          <a:xfrm>
+            <a:off x="457200" y="6400800"/>
+            <a:ext cx="1188720" cy="548640"/>
+          </a:xfrm>
+          <a:prstGeom prst="rect">
+            <a:avLst/>
+          </a:prstGeom>
+          <a:solidFill>
+            <a:srgbClr val="ffffff"/>
+          </a:solidFill>
+          <a:ln w="29160">
+            <a:solidFill>
+              <a:srgbClr val="000000"/>
+            </a:solidFill>
+            <a:round/>
+          </a:ln>
+        </p:spPr>
+        <p:style>
+          <a:lnRef idx="0"/>
+          <a:fillRef idx="0"/>
+          <a:effectRef idx="0"/>
+          <a:fontRef idx="minor"/>
+        </p:style>
+        <p:txBody>
+          <a:bodyPr wrap="none" lIns="104400" rIns="104400" tIns="59400" bIns="59400" anchor="ctr"/>
+          <a:p>
+            <a:pPr algn="ctr"/>
+            <a:r>
+              <a:rPr b="0" lang="en-US" sz="1800" spc="-1" strike="noStrike">
+                <a:solidFill>
+                  <a:srgbClr val="000000"/>
+                </a:solidFill>
+                <a:uFill>
+                  <a:solidFill>
+                    <a:srgbClr val="ffffff"/>
+                  </a:solidFill>
+                </a:uFill>
+                <a:latin typeface="Arial"/>
+              </a:rPr>
+              <a:t>Wall</a:t>
+            </a:r>
+            <a:endParaRPr b="0" lang="en-US" sz="1800" spc="-1" strike="noStrike">
+              <a:solidFill>
+                <a:srgbClr val="000000"/>
+              </a:solidFill>
+              <a:uFill>
+                <a:solidFill>
+                  <a:srgbClr val="ffffff"/>
+                </a:solidFill>
+              </a:uFill>
+              <a:latin typeface="Arial"/>
+            </a:endParaRPr>
+          </a:p>
+        </p:txBody>
+      </p:sp>
+      <p:sp>
+        <p:nvSpPr>
+          <p:cNvPr id="140" name="CustomShape 31"/>
+          <p:cNvSpPr/>
+          <p:nvPr/>
+        </p:nvSpPr>
+        <p:spPr>
+          <a:xfrm>
+            <a:off x="3657600" y="6400800"/>
+            <a:ext cx="1188720" cy="548640"/>
+          </a:xfrm>
+          <a:prstGeom prst="rect">
+            <a:avLst/>
+          </a:prstGeom>
+          <a:solidFill>
+            <a:srgbClr val="ffffff"/>
+          </a:solidFill>
+          <a:ln w="29160">
+            <a:solidFill>
+              <a:srgbClr val="000000"/>
+            </a:solidFill>
+            <a:round/>
+          </a:ln>
+        </p:spPr>
+        <p:style>
+          <a:lnRef idx="0"/>
+          <a:fillRef idx="0"/>
+          <a:effectRef idx="0"/>
+          <a:fontRef idx="minor"/>
+        </p:style>
+        <p:txBody>
+          <a:bodyPr wrap="none" lIns="104400" rIns="104400" tIns="59400" bIns="59400" anchor="ctr"/>
+          <a:p>
+            <a:pPr algn="ctr"/>
+            <a:r>
+              <a:rPr b="0" lang="en-US" sz="1800" spc="-1" strike="noStrike">
+                <a:solidFill>
+                  <a:srgbClr val="000000"/>
+                </a:solidFill>
+                <a:uFill>
+                  <a:solidFill>
+                    <a:srgbClr val="ffffff"/>
+                  </a:solidFill>
+                </a:uFill>
+                <a:latin typeface="Arial"/>
+              </a:rPr>
+              <a:t>Console</a:t>
+            </a:r>
+            <a:endParaRPr b="0" lang="en-US" sz="1800" spc="-1" strike="noStrike">
+              <a:solidFill>
+                <a:srgbClr val="000000"/>
+              </a:solidFill>
+              <a:uFill>
+                <a:solidFill>
+                  <a:srgbClr val="ffffff"/>
+                </a:solidFill>
+              </a:uFill>
+              <a:latin typeface="Arial"/>
+            </a:endParaRPr>
+          </a:p>
+        </p:txBody>
+      </p:sp>
+      <p:sp>
+        <p:nvSpPr>
+          <p:cNvPr id="141" name="Line 32"/>
+          <p:cNvSpPr/>
+          <p:nvPr/>
+        </p:nvSpPr>
+        <p:spPr>
+          <a:xfrm>
+            <a:off x="1645920" y="6583680"/>
+            <a:ext cx="2011680" cy="0"/>
+          </a:xfrm>
+          <a:prstGeom prst="line">
+            <a:avLst/>
+          </a:prstGeom>
+          <a:ln w="29160">
+            <a:solidFill>
+              <a:srgbClr val="000000"/>
+            </a:solidFill>
+            <a:round/>
+            <a:tailEnd len="med" type="triangle" w="med"/>
+          </a:ln>
+        </p:spPr>
+        <p:style>
+          <a:lnRef idx="0"/>
+          <a:fillRef idx="0"/>
+          <a:effectRef idx="0"/>
+          <a:fontRef idx="minor"/>
+        </p:style>
+      </p:sp>
+      <p:sp>
+        <p:nvSpPr>
+          <p:cNvPr id="142" name="TextShape 33"/>
+          <p:cNvSpPr txBox="1"/>
+          <p:nvPr/>
+        </p:nvSpPr>
+        <p:spPr>
+          <a:xfrm>
+            <a:off x="1582920" y="2103120"/>
+            <a:ext cx="2286000" cy="689760"/>
+          </a:xfrm>
+          <a:prstGeom prst="rect">
+            <a:avLst/>
+          </a:prstGeom>
+          <a:noFill/>
+          <a:ln>
+            <a:noFill/>
+          </a:ln>
+        </p:spPr>
+        <p:txBody>
+          <a:bodyPr lIns="90000" rIns="90000" tIns="45000" bIns="45000"/>
+          <a:p>
+            <a:r>
+              <a:rPr b="0" lang="en-US" sz="1400" spc="-1" strike="noStrike">
+                <a:solidFill>
+                  <a:srgbClr val="000000"/>
+                </a:solidFill>
+                <a:uFill>
+                  <a:solidFill>
+                    <a:srgbClr val="ffffff"/>
+                  </a:solidFill>
+                </a:uFill>
+                <a:latin typeface="Arial"/>
+              </a:rPr>
+              <a:t>Change time remaining</a:t>
+            </a:r>
+            <a:endParaRPr b="0" lang="en-US" sz="1400" spc="-1" strike="noStrike">
+              <a:solidFill>
+                <a:srgbClr val="000000"/>
+              </a:solidFill>
+              <a:uFill>
+                <a:solidFill>
+                  <a:srgbClr val="ffffff"/>
+                </a:solidFill>
+              </a:uFill>
+              <a:latin typeface="Arial"/>
+            </a:endParaRPr>
+          </a:p>
+          <a:p>
+            <a:r>
+              <a:rPr b="0" lang="en-US" sz="1400" spc="-1" strike="noStrike">
+                <a:solidFill>
+                  <a:srgbClr val="000000"/>
+                </a:solidFill>
+                <a:uFill>
+                  <a:solidFill>
+                    <a:srgbClr val="ffffff"/>
+                  </a:solidFill>
+                </a:uFill>
+                <a:latin typeface="Arial"/>
+              </a:rPr>
+              <a:t>Go to Puzzle/Reset</a:t>
+            </a:r>
+            <a:endParaRPr b="0" lang="en-US" sz="1400" spc="-1" strike="noStrike">
+              <a:solidFill>
+                <a:srgbClr val="000000"/>
+              </a:solidFill>
+              <a:uFill>
+                <a:solidFill>
+                  <a:srgbClr val="ffffff"/>
+                </a:solidFill>
+              </a:uFill>
+              <a:latin typeface="Arial"/>
+            </a:endParaRPr>
+          </a:p>
+          <a:p>
+            <a:r>
+              <a:rPr b="0" lang="en-US" sz="1400" spc="-1" strike="noStrike">
+                <a:solidFill>
+                  <a:srgbClr val="000000"/>
+                </a:solidFill>
+                <a:uFill>
+                  <a:solidFill>
+                    <a:srgbClr val="ffffff"/>
+                  </a:solidFill>
+                </a:uFill>
+                <a:latin typeface="Arial"/>
+              </a:rPr>
+              <a:t>Pause</a:t>
+            </a:r>
+            <a:endParaRPr b="0" lang="en-US" sz="1400" spc="-1" strike="noStrike">
+              <a:solidFill>
+                <a:srgbClr val="000000"/>
+              </a:solidFill>
+              <a:uFill>
+                <a:solidFill>
+                  <a:srgbClr val="ffffff"/>
+                </a:solidFill>
+              </a:uFill>
+              <a:latin typeface="Arial"/>
+            </a:endParaRPr>
+          </a:p>
+        </p:txBody>
+      </p:sp>
+      <p:sp>
+        <p:nvSpPr>
+          <p:cNvPr id="143" name="TextShape 34"/>
+          <p:cNvSpPr txBox="1"/>
+          <p:nvPr/>
+        </p:nvSpPr>
+        <p:spPr>
+          <a:xfrm>
+            <a:off x="1554480" y="3383280"/>
+            <a:ext cx="2286000" cy="307080"/>
+          </a:xfrm>
+          <a:prstGeom prst="rect">
+            <a:avLst/>
+          </a:prstGeom>
+          <a:noFill/>
+          <a:ln>
+            <a:noFill/>
+          </a:ln>
+        </p:spPr>
+        <p:txBody>
+          <a:bodyPr lIns="90000" rIns="90000" tIns="45000" bIns="45000"/>
+          <a:p>
+            <a:r>
+              <a:rPr b="0" lang="en-US" sz="1400" spc="-1" strike="noStrike">
+                <a:solidFill>
+                  <a:srgbClr val="000000"/>
+                </a:solidFill>
+                <a:uFill>
+                  <a:solidFill>
+                    <a:srgbClr val="ffffff"/>
+                  </a:solidFill>
+                </a:uFill>
+                <a:latin typeface="Arial"/>
+              </a:rPr>
+              <a:t>Progress Status</a:t>
+            </a:r>
+            <a:endParaRPr b="0" lang="en-US" sz="1400" spc="-1" strike="noStrike">
+              <a:solidFill>
+                <a:srgbClr val="000000"/>
+              </a:solidFill>
+              <a:uFill>
+                <a:solidFill>
+                  <a:srgbClr val="ffffff"/>
+                </a:solidFill>
+              </a:uFill>
+              <a:latin typeface="Arial"/>
+            </a:endParaRPr>
+          </a:p>
+        </p:txBody>
+      </p:sp>
+      <p:sp>
+        <p:nvSpPr>
+          <p:cNvPr id="144" name="TextShape 35"/>
+          <p:cNvSpPr txBox="1"/>
+          <p:nvPr/>
+        </p:nvSpPr>
+        <p:spPr>
+          <a:xfrm>
+            <a:off x="1645920" y="4206240"/>
+            <a:ext cx="2286000" cy="307080"/>
+          </a:xfrm>
+          <a:prstGeom prst="rect">
+            <a:avLst/>
+          </a:prstGeom>
+          <a:noFill/>
+          <a:ln>
+            <a:noFill/>
+          </a:ln>
+        </p:spPr>
+        <p:txBody>
+          <a:bodyPr lIns="90000" rIns="90000" tIns="45000" bIns="45000"/>
+          <a:p>
+            <a:r>
+              <a:rPr b="0" lang="en-US" sz="1400" spc="-1" strike="noStrike">
+                <a:solidFill>
+                  <a:srgbClr val="000000"/>
+                </a:solidFill>
+                <a:uFill>
+                  <a:solidFill>
+                    <a:srgbClr val="ffffff"/>
+                  </a:solidFill>
+                </a:uFill>
+                <a:latin typeface="Arial"/>
+              </a:rPr>
+              <a:t>Go to Puzzle/Reset</a:t>
+            </a:r>
+            <a:endParaRPr b="0" lang="en-US" sz="1400" spc="-1" strike="noStrike">
+              <a:solidFill>
+                <a:srgbClr val="000000"/>
+              </a:solidFill>
+              <a:uFill>
+                <a:solidFill>
+                  <a:srgbClr val="ffffff"/>
+                </a:solidFill>
+              </a:uFill>
+              <a:latin typeface="Arial"/>
+            </a:endParaRPr>
+          </a:p>
+        </p:txBody>
+      </p:sp>
+      <p:sp>
+        <p:nvSpPr>
+          <p:cNvPr id="145" name="TextShape 36"/>
+          <p:cNvSpPr txBox="1"/>
+          <p:nvPr/>
+        </p:nvSpPr>
+        <p:spPr>
+          <a:xfrm>
+            <a:off x="1645920" y="5120640"/>
+            <a:ext cx="2286000" cy="307080"/>
+          </a:xfrm>
+          <a:prstGeom prst="rect">
+            <a:avLst/>
+          </a:prstGeom>
+          <a:noFill/>
+          <a:ln>
+            <a:noFill/>
+          </a:ln>
+        </p:spPr>
+        <p:txBody>
+          <a:bodyPr lIns="90000" rIns="90000" tIns="45000" bIns="45000"/>
+          <a:p>
+            <a:r>
+              <a:rPr b="0" lang="en-US" sz="1400" spc="-1" strike="noStrike">
+                <a:solidFill>
+                  <a:srgbClr val="000000"/>
+                </a:solidFill>
+                <a:uFill>
+                  <a:solidFill>
+                    <a:srgbClr val="ffffff"/>
+                  </a:solidFill>
+                </a:uFill>
+                <a:latin typeface="Arial"/>
+              </a:rPr>
+              <a:t>Progress Status</a:t>
+            </a:r>
+            <a:endParaRPr b="0" lang="en-US" sz="1400" spc="-1" strike="noStrike">
+              <a:solidFill>
+                <a:srgbClr val="000000"/>
+              </a:solidFill>
+              <a:uFill>
+                <a:solidFill>
+                  <a:srgbClr val="ffffff"/>
+                </a:solidFill>
+              </a:uFill>
+              <a:latin typeface="Arial"/>
+            </a:endParaRPr>
+          </a:p>
+        </p:txBody>
+      </p:sp>
+      <p:sp>
+        <p:nvSpPr>
+          <p:cNvPr id="146" name="TextShape 37"/>
+          <p:cNvSpPr txBox="1"/>
+          <p:nvPr/>
+        </p:nvSpPr>
+        <p:spPr>
+          <a:xfrm>
+            <a:off x="1645920" y="6093720"/>
+            <a:ext cx="2286000" cy="307080"/>
+          </a:xfrm>
+          <a:prstGeom prst="rect">
+            <a:avLst/>
+          </a:prstGeom>
+          <a:noFill/>
+          <a:ln>
+            <a:noFill/>
+          </a:ln>
+        </p:spPr>
+        <p:txBody>
+          <a:bodyPr lIns="90000" rIns="90000" tIns="45000" bIns="45000"/>
+          <a:p>
+            <a:r>
+              <a:rPr b="0" lang="en-US" sz="1400" spc="-1" strike="noStrike">
+                <a:solidFill>
+                  <a:srgbClr val="000000"/>
+                </a:solidFill>
+                <a:uFill>
+                  <a:solidFill>
+                    <a:srgbClr val="ffffff"/>
+                  </a:solidFill>
+                </a:uFill>
+                <a:latin typeface="Arial"/>
+              </a:rPr>
+              <a:t>Progress Status (Map)</a:t>
+            </a:r>
+            <a:endParaRPr b="0" lang="en-US" sz="1400" spc="-1" strike="noStrike">
+              <a:solidFill>
+                <a:srgbClr val="000000"/>
+              </a:solidFill>
+              <a:uFill>
+                <a:solidFill>
+                  <a:srgbClr val="ffffff"/>
+                </a:solidFill>
+              </a:uFill>
+              <a:latin typeface="Arial"/>
+            </a:endParaRPr>
+          </a:p>
+        </p:txBody>
+      </p:sp>
+    </p:spTree>
+  </p:cSld>
+  <p:timing>
+    <p:tnLst>
+      <p:par>
+        <p:cTn id="3" dur="indefinite" restart="never" nodeType="tmRoot">
+          <p:childTnLst>
+            <p:seq>
+              <p:cTn id="4" nodeType="mainSeq"/>
               <p:prevCondLst>
                 <p:cond delay="0" evt="onPrev">
                   <p:tgtEl>

--- a/resources/pinout.pptx
+++ b/resources/pinout.pptx
@@ -1539,189 +1539,7 @@
                 </a:uFill>
                 <a:latin typeface="Arial"/>
               </a:rPr>
-              <a:t>Cli</a:t>
-            </a:r>
-            <a:r>
-              <a:rPr b="0" lang="en-US" sz="4400" spc="-1" strike="noStrike">
-                <a:solidFill>
-                  <a:srgbClr val="000000"/>
-                </a:solidFill>
-                <a:uFill>
-                  <a:solidFill>
-                    <a:srgbClr val="ffffff"/>
-                  </a:solidFill>
-                </a:uFill>
-                <a:latin typeface="Arial"/>
-              </a:rPr>
-              <a:t>ck </a:t>
-            </a:r>
-            <a:r>
-              <a:rPr b="0" lang="en-US" sz="4400" spc="-1" strike="noStrike">
-                <a:solidFill>
-                  <a:srgbClr val="000000"/>
-                </a:solidFill>
-                <a:uFill>
-                  <a:solidFill>
-                    <a:srgbClr val="ffffff"/>
-                  </a:solidFill>
-                </a:uFill>
-                <a:latin typeface="Arial"/>
-              </a:rPr>
-              <a:t>to </a:t>
-            </a:r>
-            <a:r>
-              <a:rPr b="0" lang="en-US" sz="4400" spc="-1" strike="noStrike">
-                <a:solidFill>
-                  <a:srgbClr val="000000"/>
-                </a:solidFill>
-                <a:uFill>
-                  <a:solidFill>
-                    <a:srgbClr val="ffffff"/>
-                  </a:solidFill>
-                </a:uFill>
-                <a:latin typeface="Arial"/>
-              </a:rPr>
-              <a:t>ed</a:t>
-            </a:r>
-            <a:r>
-              <a:rPr b="0" lang="en-US" sz="4400" spc="-1" strike="noStrike">
-                <a:solidFill>
-                  <a:srgbClr val="000000"/>
-                </a:solidFill>
-                <a:uFill>
-                  <a:solidFill>
-                    <a:srgbClr val="ffffff"/>
-                  </a:solidFill>
-                </a:uFill>
-                <a:latin typeface="Arial"/>
-              </a:rPr>
-              <a:t>it </a:t>
-            </a:r>
-            <a:r>
-              <a:rPr b="0" lang="en-US" sz="4400" spc="-1" strike="noStrike">
-                <a:solidFill>
-                  <a:srgbClr val="000000"/>
-                </a:solidFill>
-                <a:uFill>
-                  <a:solidFill>
-                    <a:srgbClr val="ffffff"/>
-                  </a:solidFill>
-                </a:uFill>
-                <a:latin typeface="Arial"/>
-              </a:rPr>
-              <a:t>th</a:t>
-            </a:r>
-            <a:r>
-              <a:rPr b="0" lang="en-US" sz="4400" spc="-1" strike="noStrike">
-                <a:solidFill>
-                  <a:srgbClr val="000000"/>
-                </a:solidFill>
-                <a:uFill>
-                  <a:solidFill>
-                    <a:srgbClr val="ffffff"/>
-                  </a:solidFill>
-                </a:uFill>
-                <a:latin typeface="Arial"/>
-              </a:rPr>
-              <a:t>e </a:t>
-            </a:r>
-            <a:r>
-              <a:rPr b="0" lang="en-US" sz="4400" spc="-1" strike="noStrike">
-                <a:solidFill>
-                  <a:srgbClr val="000000"/>
-                </a:solidFill>
-                <a:uFill>
-                  <a:solidFill>
-                    <a:srgbClr val="ffffff"/>
-                  </a:solidFill>
-                </a:uFill>
-                <a:latin typeface="Arial"/>
-              </a:rPr>
-              <a:t>titl</a:t>
-            </a:r>
-            <a:r>
-              <a:rPr b="0" lang="en-US" sz="4400" spc="-1" strike="noStrike">
-                <a:solidFill>
-                  <a:srgbClr val="000000"/>
-                </a:solidFill>
-                <a:uFill>
-                  <a:solidFill>
-                    <a:srgbClr val="ffffff"/>
-                  </a:solidFill>
-                </a:uFill>
-                <a:latin typeface="Arial"/>
-              </a:rPr>
-              <a:t>e </a:t>
-            </a:r>
-            <a:r>
-              <a:rPr b="0" lang="en-US" sz="4400" spc="-1" strike="noStrike">
-                <a:solidFill>
-                  <a:srgbClr val="000000"/>
-                </a:solidFill>
-                <a:uFill>
-                  <a:solidFill>
-                    <a:srgbClr val="ffffff"/>
-                  </a:solidFill>
-                </a:uFill>
-                <a:latin typeface="Arial"/>
-              </a:rPr>
-              <a:t>te</a:t>
-            </a:r>
-            <a:r>
-              <a:rPr b="0" lang="en-US" sz="4400" spc="-1" strike="noStrike">
-                <a:solidFill>
-                  <a:srgbClr val="000000"/>
-                </a:solidFill>
-                <a:uFill>
-                  <a:solidFill>
-                    <a:srgbClr val="ffffff"/>
-                  </a:solidFill>
-                </a:uFill>
-                <a:latin typeface="Arial"/>
-              </a:rPr>
-              <a:t>xt </a:t>
-            </a:r>
-            <a:r>
-              <a:rPr b="0" lang="en-US" sz="4400" spc="-1" strike="noStrike">
-                <a:solidFill>
-                  <a:srgbClr val="000000"/>
-                </a:solidFill>
-                <a:uFill>
-                  <a:solidFill>
-                    <a:srgbClr val="ffffff"/>
-                  </a:solidFill>
-                </a:uFill>
-                <a:latin typeface="Arial"/>
-              </a:rPr>
-              <a:t>for</a:t>
-            </a:r>
-            <a:r>
-              <a:rPr b="0" lang="en-US" sz="4400" spc="-1" strike="noStrike">
-                <a:solidFill>
-                  <a:srgbClr val="000000"/>
-                </a:solidFill>
-                <a:uFill>
-                  <a:solidFill>
-                    <a:srgbClr val="ffffff"/>
-                  </a:solidFill>
-                </a:uFill>
-                <a:latin typeface="Arial"/>
-              </a:rPr>
-              <a:t>m</a:t>
-            </a:r>
-            <a:r>
-              <a:rPr b="0" lang="en-US" sz="4400" spc="-1" strike="noStrike">
-                <a:solidFill>
-                  <a:srgbClr val="000000"/>
-                </a:solidFill>
-                <a:uFill>
-                  <a:solidFill>
-                    <a:srgbClr val="ffffff"/>
-                  </a:solidFill>
-                </a:uFill>
-                <a:latin typeface="Arial"/>
-              </a:rPr>
-              <a:t>at</a:t>
+              <a:t>Click to edit the title text format</a:t>
             </a:r>
             <a:endParaRPr b="0" lang="en-US" sz="4400" spc="-1" strike="noStrike">
               <a:solidFill>
@@ -2129,7 +1947,7 @@
           <a:bodyPr lIns="0" rIns="0" tIns="0" bIns="0"/>
           <a:p>
             <a:pPr algn="r"/>
-            <a:fld id="{FCA13AE7-738F-4164-A619-255A14D8C18B}" type="slidenum">
+            <a:fld id="{B2CF16B3-B9BD-4D10-A1B5-CFB5F1BF0D24}" type="slidenum">
               <a:rPr b="0" lang="en-US" sz="1400" spc="-1" strike="noStrike">
                 <a:solidFill>
                   <a:srgbClr val="000000"/>
@@ -2196,7 +2014,37 @@
       </p:grpSpPr>
       <p:sp>
         <p:nvSpPr>
-          <p:cNvPr id="39" name="Line 1"/>
+          <p:cNvPr id="39" name="CustomShape 1"/>
+          <p:cNvSpPr/>
+          <p:nvPr/>
+        </p:nvSpPr>
+        <p:spPr>
+          <a:xfrm>
+            <a:off x="0" y="0"/>
+            <a:ext cx="10080000" cy="7560000"/>
+          </a:xfrm>
+          <a:prstGeom prst="rect">
+            <a:avLst/>
+          </a:prstGeom>
+          <a:solidFill>
+            <a:srgbClr val="ffffff"/>
+          </a:solidFill>
+          <a:ln>
+            <a:solidFill>
+              <a:srgbClr val="ffffff"/>
+            </a:solidFill>
+          </a:ln>
+        </p:spPr>
+        <p:style>
+          <a:lnRef idx="0"/>
+          <a:fillRef idx="0"/>
+          <a:effectRef idx="0"/>
+          <a:fontRef idx="minor"/>
+        </p:style>
+      </p:sp>
+      <p:sp>
+        <p:nvSpPr>
+          <p:cNvPr id="40" name="Line 2"/>
           <p:cNvSpPr/>
           <p:nvPr/>
         </p:nvSpPr>
@@ -2224,7 +2072,7 @@
       </p:sp>
       <p:sp>
         <p:nvSpPr>
-          <p:cNvPr id="40" name="Line 2"/>
+          <p:cNvPr id="41" name="Line 3"/>
           <p:cNvSpPr/>
           <p:nvPr/>
         </p:nvSpPr>
@@ -2252,7 +2100,7 @@
       </p:sp>
       <p:sp>
         <p:nvSpPr>
-          <p:cNvPr id="41" name="Line 3"/>
+          <p:cNvPr id="42" name="Line 4"/>
           <p:cNvSpPr/>
           <p:nvPr/>
         </p:nvSpPr>
@@ -2280,7 +2128,7 @@
       </p:sp>
       <p:sp>
         <p:nvSpPr>
-          <p:cNvPr id="42" name="Line 4"/>
+          <p:cNvPr id="43" name="Line 5"/>
           <p:cNvSpPr/>
           <p:nvPr/>
         </p:nvSpPr>
@@ -2308,7 +2156,7 @@
       </p:sp>
       <p:sp>
         <p:nvSpPr>
-          <p:cNvPr id="43" name="Line 5"/>
+          <p:cNvPr id="44" name="Line 6"/>
           <p:cNvSpPr/>
           <p:nvPr/>
         </p:nvSpPr>
@@ -2336,7 +2184,7 @@
       </p:sp>
       <p:sp>
         <p:nvSpPr>
-          <p:cNvPr id="44" name="Line 6"/>
+          <p:cNvPr id="45" name="Line 7"/>
           <p:cNvSpPr/>
           <p:nvPr/>
         </p:nvSpPr>
@@ -2364,7 +2212,7 @@
       </p:sp>
       <p:sp>
         <p:nvSpPr>
-          <p:cNvPr id="45" name="Line 7"/>
+          <p:cNvPr id="46" name="Line 8"/>
           <p:cNvSpPr/>
           <p:nvPr/>
         </p:nvSpPr>
@@ -2392,7 +2240,7 @@
       </p:sp>
       <p:sp>
         <p:nvSpPr>
-          <p:cNvPr id="46" name="Line 8"/>
+          <p:cNvPr id="47" name="Line 9"/>
           <p:cNvSpPr/>
           <p:nvPr/>
         </p:nvSpPr>
@@ -2420,7 +2268,7 @@
       </p:sp>
       <p:sp>
         <p:nvSpPr>
-          <p:cNvPr id="47" name="Line 9"/>
+          <p:cNvPr id="48" name="Line 10"/>
           <p:cNvSpPr/>
           <p:nvPr/>
         </p:nvSpPr>
@@ -2448,7 +2296,7 @@
       </p:sp>
       <p:sp>
         <p:nvSpPr>
-          <p:cNvPr id="48" name="Line 10"/>
+          <p:cNvPr id="49" name="Line 11"/>
           <p:cNvSpPr/>
           <p:nvPr/>
         </p:nvSpPr>
@@ -2476,7 +2324,7 @@
       </p:sp>
       <p:sp>
         <p:nvSpPr>
-          <p:cNvPr id="49" name="Line 11"/>
+          <p:cNvPr id="50" name="Line 12"/>
           <p:cNvSpPr/>
           <p:nvPr/>
         </p:nvSpPr>
@@ -2504,7 +2352,7 @@
       </p:sp>
       <p:sp>
         <p:nvSpPr>
-          <p:cNvPr id="50" name="Line 12"/>
+          <p:cNvPr id="51" name="Line 13"/>
           <p:cNvSpPr/>
           <p:nvPr/>
         </p:nvSpPr>
@@ -2532,7 +2380,7 @@
       </p:sp>
       <p:sp>
         <p:nvSpPr>
-          <p:cNvPr id="51" name="Line 13"/>
+          <p:cNvPr id="52" name="Line 14"/>
           <p:cNvSpPr/>
           <p:nvPr/>
         </p:nvSpPr>
@@ -2560,7 +2408,7 @@
       </p:sp>
       <p:sp>
         <p:nvSpPr>
-          <p:cNvPr id="52" name="Line 14"/>
+          <p:cNvPr id="53" name="Line 15"/>
           <p:cNvSpPr/>
           <p:nvPr/>
         </p:nvSpPr>
@@ -2588,7 +2436,7 @@
       </p:sp>
       <p:sp>
         <p:nvSpPr>
-          <p:cNvPr id="53" name="Line 15"/>
+          <p:cNvPr id="54" name="Line 16"/>
           <p:cNvSpPr/>
           <p:nvPr/>
         </p:nvSpPr>
@@ -2616,7 +2464,7 @@
       </p:sp>
       <p:sp>
         <p:nvSpPr>
-          <p:cNvPr id="54" name="Line 16"/>
+          <p:cNvPr id="55" name="Line 17"/>
           <p:cNvSpPr/>
           <p:nvPr/>
         </p:nvSpPr>
@@ -2644,7 +2492,7 @@
       </p:sp>
       <p:sp>
         <p:nvSpPr>
-          <p:cNvPr id="55" name="Line 17"/>
+          <p:cNvPr id="56" name="Line 18"/>
           <p:cNvSpPr/>
           <p:nvPr/>
         </p:nvSpPr>
@@ -2672,7 +2520,7 @@
       </p:sp>
       <p:sp>
         <p:nvSpPr>
-          <p:cNvPr id="56" name="Line 18"/>
+          <p:cNvPr id="57" name="Line 19"/>
           <p:cNvSpPr/>
           <p:nvPr/>
         </p:nvSpPr>
@@ -2700,7 +2548,7 @@
       </p:sp>
       <p:sp>
         <p:nvSpPr>
-          <p:cNvPr id="57" name="Line 19"/>
+          <p:cNvPr id="58" name="Line 20"/>
           <p:cNvSpPr/>
           <p:nvPr/>
         </p:nvSpPr>
@@ -2728,7 +2576,7 @@
       </p:sp>
       <p:sp>
         <p:nvSpPr>
-          <p:cNvPr id="58" name="Line 20"/>
+          <p:cNvPr id="59" name="Line 21"/>
           <p:cNvSpPr/>
           <p:nvPr/>
         </p:nvSpPr>
@@ -2756,7 +2604,7 @@
       </p:sp>
       <p:sp>
         <p:nvSpPr>
-          <p:cNvPr id="59" name="Line 21"/>
+          <p:cNvPr id="60" name="Line 22"/>
           <p:cNvSpPr/>
           <p:nvPr/>
         </p:nvSpPr>
@@ -2784,7 +2632,7 @@
       </p:sp>
       <p:sp>
         <p:nvSpPr>
-          <p:cNvPr id="60" name="Line 22"/>
+          <p:cNvPr id="61" name="Line 23"/>
           <p:cNvSpPr/>
           <p:nvPr/>
         </p:nvSpPr>
@@ -2812,7 +2660,7 @@
       </p:sp>
       <p:sp>
         <p:nvSpPr>
-          <p:cNvPr id="61" name="Line 23"/>
+          <p:cNvPr id="62" name="Line 24"/>
           <p:cNvSpPr/>
           <p:nvPr/>
         </p:nvSpPr>
@@ -2840,7 +2688,7 @@
       </p:sp>
       <p:sp>
         <p:nvSpPr>
-          <p:cNvPr id="62" name="Line 24"/>
+          <p:cNvPr id="63" name="Line 25"/>
           <p:cNvSpPr/>
           <p:nvPr/>
         </p:nvSpPr>
@@ -2868,7 +2716,7 @@
       </p:sp>
       <p:sp>
         <p:nvSpPr>
-          <p:cNvPr id="63" name="Line 25"/>
+          <p:cNvPr id="64" name="Line 26"/>
           <p:cNvSpPr/>
           <p:nvPr/>
         </p:nvSpPr>
@@ -2896,7 +2744,7 @@
       </p:sp>
       <p:sp>
         <p:nvSpPr>
-          <p:cNvPr id="64" name="CustomShape 26"/>
+          <p:cNvPr id="65" name="CustomShape 27"/>
           <p:cNvSpPr/>
           <p:nvPr/>
         </p:nvSpPr>
@@ -2958,7 +2806,7 @@
       </p:sp>
       <p:sp>
         <p:nvSpPr>
-          <p:cNvPr id="65" name="CustomShape 27"/>
+          <p:cNvPr id="66" name="CustomShape 28"/>
           <p:cNvSpPr/>
           <p:nvPr/>
         </p:nvSpPr>
@@ -3020,7 +2868,7 @@
       </p:sp>
       <p:sp>
         <p:nvSpPr>
-          <p:cNvPr id="66" name="CustomShape 28"/>
+          <p:cNvPr id="67" name="CustomShape 29"/>
           <p:cNvSpPr/>
           <p:nvPr/>
         </p:nvSpPr>
@@ -3082,7 +2930,7 @@
       </p:sp>
       <p:sp>
         <p:nvSpPr>
-          <p:cNvPr id="67" name="CustomShape 29"/>
+          <p:cNvPr id="68" name="CustomShape 30"/>
           <p:cNvSpPr/>
           <p:nvPr/>
         </p:nvSpPr>
@@ -3144,7 +2992,7 @@
       </p:sp>
       <p:sp>
         <p:nvSpPr>
-          <p:cNvPr id="68" name="CustomShape 30"/>
+          <p:cNvPr id="69" name="CustomShape 31"/>
           <p:cNvSpPr/>
           <p:nvPr/>
         </p:nvSpPr>
@@ -3206,7 +3054,7 @@
       </p:sp>
       <p:sp>
         <p:nvSpPr>
-          <p:cNvPr id="69" name="CustomShape 31"/>
+          <p:cNvPr id="70" name="CustomShape 32"/>
           <p:cNvSpPr/>
           <p:nvPr/>
         </p:nvSpPr>
@@ -3268,7 +3116,7 @@
       </p:sp>
       <p:sp>
         <p:nvSpPr>
-          <p:cNvPr id="70" name="CustomShape 32"/>
+          <p:cNvPr id="71" name="CustomShape 33"/>
           <p:cNvSpPr/>
           <p:nvPr/>
         </p:nvSpPr>
@@ -3372,7 +3220,7 @@
       </p:sp>
       <p:sp>
         <p:nvSpPr>
-          <p:cNvPr id="71" name="TextShape 33"/>
+          <p:cNvPr id="72" name="TextShape 34"/>
           <p:cNvSpPr txBox="1"/>
           <p:nvPr/>
         </p:nvSpPr>
@@ -3422,7 +3270,7 @@
       </p:sp>
       <p:sp>
         <p:nvSpPr>
-          <p:cNvPr id="72" name="TextShape 34"/>
+          <p:cNvPr id="73" name="TextShape 35"/>
           <p:cNvSpPr txBox="1"/>
           <p:nvPr/>
         </p:nvSpPr>
@@ -3472,7 +3320,7 @@
       </p:sp>
       <p:sp>
         <p:nvSpPr>
-          <p:cNvPr id="73" name="TextShape 35"/>
+          <p:cNvPr id="74" name="TextShape 36"/>
           <p:cNvSpPr txBox="1"/>
           <p:nvPr/>
         </p:nvSpPr>
@@ -3522,7 +3370,7 @@
       </p:sp>
       <p:sp>
         <p:nvSpPr>
-          <p:cNvPr id="74" name="TextShape 36"/>
+          <p:cNvPr id="75" name="TextShape 37"/>
           <p:cNvSpPr txBox="1"/>
           <p:nvPr/>
         </p:nvSpPr>
@@ -3572,7 +3420,7 @@
       </p:sp>
       <p:sp>
         <p:nvSpPr>
-          <p:cNvPr id="75" name="TextShape 37"/>
+          <p:cNvPr id="76" name="TextShape 38"/>
           <p:cNvSpPr txBox="1"/>
           <p:nvPr/>
         </p:nvSpPr>
@@ -3622,7 +3470,7 @@
       </p:sp>
       <p:sp>
         <p:nvSpPr>
-          <p:cNvPr id="76" name="TextShape 38"/>
+          <p:cNvPr id="77" name="TextShape 39"/>
           <p:cNvSpPr txBox="1"/>
           <p:nvPr/>
         </p:nvSpPr>
@@ -3672,7 +3520,7 @@
       </p:sp>
       <p:sp>
         <p:nvSpPr>
-          <p:cNvPr id="77" name="TextShape 39"/>
+          <p:cNvPr id="78" name="TextShape 40"/>
           <p:cNvSpPr txBox="1"/>
           <p:nvPr/>
         </p:nvSpPr>
@@ -3722,7 +3570,7 @@
       </p:sp>
       <p:sp>
         <p:nvSpPr>
-          <p:cNvPr id="78" name="TextShape 40"/>
+          <p:cNvPr id="79" name="TextShape 41"/>
           <p:cNvSpPr txBox="1"/>
           <p:nvPr/>
         </p:nvSpPr>
@@ -3772,7 +3620,7 @@
       </p:sp>
       <p:sp>
         <p:nvSpPr>
-          <p:cNvPr id="79" name="CustomShape 41"/>
+          <p:cNvPr id="80" name="CustomShape 42"/>
           <p:cNvSpPr/>
           <p:nvPr/>
         </p:nvSpPr>
@@ -3834,7 +3682,7 @@
       </p:sp>
       <p:sp>
         <p:nvSpPr>
-          <p:cNvPr id="80" name="TextShape 42"/>
+          <p:cNvPr id="81" name="TextShape 43"/>
           <p:cNvSpPr txBox="1"/>
           <p:nvPr/>
         </p:nvSpPr>
@@ -3884,7 +3732,7 @@
       </p:sp>
       <p:sp>
         <p:nvSpPr>
-          <p:cNvPr id="81" name="CustomShape 43"/>
+          <p:cNvPr id="82" name="CustomShape 44"/>
           <p:cNvSpPr/>
           <p:nvPr/>
         </p:nvSpPr>
@@ -3946,7 +3794,7 @@
       </p:sp>
       <p:sp>
         <p:nvSpPr>
-          <p:cNvPr id="82" name="CustomShape 44"/>
+          <p:cNvPr id="83" name="CustomShape 45"/>
           <p:cNvSpPr/>
           <p:nvPr/>
         </p:nvSpPr>
@@ -4008,7 +3856,7 @@
       </p:sp>
       <p:sp>
         <p:nvSpPr>
-          <p:cNvPr id="83" name="CustomShape 45"/>
+          <p:cNvPr id="84" name="CustomShape 46"/>
           <p:cNvSpPr/>
           <p:nvPr/>
         </p:nvSpPr>
@@ -4070,7 +3918,7 @@
       </p:sp>
       <p:sp>
         <p:nvSpPr>
-          <p:cNvPr id="84" name="CustomShape 46"/>
+          <p:cNvPr id="85" name="CustomShape 47"/>
           <p:cNvSpPr/>
           <p:nvPr/>
         </p:nvSpPr>
@@ -4132,7 +3980,7 @@
       </p:sp>
       <p:sp>
         <p:nvSpPr>
-          <p:cNvPr id="85" name="CustomShape 47"/>
+          <p:cNvPr id="86" name="CustomShape 48"/>
           <p:cNvSpPr/>
           <p:nvPr/>
         </p:nvSpPr>
@@ -4194,7 +4042,7 @@
       </p:sp>
       <p:sp>
         <p:nvSpPr>
-          <p:cNvPr id="86" name="CustomShape 48"/>
+          <p:cNvPr id="87" name="CustomShape 49"/>
           <p:cNvSpPr/>
           <p:nvPr/>
         </p:nvSpPr>
@@ -4256,7 +4104,7 @@
       </p:sp>
       <p:sp>
         <p:nvSpPr>
-          <p:cNvPr id="87" name="CustomShape 49"/>
+          <p:cNvPr id="88" name="CustomShape 50"/>
           <p:cNvSpPr/>
           <p:nvPr/>
         </p:nvSpPr>
@@ -4318,7 +4166,7 @@
       </p:sp>
       <p:sp>
         <p:nvSpPr>
-          <p:cNvPr id="88" name="CustomShape 50"/>
+          <p:cNvPr id="89" name="CustomShape 51"/>
           <p:cNvSpPr/>
           <p:nvPr/>
         </p:nvSpPr>
@@ -4379,7 +4227,7 @@
       </p:sp>
       <p:sp>
         <p:nvSpPr>
-          <p:cNvPr id="89" name="CustomShape 51"/>
+          <p:cNvPr id="90" name="CustomShape 52"/>
           <p:cNvSpPr/>
           <p:nvPr/>
         </p:nvSpPr>
@@ -4440,7 +4288,7 @@
       </p:sp>
       <p:sp>
         <p:nvSpPr>
-          <p:cNvPr id="90" name="CustomShape 52"/>
+          <p:cNvPr id="91" name="CustomShape 53"/>
           <p:cNvSpPr/>
           <p:nvPr/>
         </p:nvSpPr>
@@ -4502,7 +4350,7 @@
       </p:sp>
       <p:sp>
         <p:nvSpPr>
-          <p:cNvPr id="91" name="CustomShape 53"/>
+          <p:cNvPr id="92" name="CustomShape 54"/>
           <p:cNvSpPr/>
           <p:nvPr/>
         </p:nvSpPr>
@@ -4563,7 +4411,7 @@
       </p:sp>
       <p:sp>
         <p:nvSpPr>
-          <p:cNvPr id="92" name="CustomShape 54"/>
+          <p:cNvPr id="93" name="CustomShape 55"/>
           <p:cNvSpPr/>
           <p:nvPr/>
         </p:nvSpPr>
@@ -4624,7 +4472,7 @@
       </p:sp>
       <p:sp>
         <p:nvSpPr>
-          <p:cNvPr id="93" name="CustomShape 55"/>
+          <p:cNvPr id="94" name="CustomShape 56"/>
           <p:cNvSpPr/>
           <p:nvPr/>
         </p:nvSpPr>
@@ -4685,7 +4533,7 @@
       </p:sp>
       <p:sp>
         <p:nvSpPr>
-          <p:cNvPr id="94" name="CustomShape 56"/>
+          <p:cNvPr id="95" name="CustomShape 57"/>
           <p:cNvSpPr/>
           <p:nvPr/>
         </p:nvSpPr>
@@ -4747,7 +4595,7 @@
       </p:sp>
       <p:sp>
         <p:nvSpPr>
-          <p:cNvPr id="95" name="TextShape 57"/>
+          <p:cNvPr id="96" name="TextShape 58"/>
           <p:cNvSpPr txBox="1"/>
           <p:nvPr/>
         </p:nvSpPr>
@@ -4797,7 +4645,7 @@
       </p:sp>
       <p:sp>
         <p:nvSpPr>
-          <p:cNvPr id="96" name="TextShape 58"/>
+          <p:cNvPr id="97" name="TextShape 59"/>
           <p:cNvSpPr txBox="1"/>
           <p:nvPr/>
         </p:nvSpPr>
@@ -4847,7 +4695,7 @@
       </p:sp>
       <p:sp>
         <p:nvSpPr>
-          <p:cNvPr id="97" name="TextShape 59"/>
+          <p:cNvPr id="98" name="TextShape 60"/>
           <p:cNvSpPr txBox="1"/>
           <p:nvPr/>
         </p:nvSpPr>
@@ -4911,7 +4759,7 @@
       </p:sp>
       <p:sp>
         <p:nvSpPr>
-          <p:cNvPr id="98" name="TextShape 60"/>
+          <p:cNvPr id="99" name="TextShape 61"/>
           <p:cNvSpPr txBox="1"/>
           <p:nvPr/>
         </p:nvSpPr>
@@ -4975,7 +4823,7 @@
       </p:sp>
       <p:sp>
         <p:nvSpPr>
-          <p:cNvPr id="99" name="TextShape 61"/>
+          <p:cNvPr id="100" name="TextShape 62"/>
           <p:cNvSpPr txBox="1"/>
           <p:nvPr/>
         </p:nvSpPr>
@@ -5025,7 +4873,7 @@
       </p:sp>
       <p:sp>
         <p:nvSpPr>
-          <p:cNvPr id="100" name="TextShape 62"/>
+          <p:cNvPr id="101" name="TextShape 63"/>
           <p:cNvSpPr txBox="1"/>
           <p:nvPr/>
         </p:nvSpPr>
@@ -5075,7 +4923,7 @@
       </p:sp>
       <p:sp>
         <p:nvSpPr>
-          <p:cNvPr id="101" name="TextShape 63"/>
+          <p:cNvPr id="102" name="TextShape 64"/>
           <p:cNvSpPr txBox="1"/>
           <p:nvPr/>
         </p:nvSpPr>
@@ -5125,7 +4973,7 @@
       </p:sp>
       <p:sp>
         <p:nvSpPr>
-          <p:cNvPr id="102" name="TextShape 64"/>
+          <p:cNvPr id="103" name="TextShape 65"/>
           <p:cNvSpPr txBox="1"/>
           <p:nvPr/>
         </p:nvSpPr>
@@ -5175,7 +5023,7 @@
       </p:sp>
       <p:sp>
         <p:nvSpPr>
-          <p:cNvPr id="103" name="Line 65"/>
+          <p:cNvPr id="104" name="Line 66"/>
           <p:cNvSpPr/>
           <p:nvPr/>
         </p:nvSpPr>
@@ -5203,7 +5051,7 @@
       </p:sp>
       <p:sp>
         <p:nvSpPr>
-          <p:cNvPr id="104" name="Line 66"/>
+          <p:cNvPr id="105" name="Line 67"/>
           <p:cNvSpPr/>
           <p:nvPr/>
         </p:nvSpPr>
@@ -5231,7 +5079,7 @@
       </p:sp>
       <p:sp>
         <p:nvSpPr>
-          <p:cNvPr id="105" name="Line 67"/>
+          <p:cNvPr id="106" name="Line 68"/>
           <p:cNvSpPr/>
           <p:nvPr/>
         </p:nvSpPr>
@@ -5259,7 +5107,7 @@
       </p:sp>
       <p:sp>
         <p:nvSpPr>
-          <p:cNvPr id="106" name="Line 68"/>
+          <p:cNvPr id="107" name="Line 69"/>
           <p:cNvSpPr/>
           <p:nvPr/>
         </p:nvSpPr>
@@ -5287,7 +5135,7 @@
       </p:sp>
       <p:sp>
         <p:nvSpPr>
-          <p:cNvPr id="107" name="Line 69"/>
+          <p:cNvPr id="108" name="Line 70"/>
           <p:cNvSpPr/>
           <p:nvPr/>
         </p:nvSpPr>
@@ -5315,7 +5163,7 @@
       </p:sp>
       <p:sp>
         <p:nvSpPr>
-          <p:cNvPr id="108" name="CustomShape 70"/>
+          <p:cNvPr id="109" name="CustomShape 71"/>
           <p:cNvSpPr/>
           <p:nvPr/>
         </p:nvSpPr>
@@ -5405,7 +5253,7 @@
       </p:sp>
       <p:sp>
         <p:nvSpPr>
-          <p:cNvPr id="109" name="CustomShape 71"/>
+          <p:cNvPr id="110" name="CustomShape 72"/>
           <p:cNvSpPr/>
           <p:nvPr/>
         </p:nvSpPr>
@@ -5544,7 +5392,7 @@
       </p:grpSpPr>
       <p:sp>
         <p:nvSpPr>
-          <p:cNvPr id="110" name="Line 1"/>
+          <p:cNvPr id="111" name="Line 1"/>
           <p:cNvSpPr/>
           <p:nvPr/>
         </p:nvSpPr>
@@ -5572,7 +5420,7 @@
       </p:sp>
       <p:sp>
         <p:nvSpPr>
-          <p:cNvPr id="111" name="Line 2"/>
+          <p:cNvPr id="112" name="Line 2"/>
           <p:cNvSpPr/>
           <p:nvPr/>
         </p:nvSpPr>
@@ -5600,7 +5448,7 @@
       </p:sp>
       <p:sp>
         <p:nvSpPr>
-          <p:cNvPr id="112" name="Line 3"/>
+          <p:cNvPr id="113" name="Line 3"/>
           <p:cNvSpPr/>
           <p:nvPr/>
         </p:nvSpPr>
@@ -5628,7 +5476,7 @@
       </p:sp>
       <p:sp>
         <p:nvSpPr>
-          <p:cNvPr id="113" name="Line 4"/>
+          <p:cNvPr id="114" name="Line 4"/>
           <p:cNvSpPr/>
           <p:nvPr/>
         </p:nvSpPr>
@@ -5656,7 +5504,7 @@
       </p:sp>
       <p:sp>
         <p:nvSpPr>
-          <p:cNvPr id="114" name="Line 5"/>
+          <p:cNvPr id="115" name="Line 5"/>
           <p:cNvSpPr/>
           <p:nvPr/>
         </p:nvSpPr>
@@ -5684,7 +5532,7 @@
       </p:sp>
       <p:sp>
         <p:nvSpPr>
-          <p:cNvPr id="115" name="Line 6"/>
+          <p:cNvPr id="116" name="Line 6"/>
           <p:cNvSpPr/>
           <p:nvPr/>
         </p:nvSpPr>
@@ -5712,7 +5560,7 @@
       </p:sp>
       <p:sp>
         <p:nvSpPr>
-          <p:cNvPr id="116" name="Line 7"/>
+          <p:cNvPr id="117" name="Line 7"/>
           <p:cNvSpPr/>
           <p:nvPr/>
         </p:nvSpPr>
@@ -5740,7 +5588,7 @@
       </p:sp>
       <p:sp>
         <p:nvSpPr>
-          <p:cNvPr id="117" name="CustomShape 8"/>
+          <p:cNvPr id="118" name="CustomShape 8"/>
           <p:cNvSpPr/>
           <p:nvPr/>
         </p:nvSpPr>
@@ -5844,7 +5692,7 @@
       </p:sp>
       <p:sp>
         <p:nvSpPr>
-          <p:cNvPr id="118" name="CustomShape 9"/>
+          <p:cNvPr id="119" name="CustomShape 9"/>
           <p:cNvSpPr/>
           <p:nvPr/>
         </p:nvSpPr>
@@ -5906,7 +5754,7 @@
       </p:sp>
       <p:sp>
         <p:nvSpPr>
-          <p:cNvPr id="119" name="CustomShape 10"/>
+          <p:cNvPr id="120" name="CustomShape 10"/>
           <p:cNvSpPr/>
           <p:nvPr/>
         </p:nvSpPr>
@@ -5968,7 +5816,7 @@
       </p:sp>
       <p:sp>
         <p:nvSpPr>
-          <p:cNvPr id="120" name="CustomShape 11"/>
+          <p:cNvPr id="121" name="CustomShape 11"/>
           <p:cNvSpPr/>
           <p:nvPr/>
         </p:nvSpPr>
@@ -6142,7 +5990,7 @@
       </p:sp>
       <p:sp>
         <p:nvSpPr>
-          <p:cNvPr id="121" name="CustomShape 12"/>
+          <p:cNvPr id="122" name="CustomShape 12"/>
           <p:cNvSpPr/>
           <p:nvPr/>
         </p:nvSpPr>
@@ -6218,7 +6066,7 @@
       </p:sp>
       <p:sp>
         <p:nvSpPr>
-          <p:cNvPr id="122" name="CustomShape 13"/>
+          <p:cNvPr id="123" name="CustomShape 13"/>
           <p:cNvSpPr/>
           <p:nvPr/>
         </p:nvSpPr>
@@ -6280,7 +6128,7 @@
       </p:sp>
       <p:sp>
         <p:nvSpPr>
-          <p:cNvPr id="123" name="CustomShape 14"/>
+          <p:cNvPr id="124" name="CustomShape 14"/>
           <p:cNvSpPr/>
           <p:nvPr/>
         </p:nvSpPr>
@@ -6342,7 +6190,7 @@
       </p:sp>
       <p:sp>
         <p:nvSpPr>
-          <p:cNvPr id="124" name="CustomShape 15"/>
+          <p:cNvPr id="125" name="CustomShape 15"/>
           <p:cNvSpPr/>
           <p:nvPr/>
         </p:nvSpPr>
@@ -6404,7 +6252,7 @@
       </p:sp>
       <p:sp>
         <p:nvSpPr>
-          <p:cNvPr id="125" name="CustomShape 16"/>
+          <p:cNvPr id="126" name="CustomShape 16"/>
           <p:cNvSpPr/>
           <p:nvPr/>
         </p:nvSpPr>
@@ -6466,7 +6314,7 @@
       </p:sp>
       <p:sp>
         <p:nvSpPr>
-          <p:cNvPr id="126" name="CustomShape 17"/>
+          <p:cNvPr id="127" name="CustomShape 17"/>
           <p:cNvSpPr/>
           <p:nvPr/>
         </p:nvSpPr>
@@ -6528,7 +6376,7 @@
       </p:sp>
       <p:sp>
         <p:nvSpPr>
-          <p:cNvPr id="127" name="Line 18"/>
+          <p:cNvPr id="128" name="Line 18"/>
           <p:cNvSpPr/>
           <p:nvPr/>
         </p:nvSpPr>
@@ -6557,7 +6405,7 @@
       </p:sp>
       <p:sp>
         <p:nvSpPr>
-          <p:cNvPr id="128" name="Line 19"/>
+          <p:cNvPr id="129" name="Line 19"/>
           <p:cNvSpPr/>
           <p:nvPr/>
         </p:nvSpPr>
@@ -6586,7 +6434,7 @@
       </p:sp>
       <p:sp>
         <p:nvSpPr>
-          <p:cNvPr id="129" name="TextShape 20"/>
+          <p:cNvPr id="130" name="TextShape 20"/>
           <p:cNvSpPr txBox="1"/>
           <p:nvPr/>
         </p:nvSpPr>
@@ -6618,7 +6466,63 @@
                 </a:uFill>
                 <a:latin typeface="Arial"/>
               </a:rPr>
-              <a:t>Image Data</a:t>
+              <a:t>Im</a:t>
+            </a:r>
+            <a:r>
+              <a:rPr b="0" lang="en-US" sz="1400" spc="-1" strike="noStrike">
+                <a:solidFill>
+                  <a:srgbClr val="000000"/>
+                </a:solidFill>
+                <a:uFill>
+                  <a:solidFill>
+                    <a:srgbClr val="ffffff"/>
+                  </a:solidFill>
+                </a:uFill>
+                <a:latin typeface="Arial"/>
+              </a:rPr>
+              <a:t>ag</a:t>
+            </a:r>
+            <a:r>
+              <a:rPr b="0" lang="en-US" sz="1400" spc="-1" strike="noStrike">
+                <a:solidFill>
+                  <a:srgbClr val="000000"/>
+                </a:solidFill>
+                <a:uFill>
+                  <a:solidFill>
+                    <a:srgbClr val="ffffff"/>
+                  </a:solidFill>
+                </a:uFill>
+                <a:latin typeface="Arial"/>
+              </a:rPr>
+              <a:t>e </a:t>
+            </a:r>
+            <a:r>
+              <a:rPr b="0" lang="en-US" sz="1400" spc="-1" strike="noStrike">
+                <a:solidFill>
+                  <a:srgbClr val="000000"/>
+                </a:solidFill>
+                <a:uFill>
+                  <a:solidFill>
+                    <a:srgbClr val="ffffff"/>
+                  </a:solidFill>
+                </a:uFill>
+                <a:latin typeface="Arial"/>
+              </a:rPr>
+              <a:t>Da</a:t>
+            </a:r>
+            <a:r>
+              <a:rPr b="0" lang="en-US" sz="1400" spc="-1" strike="noStrike">
+                <a:solidFill>
+                  <a:srgbClr val="000000"/>
+                </a:solidFill>
+                <a:uFill>
+                  <a:solidFill>
+                    <a:srgbClr val="ffffff"/>
+                  </a:solidFill>
+                </a:uFill>
+                <a:latin typeface="Arial"/>
+              </a:rPr>
+              <a:t>ta</a:t>
             </a:r>
             <a:endParaRPr b="0" lang="en-US" sz="1400" spc="-1" strike="noStrike">
               <a:solidFill>
@@ -6636,7 +6540,7 @@
       </p:sp>
       <p:sp>
         <p:nvSpPr>
-          <p:cNvPr id="130" name="TextShape 21"/>
+          <p:cNvPr id="131" name="TextShape 21"/>
           <p:cNvSpPr txBox="1"/>
           <p:nvPr/>
         </p:nvSpPr>
@@ -6668,7 +6572,7 @@
                 </a:uFill>
                 <a:latin typeface="Arial"/>
               </a:rPr>
-              <a:t>Frame Rate </a:t>
+              <a:t>Fr</a:t>
             </a:r>
             <a:r>
               <a:rPr b="0" lang="en-US" sz="1400" spc="-1" strike="noStrike">
@@ -6682,7 +6586,133 @@
                 </a:uFill>
                 <a:latin typeface="Arial"/>
               </a:rPr>
-              <a:t>Configuration</a:t>
+              <a:t>a</a:t>
+            </a:r>
+            <a:r>
+              <a:rPr b="0" lang="en-US" sz="1400" spc="-1" strike="noStrike">
+                <a:solidFill>
+                  <a:srgbClr val="000000"/>
+                </a:solidFill>
+                <a:uFill>
+                  <a:solidFill>
+                    <a:srgbClr val="ffffff"/>
+                  </a:solidFill>
+                </a:uFill>
+                <a:latin typeface="Arial"/>
+              </a:rPr>
+              <a:t>m</a:t>
+            </a:r>
+            <a:r>
+              <a:rPr b="0" lang="en-US" sz="1400" spc="-1" strike="noStrike">
+                <a:solidFill>
+                  <a:srgbClr val="000000"/>
+                </a:solidFill>
+                <a:uFill>
+                  <a:solidFill>
+                    <a:srgbClr val="ffffff"/>
+                  </a:solidFill>
+                </a:uFill>
+                <a:latin typeface="Arial"/>
+              </a:rPr>
+              <a:t>e </a:t>
+            </a:r>
+            <a:r>
+              <a:rPr b="0" lang="en-US" sz="1400" spc="-1" strike="noStrike">
+                <a:solidFill>
+                  <a:srgbClr val="000000"/>
+                </a:solidFill>
+                <a:uFill>
+                  <a:solidFill>
+                    <a:srgbClr val="ffffff"/>
+                  </a:solidFill>
+                </a:uFill>
+                <a:latin typeface="Arial"/>
+              </a:rPr>
+              <a:t>Ra</a:t>
+            </a:r>
+            <a:r>
+              <a:rPr b="0" lang="en-US" sz="1400" spc="-1" strike="noStrike">
+                <a:solidFill>
+                  <a:srgbClr val="000000"/>
+                </a:solidFill>
+                <a:uFill>
+                  <a:solidFill>
+                    <a:srgbClr val="ffffff"/>
+                  </a:solidFill>
+                </a:uFill>
+                <a:latin typeface="Arial"/>
+              </a:rPr>
+              <a:t>te </a:t>
+            </a:r>
+            <a:r>
+              <a:rPr b="0" lang="en-US" sz="1400" spc="-1" strike="noStrike">
+                <a:solidFill>
+                  <a:srgbClr val="000000"/>
+                </a:solidFill>
+                <a:uFill>
+                  <a:solidFill>
+                    <a:srgbClr val="ffffff"/>
+                  </a:solidFill>
+                </a:uFill>
+                <a:latin typeface="Arial"/>
+              </a:rPr>
+              <a:t>Co</a:t>
+            </a:r>
+            <a:r>
+              <a:rPr b="0" lang="en-US" sz="1400" spc="-1" strike="noStrike">
+                <a:solidFill>
+                  <a:srgbClr val="000000"/>
+                </a:solidFill>
+                <a:uFill>
+                  <a:solidFill>
+                    <a:srgbClr val="ffffff"/>
+                  </a:solidFill>
+                </a:uFill>
+                <a:latin typeface="Arial"/>
+              </a:rPr>
+              <a:t>nfi</a:t>
+            </a:r>
+            <a:r>
+              <a:rPr b="0" lang="en-US" sz="1400" spc="-1" strike="noStrike">
+                <a:solidFill>
+                  <a:srgbClr val="000000"/>
+                </a:solidFill>
+                <a:uFill>
+                  <a:solidFill>
+                    <a:srgbClr val="ffffff"/>
+                  </a:solidFill>
+                </a:uFill>
+                <a:latin typeface="Arial"/>
+              </a:rPr>
+              <a:t>gu</a:t>
+            </a:r>
+            <a:r>
+              <a:rPr b="0" lang="en-US" sz="1400" spc="-1" strike="noStrike">
+                <a:solidFill>
+                  <a:srgbClr val="000000"/>
+                </a:solidFill>
+                <a:uFill>
+                  <a:solidFill>
+                    <a:srgbClr val="ffffff"/>
+                  </a:solidFill>
+                </a:uFill>
+                <a:latin typeface="Arial"/>
+              </a:rPr>
+              <a:t>rati</a:t>
+            </a:r>
+            <a:r>
+              <a:rPr b="0" lang="en-US" sz="1400" spc="-1" strike="noStrike">
+                <a:solidFill>
+                  <a:srgbClr val="000000"/>
+                </a:solidFill>
+                <a:uFill>
+                  <a:solidFill>
+                    <a:srgbClr val="ffffff"/>
+                  </a:solidFill>
+                </a:uFill>
+                <a:latin typeface="Arial"/>
+              </a:rPr>
+              <a:t>on</a:t>
             </a:r>
             <a:endParaRPr b="0" lang="en-US" sz="1400" spc="-1" strike="noStrike">
               <a:solidFill>
@@ -6700,7 +6730,7 @@
       </p:sp>
       <p:sp>
         <p:nvSpPr>
-          <p:cNvPr id="131" name="CustomShape 22"/>
+          <p:cNvPr id="132" name="CustomShape 22"/>
           <p:cNvSpPr/>
           <p:nvPr/>
         </p:nvSpPr>
@@ -6762,7 +6792,7 @@
       </p:sp>
       <p:sp>
         <p:nvSpPr>
-          <p:cNvPr id="132" name="CustomShape 23"/>
+          <p:cNvPr id="133" name="CustomShape 23"/>
           <p:cNvSpPr/>
           <p:nvPr/>
         </p:nvSpPr>
@@ -6824,7 +6854,7 @@
       </p:sp>
       <p:sp>
         <p:nvSpPr>
-          <p:cNvPr id="133" name="Line 24"/>
+          <p:cNvPr id="134" name="Line 24"/>
           <p:cNvSpPr/>
           <p:nvPr/>
         </p:nvSpPr>
@@ -6853,7 +6883,7 @@
       </p:sp>
       <p:sp>
         <p:nvSpPr>
-          <p:cNvPr id="134" name="Line 25"/>
+          <p:cNvPr id="135" name="Line 25"/>
           <p:cNvSpPr/>
           <p:nvPr/>
         </p:nvSpPr>
@@ -6882,7 +6912,7 @@
       </p:sp>
       <p:sp>
         <p:nvSpPr>
-          <p:cNvPr id="135" name="CustomShape 26"/>
+          <p:cNvPr id="136" name="CustomShape 26"/>
           <p:cNvSpPr/>
           <p:nvPr/>
         </p:nvSpPr>
@@ -6944,7 +6974,7 @@
       </p:sp>
       <p:sp>
         <p:nvSpPr>
-          <p:cNvPr id="136" name="CustomShape 27"/>
+          <p:cNvPr id="137" name="CustomShape 27"/>
           <p:cNvSpPr/>
           <p:nvPr/>
         </p:nvSpPr>
@@ -7020,7 +7050,7 @@
       </p:sp>
       <p:sp>
         <p:nvSpPr>
-          <p:cNvPr id="137" name="Line 28"/>
+          <p:cNvPr id="138" name="Line 28"/>
           <p:cNvSpPr/>
           <p:nvPr/>
         </p:nvSpPr>
@@ -7049,7 +7079,7 @@
       </p:sp>
       <p:sp>
         <p:nvSpPr>
-          <p:cNvPr id="138" name="Line 29"/>
+          <p:cNvPr id="139" name="Line 29"/>
           <p:cNvSpPr/>
           <p:nvPr/>
         </p:nvSpPr>
@@ -7078,7 +7108,7 @@
       </p:sp>
       <p:sp>
         <p:nvSpPr>
-          <p:cNvPr id="139" name="CustomShape 30"/>
+          <p:cNvPr id="140" name="CustomShape 30"/>
           <p:cNvSpPr/>
           <p:nvPr/>
         </p:nvSpPr>
@@ -7140,7 +7170,7 @@
       </p:sp>
       <p:sp>
         <p:nvSpPr>
-          <p:cNvPr id="140" name="CustomShape 31"/>
+          <p:cNvPr id="141" name="CustomShape 31"/>
           <p:cNvSpPr/>
           <p:nvPr/>
         </p:nvSpPr>
@@ -7202,7 +7232,7 @@
       </p:sp>
       <p:sp>
         <p:nvSpPr>
-          <p:cNvPr id="141" name="Line 32"/>
+          <p:cNvPr id="142" name="Line 32"/>
           <p:cNvSpPr/>
           <p:nvPr/>
         </p:nvSpPr>
@@ -7231,7 +7261,7 @@
       </p:sp>
       <p:sp>
         <p:nvSpPr>
-          <p:cNvPr id="142" name="TextShape 33"/>
+          <p:cNvPr id="143" name="TextShape 33"/>
           <p:cNvSpPr txBox="1"/>
           <p:nvPr/>
         </p:nvSpPr>
@@ -7335,7 +7365,7 @@
       </p:sp>
       <p:sp>
         <p:nvSpPr>
-          <p:cNvPr id="143" name="TextShape 34"/>
+          <p:cNvPr id="144" name="TextShape 34"/>
           <p:cNvSpPr txBox="1"/>
           <p:nvPr/>
         </p:nvSpPr>
@@ -7385,7 +7415,7 @@
       </p:sp>
       <p:sp>
         <p:nvSpPr>
-          <p:cNvPr id="144" name="TextShape 35"/>
+          <p:cNvPr id="145" name="TextShape 35"/>
           <p:cNvSpPr txBox="1"/>
           <p:nvPr/>
         </p:nvSpPr>
@@ -7417,7 +7447,35 @@
                 </a:uFill>
                 <a:latin typeface="Arial"/>
               </a:rPr>
-              <a:t>Go to Puzzle/Reset</a:t>
+              <a:t>Go to </a:t>
+            </a:r>
+            <a:r>
+              <a:rPr b="0" lang="en-US" sz="1400" spc="-1" strike="noStrike">
+                <a:solidFill>
+                  <a:srgbClr val="000000"/>
+                </a:solidFill>
+                <a:uFill>
+                  <a:solidFill>
+                    <a:srgbClr val="ffffff"/>
+                  </a:solidFill>
+                </a:uFill>
+                <a:latin typeface="Arial"/>
+              </a:rPr>
+              <a:t>Puzzle/</a:t>
+            </a:r>
+            <a:r>
+              <a:rPr b="0" lang="en-US" sz="1400" spc="-1" strike="noStrike">
+                <a:solidFill>
+                  <a:srgbClr val="000000"/>
+                </a:solidFill>
+                <a:uFill>
+                  <a:solidFill>
+                    <a:srgbClr val="ffffff"/>
+                  </a:solidFill>
+                </a:uFill>
+                <a:latin typeface="Arial"/>
+              </a:rPr>
+              <a:t>Reset</a:t>
             </a:r>
             <a:endParaRPr b="0" lang="en-US" sz="1400" spc="-1" strike="noStrike">
               <a:solidFill>
@@ -7435,7 +7493,7 @@
       </p:sp>
       <p:sp>
         <p:nvSpPr>
-          <p:cNvPr id="145" name="TextShape 36"/>
+          <p:cNvPr id="146" name="TextShape 36"/>
           <p:cNvSpPr txBox="1"/>
           <p:nvPr/>
         </p:nvSpPr>
@@ -7485,7 +7543,7 @@
       </p:sp>
       <p:sp>
         <p:nvSpPr>
-          <p:cNvPr id="146" name="TextShape 37"/>
+          <p:cNvPr id="147" name="TextShape 37"/>
           <p:cNvSpPr txBox="1"/>
           <p:nvPr/>
         </p:nvSpPr>
